--- a/docs/Cajero multi moneda.pptx
+++ b/docs/Cajero multi moneda.pptx
@@ -8,10 +8,12 @@
     <p:sldId id="256" r:id="rId2"/>
     <p:sldId id="261" r:id="rId3"/>
     <p:sldId id="257" r:id="rId4"/>
-    <p:sldId id="258" r:id="rId5"/>
-    <p:sldId id="262" r:id="rId6"/>
-    <p:sldId id="263" r:id="rId7"/>
-    <p:sldId id="264" r:id="rId8"/>
+    <p:sldId id="265" r:id="rId5"/>
+    <p:sldId id="266" r:id="rId6"/>
+    <p:sldId id="267" r:id="rId7"/>
+    <p:sldId id="258" r:id="rId8"/>
+    <p:sldId id="263" r:id="rId9"/>
+    <p:sldId id="264" r:id="rId10"/>
   </p:sldIdLst>
   <p:sldSz cx="12192000" cy="6858000"/>
   <p:notesSz cx="6858000" cy="9144000"/>
@@ -110,6 +112,11 @@
       </a:defRPr>
     </a:lvl9pPr>
   </p:defaultTextStyle>
+  <p:extLst>
+    <p:ext uri="{EFAFB233-063F-42B5-8137-9DF3F51BA10A}">
+      <p15:sldGuideLst xmlns:p15="http://schemas.microsoft.com/office/powerpoint/2012/main"/>
+    </p:ext>
+  </p:extLst>
 </p:presentation>
 </file>
 
@@ -3805,6 +3812,266 @@
 </file>
 
 <file path=ppt/diagrams/data2.xml><?xml version="1.0" encoding="utf-8"?>
+<dgm:dataModel xmlns:dgm="http://schemas.openxmlformats.org/drawingml/2006/diagram" xmlns:a="http://schemas.openxmlformats.org/drawingml/2006/main">
+  <dgm:ptLst>
+    <dgm:pt modelId="{94DAFCB9-7CAA-4EB9-8788-C5452D67AC59}" type="doc">
+      <dgm:prSet loTypeId="urn:microsoft.com/office/officeart/2005/8/layout/default" loCatId="list" qsTypeId="urn:microsoft.com/office/officeart/2005/8/quickstyle/simple4" qsCatId="simple" csTypeId="urn:microsoft.com/office/officeart/2005/8/colors/accent1_3" csCatId="accent1" phldr="1"/>
+      <dgm:spPr/>
+      <dgm:t>
+        <a:bodyPr/>
+        <a:lstStyle/>
+        <a:p>
+          <a:endParaRPr lang="en-US"/>
+        </a:p>
+      </dgm:t>
+    </dgm:pt>
+    <dgm:pt modelId="{A8790BAD-6952-49FA-BC9A-8183119B04FB}">
+      <dgm:prSet/>
+      <dgm:spPr/>
+      <dgm:t>
+        <a:bodyPr/>
+        <a:lstStyle/>
+        <a:p>
+          <a:r>
+            <a:rPr lang="es-BO" b="1" dirty="0"/>
+            <a:t>Gestión de clientes </a:t>
+          </a:r>
+          <a:r>
+            <a:rPr lang="es-BO" dirty="0"/>
+            <a:t>Microservicio de administración que permite la Gestión de clientes y su autenticación </a:t>
+          </a:r>
+          <a:endParaRPr lang="en-US" dirty="0"/>
+        </a:p>
+      </dgm:t>
+    </dgm:pt>
+    <dgm:pt modelId="{7F91A358-E9FE-479E-90BC-D6DFE006A8D6}" type="parTrans" cxnId="{EE0ECE9A-8945-4F58-9A53-86044888ED1A}">
+      <dgm:prSet/>
+      <dgm:spPr/>
+      <dgm:t>
+        <a:bodyPr/>
+        <a:lstStyle/>
+        <a:p>
+          <a:endParaRPr lang="en-US"/>
+        </a:p>
+      </dgm:t>
+    </dgm:pt>
+    <dgm:pt modelId="{50E27AD3-6E57-425D-80BC-C303F6117768}" type="sibTrans" cxnId="{EE0ECE9A-8945-4F58-9A53-86044888ED1A}">
+      <dgm:prSet/>
+      <dgm:spPr/>
+      <dgm:t>
+        <a:bodyPr/>
+        <a:lstStyle/>
+        <a:p>
+          <a:endParaRPr lang="en-US"/>
+        </a:p>
+      </dgm:t>
+    </dgm:pt>
+    <dgm:pt modelId="{A32E4049-6D6E-4843-9297-AE129CB5A6D9}">
+      <dgm:prSet/>
+      <dgm:spPr/>
+      <dgm:t>
+        <a:bodyPr/>
+        <a:lstStyle/>
+        <a:p>
+          <a:r>
+            <a:rPr lang="es-BO" b="1" dirty="0"/>
+            <a:t>Gestión Transacciones </a:t>
+          </a:r>
+          <a:r>
+            <a:rPr lang="es-BO" dirty="0"/>
+            <a:t>Microservicios de transacciones que permitan créditos y débitos en moneda local o extranjera.</a:t>
+          </a:r>
+          <a:endParaRPr lang="es-BO" b="1" dirty="0"/>
+        </a:p>
+      </dgm:t>
+    </dgm:pt>
+    <dgm:pt modelId="{76963F75-24D3-41A0-B104-B61D2B23BE8C}" type="parTrans" cxnId="{63752D87-2EC3-4760-BF76-93DB0591B502}">
+      <dgm:prSet/>
+      <dgm:spPr/>
+      <dgm:t>
+        <a:bodyPr/>
+        <a:lstStyle/>
+        <a:p>
+          <a:endParaRPr lang="es-BO"/>
+        </a:p>
+      </dgm:t>
+    </dgm:pt>
+    <dgm:pt modelId="{E6819A13-83CC-4FDB-99B4-311F7995D23C}" type="sibTrans" cxnId="{63752D87-2EC3-4760-BF76-93DB0591B502}">
+      <dgm:prSet/>
+      <dgm:spPr/>
+      <dgm:t>
+        <a:bodyPr/>
+        <a:lstStyle/>
+        <a:p>
+          <a:endParaRPr lang="es-BO"/>
+        </a:p>
+      </dgm:t>
+    </dgm:pt>
+    <dgm:pt modelId="{BD6023B0-ABF8-4575-AB85-99D400649BE1}">
+      <dgm:prSet/>
+      <dgm:spPr/>
+      <dgm:t>
+        <a:bodyPr/>
+        <a:lstStyle/>
+        <a:p>
+          <a:r>
+            <a:rPr lang="es-BO" b="1" dirty="0"/>
+            <a:t>Gestión Cuentas </a:t>
+          </a:r>
+          <a:r>
+            <a:rPr lang="es-BO" dirty="0"/>
+            <a:t>Microservicio de consulta que permite obtener saldos de cuentas, tipos de cambio e históricos de transacciones.</a:t>
+          </a:r>
+          <a:endParaRPr lang="es-BO" b="1" dirty="0"/>
+        </a:p>
+      </dgm:t>
+    </dgm:pt>
+    <dgm:pt modelId="{C7586E60-989A-476F-B021-026D2261601A}" type="parTrans" cxnId="{24FE3857-34FC-4AF0-8F77-B37A9FC9445F}">
+      <dgm:prSet/>
+      <dgm:spPr/>
+      <dgm:t>
+        <a:bodyPr/>
+        <a:lstStyle/>
+        <a:p>
+          <a:endParaRPr lang="es-BO"/>
+        </a:p>
+      </dgm:t>
+    </dgm:pt>
+    <dgm:pt modelId="{F6BB0E56-9B67-46E9-A0D3-82B1BD580C60}" type="sibTrans" cxnId="{24FE3857-34FC-4AF0-8F77-B37A9FC9445F}">
+      <dgm:prSet/>
+      <dgm:spPr/>
+      <dgm:t>
+        <a:bodyPr/>
+        <a:lstStyle/>
+        <a:p>
+          <a:endParaRPr lang="es-BO"/>
+        </a:p>
+      </dgm:t>
+    </dgm:pt>
+    <dgm:pt modelId="{FD329E8C-C035-4D67-8E0A-BF10FD9DF0DF}">
+      <dgm:prSet/>
+      <dgm:spPr/>
+      <dgm:t>
+        <a:bodyPr/>
+        <a:lstStyle/>
+        <a:p>
+          <a:r>
+            <a:rPr lang="es-BO" b="1" dirty="0"/>
+            <a:t>Gestión Tipo de cambio </a:t>
+          </a:r>
+          <a:r>
+            <a:rPr lang="es-BO" dirty="0"/>
+            <a:t>Microservicio para almacenar y actualizar tipos de cambios, así como de proporcionar la tasa de cambio actualizada a la fecha para la moneda correspondiente</a:t>
+          </a:r>
+          <a:endParaRPr lang="es-BO" b="1" dirty="0"/>
+        </a:p>
+      </dgm:t>
+    </dgm:pt>
+    <dgm:pt modelId="{97ADB62D-76F5-4254-96FD-5619215A0EBD}" type="parTrans" cxnId="{40959036-3F46-44A0-B15A-26A129C6B2E3}">
+      <dgm:prSet/>
+      <dgm:spPr/>
+      <dgm:t>
+        <a:bodyPr/>
+        <a:lstStyle/>
+        <a:p>
+          <a:endParaRPr lang="es-BO"/>
+        </a:p>
+      </dgm:t>
+    </dgm:pt>
+    <dgm:pt modelId="{CDBE6416-95EC-4434-AFE2-D24ABDD0EC8F}" type="sibTrans" cxnId="{40959036-3F46-44A0-B15A-26A129C6B2E3}">
+      <dgm:prSet/>
+      <dgm:spPr/>
+      <dgm:t>
+        <a:bodyPr/>
+        <a:lstStyle/>
+        <a:p>
+          <a:endParaRPr lang="es-BO"/>
+        </a:p>
+      </dgm:t>
+    </dgm:pt>
+    <dgm:pt modelId="{48897AC9-95CD-4578-AF54-E12FF25FB447}" type="pres">
+      <dgm:prSet presAssocID="{94DAFCB9-7CAA-4EB9-8788-C5452D67AC59}" presName="diagram" presStyleCnt="0">
+        <dgm:presLayoutVars>
+          <dgm:dir/>
+          <dgm:resizeHandles val="exact"/>
+        </dgm:presLayoutVars>
+      </dgm:prSet>
+      <dgm:spPr/>
+    </dgm:pt>
+    <dgm:pt modelId="{3B611B71-0942-45B8-8421-5119CC7DDAFC}" type="pres">
+      <dgm:prSet presAssocID="{A8790BAD-6952-49FA-BC9A-8183119B04FB}" presName="node" presStyleLbl="node1" presStyleIdx="0" presStyleCnt="4">
+        <dgm:presLayoutVars>
+          <dgm:bulletEnabled val="1"/>
+        </dgm:presLayoutVars>
+      </dgm:prSet>
+      <dgm:spPr/>
+    </dgm:pt>
+    <dgm:pt modelId="{7C54AA68-C8F7-4276-82BA-74A2DB24B346}" type="pres">
+      <dgm:prSet presAssocID="{50E27AD3-6E57-425D-80BC-C303F6117768}" presName="sibTrans" presStyleCnt="0"/>
+      <dgm:spPr/>
+    </dgm:pt>
+    <dgm:pt modelId="{98C4DE8D-0D8A-4AC4-A692-3EAF13589ADA}" type="pres">
+      <dgm:prSet presAssocID="{A32E4049-6D6E-4843-9297-AE129CB5A6D9}" presName="node" presStyleLbl="node1" presStyleIdx="1" presStyleCnt="4">
+        <dgm:presLayoutVars>
+          <dgm:bulletEnabled val="1"/>
+        </dgm:presLayoutVars>
+      </dgm:prSet>
+      <dgm:spPr/>
+    </dgm:pt>
+    <dgm:pt modelId="{A9B882A3-8D69-4309-9379-9A3B2B4252B9}" type="pres">
+      <dgm:prSet presAssocID="{E6819A13-83CC-4FDB-99B4-311F7995D23C}" presName="sibTrans" presStyleCnt="0"/>
+      <dgm:spPr/>
+    </dgm:pt>
+    <dgm:pt modelId="{6A510AAF-B7BF-4DE7-BA06-47D043EBAA65}" type="pres">
+      <dgm:prSet presAssocID="{BD6023B0-ABF8-4575-AB85-99D400649BE1}" presName="node" presStyleLbl="node1" presStyleIdx="2" presStyleCnt="4">
+        <dgm:presLayoutVars>
+          <dgm:bulletEnabled val="1"/>
+        </dgm:presLayoutVars>
+      </dgm:prSet>
+      <dgm:spPr/>
+    </dgm:pt>
+    <dgm:pt modelId="{0F01E00A-8678-42EF-903B-8D15FF4B96AC}" type="pres">
+      <dgm:prSet presAssocID="{F6BB0E56-9B67-46E9-A0D3-82B1BD580C60}" presName="sibTrans" presStyleCnt="0"/>
+      <dgm:spPr/>
+    </dgm:pt>
+    <dgm:pt modelId="{B2D14D2E-5E8B-4260-A2E0-A661E39001A7}" type="pres">
+      <dgm:prSet presAssocID="{FD329E8C-C035-4D67-8E0A-BF10FD9DF0DF}" presName="node" presStyleLbl="node1" presStyleIdx="3" presStyleCnt="4">
+        <dgm:presLayoutVars>
+          <dgm:bulletEnabled val="1"/>
+        </dgm:presLayoutVars>
+      </dgm:prSet>
+      <dgm:spPr/>
+    </dgm:pt>
+  </dgm:ptLst>
+  <dgm:cxnLst>
+    <dgm:cxn modelId="{8CF7FF15-2381-47D1-BDAE-193F0A03DCC2}" type="presOf" srcId="{FD329E8C-C035-4D67-8E0A-BF10FD9DF0DF}" destId="{B2D14D2E-5E8B-4260-A2E0-A661E39001A7}" srcOrd="0" destOrd="0" presId="urn:microsoft.com/office/officeart/2005/8/layout/default"/>
+    <dgm:cxn modelId="{40959036-3F46-44A0-B15A-26A129C6B2E3}" srcId="{94DAFCB9-7CAA-4EB9-8788-C5452D67AC59}" destId="{FD329E8C-C035-4D67-8E0A-BF10FD9DF0DF}" srcOrd="3" destOrd="0" parTransId="{97ADB62D-76F5-4254-96FD-5619215A0EBD}" sibTransId="{CDBE6416-95EC-4434-AFE2-D24ABDD0EC8F}"/>
+    <dgm:cxn modelId="{B0037166-7D9F-48EC-8C02-A30E7C4A772B}" type="presOf" srcId="{BD6023B0-ABF8-4575-AB85-99D400649BE1}" destId="{6A510AAF-B7BF-4DE7-BA06-47D043EBAA65}" srcOrd="0" destOrd="0" presId="urn:microsoft.com/office/officeart/2005/8/layout/default"/>
+    <dgm:cxn modelId="{26770154-575F-4342-B0B7-72AAE1822C6C}" type="presOf" srcId="{94DAFCB9-7CAA-4EB9-8788-C5452D67AC59}" destId="{48897AC9-95CD-4578-AF54-E12FF25FB447}" srcOrd="0" destOrd="0" presId="urn:microsoft.com/office/officeart/2005/8/layout/default"/>
+    <dgm:cxn modelId="{24FE3857-34FC-4AF0-8F77-B37A9FC9445F}" srcId="{94DAFCB9-7CAA-4EB9-8788-C5452D67AC59}" destId="{BD6023B0-ABF8-4575-AB85-99D400649BE1}" srcOrd="2" destOrd="0" parTransId="{C7586E60-989A-476F-B021-026D2261601A}" sibTransId="{F6BB0E56-9B67-46E9-A0D3-82B1BD580C60}"/>
+    <dgm:cxn modelId="{63752D87-2EC3-4760-BF76-93DB0591B502}" srcId="{94DAFCB9-7CAA-4EB9-8788-C5452D67AC59}" destId="{A32E4049-6D6E-4843-9297-AE129CB5A6D9}" srcOrd="1" destOrd="0" parTransId="{76963F75-24D3-41A0-B104-B61D2B23BE8C}" sibTransId="{E6819A13-83CC-4FDB-99B4-311F7995D23C}"/>
+    <dgm:cxn modelId="{CFECD996-CDBA-4104-A022-49686866EA16}" type="presOf" srcId="{A8790BAD-6952-49FA-BC9A-8183119B04FB}" destId="{3B611B71-0942-45B8-8421-5119CC7DDAFC}" srcOrd="0" destOrd="0" presId="urn:microsoft.com/office/officeart/2005/8/layout/default"/>
+    <dgm:cxn modelId="{EE0ECE9A-8945-4F58-9A53-86044888ED1A}" srcId="{94DAFCB9-7CAA-4EB9-8788-C5452D67AC59}" destId="{A8790BAD-6952-49FA-BC9A-8183119B04FB}" srcOrd="0" destOrd="0" parTransId="{7F91A358-E9FE-479E-90BC-D6DFE006A8D6}" sibTransId="{50E27AD3-6E57-425D-80BC-C303F6117768}"/>
+    <dgm:cxn modelId="{D0BD66DD-41E7-4FD1-85B8-3A86728A2F7F}" type="presOf" srcId="{A32E4049-6D6E-4843-9297-AE129CB5A6D9}" destId="{98C4DE8D-0D8A-4AC4-A692-3EAF13589ADA}" srcOrd="0" destOrd="0" presId="urn:microsoft.com/office/officeart/2005/8/layout/default"/>
+    <dgm:cxn modelId="{A95E6239-CB7E-4869-A411-EADF60922E7E}" type="presParOf" srcId="{48897AC9-95CD-4578-AF54-E12FF25FB447}" destId="{3B611B71-0942-45B8-8421-5119CC7DDAFC}" srcOrd="0" destOrd="0" presId="urn:microsoft.com/office/officeart/2005/8/layout/default"/>
+    <dgm:cxn modelId="{550D17F9-A01A-4B0F-BB9D-1243A14A6306}" type="presParOf" srcId="{48897AC9-95CD-4578-AF54-E12FF25FB447}" destId="{7C54AA68-C8F7-4276-82BA-74A2DB24B346}" srcOrd="1" destOrd="0" presId="urn:microsoft.com/office/officeart/2005/8/layout/default"/>
+    <dgm:cxn modelId="{987C345E-03B0-431B-B45E-8DEA6D745420}" type="presParOf" srcId="{48897AC9-95CD-4578-AF54-E12FF25FB447}" destId="{98C4DE8D-0D8A-4AC4-A692-3EAF13589ADA}" srcOrd="2" destOrd="0" presId="urn:microsoft.com/office/officeart/2005/8/layout/default"/>
+    <dgm:cxn modelId="{53F52EAC-606D-4E9C-8C99-86627FEE3DEB}" type="presParOf" srcId="{48897AC9-95CD-4578-AF54-E12FF25FB447}" destId="{A9B882A3-8D69-4309-9379-9A3B2B4252B9}" srcOrd="3" destOrd="0" presId="urn:microsoft.com/office/officeart/2005/8/layout/default"/>
+    <dgm:cxn modelId="{125CEA7D-98BB-4B92-A9AA-C4C7EBB3C0A0}" type="presParOf" srcId="{48897AC9-95CD-4578-AF54-E12FF25FB447}" destId="{6A510AAF-B7BF-4DE7-BA06-47D043EBAA65}" srcOrd="4" destOrd="0" presId="urn:microsoft.com/office/officeart/2005/8/layout/default"/>
+    <dgm:cxn modelId="{308A75FE-3633-4475-ACA9-C1F8E6FBF017}" type="presParOf" srcId="{48897AC9-95CD-4578-AF54-E12FF25FB447}" destId="{0F01E00A-8678-42EF-903B-8D15FF4B96AC}" srcOrd="5" destOrd="0" presId="urn:microsoft.com/office/officeart/2005/8/layout/default"/>
+    <dgm:cxn modelId="{AFF7CA06-1B45-4091-8C90-C91F6B81C7C6}" type="presParOf" srcId="{48897AC9-95CD-4578-AF54-E12FF25FB447}" destId="{B2D14D2E-5E8B-4260-A2E0-A661E39001A7}" srcOrd="6" destOrd="0" presId="urn:microsoft.com/office/officeart/2005/8/layout/default"/>
+  </dgm:cxnLst>
+  <dgm:bg/>
+  <dgm:whole/>
+  <dgm:extLst>
+    <a:ext uri="http://schemas.microsoft.com/office/drawing/2008/diagram">
+      <dsp:dataModelExt xmlns:dsp="http://schemas.microsoft.com/office/drawing/2008/diagram" relId="rId6" minVer="http://schemas.openxmlformats.org/drawingml/2006/diagram"/>
+    </a:ext>
+  </dgm:extLst>
+</dgm:dataModel>
+</file>
+
+<file path=ppt/diagrams/data3.xml><?xml version="1.0" encoding="utf-8"?>
 <dgm:dataModel xmlns:dgm="http://schemas.openxmlformats.org/drawingml/2006/diagram" xmlns:a="http://schemas.openxmlformats.org/drawingml/2006/main">
   <dgm:ptLst>
     <dgm:pt modelId="{602AC05B-CF12-4E62-AD7D-BAB1C59A9808}" type="doc">
@@ -4043,315 +4310,6 @@
     <dgm:cxn modelId="{B57052DB-1BA8-4F07-8876-C8C326E2E1D1}" type="presParOf" srcId="{850B4BA0-D8E0-47BC-9DBA-E28432FE7689}" destId="{322C75FE-3917-4D0B-861C-E105E496C249}" srcOrd="4" destOrd="0" presId="urn:microsoft.com/office/officeart/2005/8/layout/hList6"/>
     <dgm:cxn modelId="{8BD7AB6B-82DD-4BBC-9734-0673B4FC53AF}" type="presParOf" srcId="{850B4BA0-D8E0-47BC-9DBA-E28432FE7689}" destId="{FE38105B-A8A9-407B-A362-E3CF05C62859}" srcOrd="5" destOrd="0" presId="urn:microsoft.com/office/officeart/2005/8/layout/hList6"/>
     <dgm:cxn modelId="{0F9583E5-0B81-4B97-AACB-034D16304133}" type="presParOf" srcId="{850B4BA0-D8E0-47BC-9DBA-E28432FE7689}" destId="{15B90B14-2A49-40BB-A6AC-0162FDA60898}" srcOrd="6" destOrd="0" presId="urn:microsoft.com/office/officeart/2005/8/layout/hList6"/>
-  </dgm:cxnLst>
-  <dgm:bg/>
-  <dgm:whole/>
-  <dgm:extLst>
-    <a:ext uri="http://schemas.microsoft.com/office/drawing/2008/diagram">
-      <dsp:dataModelExt xmlns:dsp="http://schemas.microsoft.com/office/drawing/2008/diagram" relId="rId6" minVer="http://schemas.openxmlformats.org/drawingml/2006/diagram"/>
-    </a:ext>
-  </dgm:extLst>
-</dgm:dataModel>
-</file>
-
-<file path=ppt/diagrams/data3.xml><?xml version="1.0" encoding="utf-8"?>
-<dgm:dataModel xmlns:dgm="http://schemas.openxmlformats.org/drawingml/2006/diagram" xmlns:a="http://schemas.openxmlformats.org/drawingml/2006/main">
-  <dgm:ptLst>
-    <dgm:pt modelId="{602AC05B-CF12-4E62-AD7D-BAB1C59A9808}" type="doc">
-      <dgm:prSet loTypeId="urn:microsoft.com/office/officeart/2005/8/layout/vList6" loCatId="list" qsTypeId="urn:microsoft.com/office/officeart/2005/8/quickstyle/simple1" qsCatId="simple" csTypeId="urn:microsoft.com/office/officeart/2005/8/colors/accent1_3" csCatId="accent1" phldr="1"/>
-      <dgm:spPr/>
-      <dgm:t>
-        <a:bodyPr/>
-        <a:lstStyle/>
-        <a:p>
-          <a:endParaRPr lang="es-BO"/>
-        </a:p>
-      </dgm:t>
-    </dgm:pt>
-    <dgm:pt modelId="{CCCE948C-3D9A-42E1-99C1-2EFC7562F3A2}">
-      <dgm:prSet/>
-      <dgm:spPr/>
-      <dgm:t>
-        <a:bodyPr/>
-        <a:lstStyle/>
-        <a:p>
-          <a:r>
-            <a:rPr lang="es-ES" dirty="0"/>
-            <a:t>Gestión de Cuentas: Este microservicio permite obtener saldos de cuentas, tipos de cambio e históricos de transacciones. Además, se utiliza para la generación de extractos.</a:t>
-          </a:r>
-          <a:endParaRPr lang="es-BO" dirty="0"/>
-        </a:p>
-      </dgm:t>
-    </dgm:pt>
-    <dgm:pt modelId="{BA891B9B-2A96-4B10-AC39-912047DD4C7D}" type="parTrans" cxnId="{5D7AF536-58F7-4118-B40F-EAAD277E0FA3}">
-      <dgm:prSet/>
-      <dgm:spPr/>
-      <dgm:t>
-        <a:bodyPr/>
-        <a:lstStyle/>
-        <a:p>
-          <a:endParaRPr lang="es-BO"/>
-        </a:p>
-      </dgm:t>
-    </dgm:pt>
-    <dgm:pt modelId="{9540D903-3728-4799-A6E0-C256A548D5B1}" type="sibTrans" cxnId="{5D7AF536-58F7-4118-B40F-EAAD277E0FA3}">
-      <dgm:prSet/>
-      <dgm:spPr/>
-      <dgm:t>
-        <a:bodyPr/>
-        <a:lstStyle/>
-        <a:p>
-          <a:endParaRPr lang="es-BO"/>
-        </a:p>
-      </dgm:t>
-    </dgm:pt>
-    <dgm:pt modelId="{E96C07ED-8AC3-4D4A-BCBE-818B3C9D768E}">
-      <dgm:prSet/>
-      <dgm:spPr/>
-      <dgm:t>
-        <a:bodyPr/>
-        <a:lstStyle/>
-        <a:p>
-          <a:r>
-            <a:rPr lang="es-ES" dirty="0"/>
-            <a:t>Gestión de Clientes: Este microservicio se encarga de la administración que permite la gestión de clientes y su autenticación. También se utiliza para la autenticación del usuario en diversas operaciones.</a:t>
-          </a:r>
-          <a:endParaRPr lang="es-BO" dirty="0"/>
-        </a:p>
-      </dgm:t>
-    </dgm:pt>
-    <dgm:pt modelId="{A058BF13-A9E3-4C1F-B39C-D83D5D3BF7BC}" type="parTrans" cxnId="{27F09362-8345-4C33-95C3-715D16F76DC2}">
-      <dgm:prSet/>
-      <dgm:spPr/>
-      <dgm:t>
-        <a:bodyPr/>
-        <a:lstStyle/>
-        <a:p>
-          <a:endParaRPr lang="es-BO"/>
-        </a:p>
-      </dgm:t>
-    </dgm:pt>
-    <dgm:pt modelId="{828D36BA-2C51-4038-8A59-858C50F76F3D}" type="sibTrans" cxnId="{27F09362-8345-4C33-95C3-715D16F76DC2}">
-      <dgm:prSet/>
-      <dgm:spPr/>
-      <dgm:t>
-        <a:bodyPr/>
-        <a:lstStyle/>
-        <a:p>
-          <a:endParaRPr lang="es-BO"/>
-        </a:p>
-      </dgm:t>
-    </dgm:pt>
-    <dgm:pt modelId="{03D40F86-75D9-422C-9882-263ED7F4AB39}">
-      <dgm:prSet/>
-      <dgm:spPr/>
-      <dgm:t>
-        <a:bodyPr/>
-        <a:lstStyle/>
-        <a:p>
-          <a:r>
-            <a:rPr lang="es-ES" dirty="0"/>
-            <a:t>Gestión de Tipo de Cambio: Este microservicio se encarga de almacenar y actualizar tipos de cambios, así como de proporcionar la tasa de cambio actualizada a la fecha para la moneda correspondiente. También se utiliza para gestionar el tipo de cambio entre monedas en diversas operaciones.</a:t>
-          </a:r>
-          <a:endParaRPr lang="es-BO" dirty="0"/>
-        </a:p>
-      </dgm:t>
-    </dgm:pt>
-    <dgm:pt modelId="{8B5CB774-DCFD-44BC-872B-D186628EB5DC}" type="parTrans" cxnId="{8FA15D18-05D8-4D53-A12F-38D412BA82D6}">
-      <dgm:prSet/>
-      <dgm:spPr/>
-      <dgm:t>
-        <a:bodyPr/>
-        <a:lstStyle/>
-        <a:p>
-          <a:endParaRPr lang="es-BO"/>
-        </a:p>
-      </dgm:t>
-    </dgm:pt>
-    <dgm:pt modelId="{2DEDAF09-3391-4D7A-A7C6-098EE242266D}" type="sibTrans" cxnId="{8FA15D18-05D8-4D53-A12F-38D412BA82D6}">
-      <dgm:prSet/>
-      <dgm:spPr/>
-      <dgm:t>
-        <a:bodyPr/>
-        <a:lstStyle/>
-        <a:p>
-          <a:endParaRPr lang="es-BO"/>
-        </a:p>
-      </dgm:t>
-    </dgm:pt>
-    <dgm:pt modelId="{1BD8B0AB-CDB3-4C81-BCE1-7DECF11A2E6B}">
-      <dgm:prSet/>
-      <dgm:spPr/>
-      <dgm:t>
-        <a:bodyPr/>
-        <a:lstStyle/>
-        <a:p>
-          <a:r>
-            <a:rPr lang="es-ES" dirty="0"/>
-            <a:t>Gestión de Transacciones: Este microservicio permite realizar créditos y débitos en moneda local o extranjera. Se utiliza para realizar débitos en dólares americanos, transferir dólares a otra cuenta y obtener extractos de transacciones realizadas en </a:t>
-          </a:r>
-          <a:r>
-            <a:rPr lang="es-ES" dirty="0" err="1"/>
-            <a:t>ATMs</a:t>
-          </a:r>
-          <a:r>
-            <a:rPr lang="es-ES" dirty="0"/>
-            <a:t>.</a:t>
-          </a:r>
-          <a:endParaRPr lang="es-BO" dirty="0"/>
-        </a:p>
-      </dgm:t>
-    </dgm:pt>
-    <dgm:pt modelId="{AD31A1F9-1445-466D-8F57-BA76DF48A7FC}" type="parTrans" cxnId="{0EE3AD9F-0893-47B9-B88C-39D5CE35E169}">
-      <dgm:prSet/>
-      <dgm:spPr/>
-      <dgm:t>
-        <a:bodyPr/>
-        <a:lstStyle/>
-        <a:p>
-          <a:endParaRPr lang="es-BO"/>
-        </a:p>
-      </dgm:t>
-    </dgm:pt>
-    <dgm:pt modelId="{C1048B17-B182-4617-BB08-DE9EC83EC7E5}" type="sibTrans" cxnId="{0EE3AD9F-0893-47B9-B88C-39D5CE35E169}">
-      <dgm:prSet/>
-      <dgm:spPr/>
-      <dgm:t>
-        <a:bodyPr/>
-        <a:lstStyle/>
-        <a:p>
-          <a:endParaRPr lang="es-BO"/>
-        </a:p>
-      </dgm:t>
-    </dgm:pt>
-    <dgm:pt modelId="{545E599F-F591-4633-B24B-BF32AAE96F42}" type="pres">
-      <dgm:prSet presAssocID="{602AC05B-CF12-4E62-AD7D-BAB1C59A9808}" presName="Name0" presStyleCnt="0">
-        <dgm:presLayoutVars>
-          <dgm:dir/>
-          <dgm:animLvl val="lvl"/>
-          <dgm:resizeHandles/>
-        </dgm:presLayoutVars>
-      </dgm:prSet>
-      <dgm:spPr/>
-    </dgm:pt>
-    <dgm:pt modelId="{19A4D751-91D2-4352-B8BB-2BEE453A6162}" type="pres">
-      <dgm:prSet presAssocID="{CCCE948C-3D9A-42E1-99C1-2EFC7562F3A2}" presName="linNode" presStyleCnt="0"/>
-      <dgm:spPr/>
-    </dgm:pt>
-    <dgm:pt modelId="{40BEF9C5-E7DA-480A-86C4-433C07B38C91}" type="pres">
-      <dgm:prSet presAssocID="{CCCE948C-3D9A-42E1-99C1-2EFC7562F3A2}" presName="parentShp" presStyleLbl="node1" presStyleIdx="0" presStyleCnt="4" custScaleX="231966">
-        <dgm:presLayoutVars>
-          <dgm:bulletEnabled val="1"/>
-        </dgm:presLayoutVars>
-      </dgm:prSet>
-      <dgm:spPr/>
-    </dgm:pt>
-    <dgm:pt modelId="{209D7624-216B-4847-BB0A-2187CD7E2AC8}" type="pres">
-      <dgm:prSet presAssocID="{CCCE948C-3D9A-42E1-99C1-2EFC7562F3A2}" presName="childShp" presStyleLbl="bgAccFollowNode1" presStyleIdx="0" presStyleCnt="4">
-        <dgm:presLayoutVars>
-          <dgm:bulletEnabled val="1"/>
-        </dgm:presLayoutVars>
-      </dgm:prSet>
-      <dgm:spPr/>
-    </dgm:pt>
-    <dgm:pt modelId="{64E01614-C659-41F0-B0C1-DE6101ED573F}" type="pres">
-      <dgm:prSet presAssocID="{9540D903-3728-4799-A6E0-C256A548D5B1}" presName="spacing" presStyleCnt="0"/>
-      <dgm:spPr/>
-    </dgm:pt>
-    <dgm:pt modelId="{6FB238FB-B19D-4C37-9224-7059335EADD5}" type="pres">
-      <dgm:prSet presAssocID="{E96C07ED-8AC3-4D4A-BCBE-818B3C9D768E}" presName="linNode" presStyleCnt="0"/>
-      <dgm:spPr/>
-    </dgm:pt>
-    <dgm:pt modelId="{C7F16BD8-5B23-4C09-AB3D-9A8062130D85}" type="pres">
-      <dgm:prSet presAssocID="{E96C07ED-8AC3-4D4A-BCBE-818B3C9D768E}" presName="parentShp" presStyleLbl="node1" presStyleIdx="1" presStyleCnt="4" custScaleX="254800">
-        <dgm:presLayoutVars>
-          <dgm:bulletEnabled val="1"/>
-        </dgm:presLayoutVars>
-      </dgm:prSet>
-      <dgm:spPr/>
-    </dgm:pt>
-    <dgm:pt modelId="{623A511D-94A7-47D3-AE3B-F13A88804391}" type="pres">
-      <dgm:prSet presAssocID="{E96C07ED-8AC3-4D4A-BCBE-818B3C9D768E}" presName="childShp" presStyleLbl="bgAccFollowNode1" presStyleIdx="1" presStyleCnt="4">
-        <dgm:presLayoutVars>
-          <dgm:bulletEnabled val="1"/>
-        </dgm:presLayoutVars>
-      </dgm:prSet>
-      <dgm:spPr/>
-    </dgm:pt>
-    <dgm:pt modelId="{81A833EF-A661-4A1B-99ED-68F75EEF4F4A}" type="pres">
-      <dgm:prSet presAssocID="{828D36BA-2C51-4038-8A59-858C50F76F3D}" presName="spacing" presStyleCnt="0"/>
-      <dgm:spPr/>
-    </dgm:pt>
-    <dgm:pt modelId="{27ECE535-8CEB-4802-867F-C2A63BC21F3B}" type="pres">
-      <dgm:prSet presAssocID="{1BD8B0AB-CDB3-4C81-BCE1-7DECF11A2E6B}" presName="linNode" presStyleCnt="0"/>
-      <dgm:spPr/>
-    </dgm:pt>
-    <dgm:pt modelId="{214EC26C-EBAB-4E3F-BDAD-E996E07B37D6}" type="pres">
-      <dgm:prSet presAssocID="{1BD8B0AB-CDB3-4C81-BCE1-7DECF11A2E6B}" presName="parentShp" presStyleLbl="node1" presStyleIdx="2" presStyleCnt="4" custScaleX="238062">
-        <dgm:presLayoutVars>
-          <dgm:bulletEnabled val="1"/>
-        </dgm:presLayoutVars>
-      </dgm:prSet>
-      <dgm:spPr/>
-    </dgm:pt>
-    <dgm:pt modelId="{C098CCA1-29D4-49E7-BA26-683FB3CF8C59}" type="pres">
-      <dgm:prSet presAssocID="{1BD8B0AB-CDB3-4C81-BCE1-7DECF11A2E6B}" presName="childShp" presStyleLbl="bgAccFollowNode1" presStyleIdx="2" presStyleCnt="4">
-        <dgm:presLayoutVars>
-          <dgm:bulletEnabled val="1"/>
-        </dgm:presLayoutVars>
-      </dgm:prSet>
-      <dgm:spPr/>
-    </dgm:pt>
-    <dgm:pt modelId="{FC5EDF1B-4828-4ADF-8D67-4D8693CCDEC9}" type="pres">
-      <dgm:prSet presAssocID="{C1048B17-B182-4617-BB08-DE9EC83EC7E5}" presName="spacing" presStyleCnt="0"/>
-      <dgm:spPr/>
-    </dgm:pt>
-    <dgm:pt modelId="{AAC92C23-2E6C-4A77-9683-443E24ED5BED}" type="pres">
-      <dgm:prSet presAssocID="{03D40F86-75D9-422C-9882-263ED7F4AB39}" presName="linNode" presStyleCnt="0"/>
-      <dgm:spPr/>
-    </dgm:pt>
-    <dgm:pt modelId="{53A6927B-2C26-4555-BCD2-1397D670CECC}" type="pres">
-      <dgm:prSet presAssocID="{03D40F86-75D9-422C-9882-263ED7F4AB39}" presName="parentShp" presStyleLbl="node1" presStyleIdx="3" presStyleCnt="4" custScaleX="250000">
-        <dgm:presLayoutVars>
-          <dgm:bulletEnabled val="1"/>
-        </dgm:presLayoutVars>
-      </dgm:prSet>
-      <dgm:spPr/>
-    </dgm:pt>
-    <dgm:pt modelId="{CBEC098B-FCC8-4C6A-81A6-EA0A75310A0C}" type="pres">
-      <dgm:prSet presAssocID="{03D40F86-75D9-422C-9882-263ED7F4AB39}" presName="childShp" presStyleLbl="bgAccFollowNode1" presStyleIdx="3" presStyleCnt="4">
-        <dgm:presLayoutVars>
-          <dgm:bulletEnabled val="1"/>
-        </dgm:presLayoutVars>
-      </dgm:prSet>
-      <dgm:spPr/>
-    </dgm:pt>
-  </dgm:ptLst>
-  <dgm:cxnLst>
-    <dgm:cxn modelId="{8FA15D18-05D8-4D53-A12F-38D412BA82D6}" srcId="{602AC05B-CF12-4E62-AD7D-BAB1C59A9808}" destId="{03D40F86-75D9-422C-9882-263ED7F4AB39}" srcOrd="3" destOrd="0" parTransId="{8B5CB774-DCFD-44BC-872B-D186628EB5DC}" sibTransId="{2DEDAF09-3391-4D7A-A7C6-098EE242266D}"/>
-    <dgm:cxn modelId="{912ABE1A-795D-4F34-9ED3-7772BC312181}" type="presOf" srcId="{03D40F86-75D9-422C-9882-263ED7F4AB39}" destId="{53A6927B-2C26-4555-BCD2-1397D670CECC}" srcOrd="0" destOrd="0" presId="urn:microsoft.com/office/officeart/2005/8/layout/vList6"/>
-    <dgm:cxn modelId="{5D7AF536-58F7-4118-B40F-EAAD277E0FA3}" srcId="{602AC05B-CF12-4E62-AD7D-BAB1C59A9808}" destId="{CCCE948C-3D9A-42E1-99C1-2EFC7562F3A2}" srcOrd="0" destOrd="0" parTransId="{BA891B9B-2A96-4B10-AC39-912047DD4C7D}" sibTransId="{9540D903-3728-4799-A6E0-C256A548D5B1}"/>
-    <dgm:cxn modelId="{27F09362-8345-4C33-95C3-715D16F76DC2}" srcId="{602AC05B-CF12-4E62-AD7D-BAB1C59A9808}" destId="{E96C07ED-8AC3-4D4A-BCBE-818B3C9D768E}" srcOrd="1" destOrd="0" parTransId="{A058BF13-A9E3-4C1F-B39C-D83D5D3BF7BC}" sibTransId="{828D36BA-2C51-4038-8A59-858C50F76F3D}"/>
-    <dgm:cxn modelId="{A0E0CC50-C0A5-4B4A-931B-9C0C0B979EA4}" type="presOf" srcId="{E96C07ED-8AC3-4D4A-BCBE-818B3C9D768E}" destId="{C7F16BD8-5B23-4C09-AB3D-9A8062130D85}" srcOrd="0" destOrd="0" presId="urn:microsoft.com/office/officeart/2005/8/layout/vList6"/>
-    <dgm:cxn modelId="{3BE01E95-685E-472A-9747-C300FA76EEE1}" type="presOf" srcId="{1BD8B0AB-CDB3-4C81-BCE1-7DECF11A2E6B}" destId="{214EC26C-EBAB-4E3F-BDAD-E996E07B37D6}" srcOrd="0" destOrd="0" presId="urn:microsoft.com/office/officeart/2005/8/layout/vList6"/>
-    <dgm:cxn modelId="{0EE3AD9F-0893-47B9-B88C-39D5CE35E169}" srcId="{602AC05B-CF12-4E62-AD7D-BAB1C59A9808}" destId="{1BD8B0AB-CDB3-4C81-BCE1-7DECF11A2E6B}" srcOrd="2" destOrd="0" parTransId="{AD31A1F9-1445-466D-8F57-BA76DF48A7FC}" sibTransId="{C1048B17-B182-4617-BB08-DE9EC83EC7E5}"/>
-    <dgm:cxn modelId="{B6AB4BDA-24A7-45A2-A1DE-61C3D60CEFDF}" type="presOf" srcId="{CCCE948C-3D9A-42E1-99C1-2EFC7562F3A2}" destId="{40BEF9C5-E7DA-480A-86C4-433C07B38C91}" srcOrd="0" destOrd="0" presId="urn:microsoft.com/office/officeart/2005/8/layout/vList6"/>
-    <dgm:cxn modelId="{CD3096E1-A66E-41C0-8473-1FF11412AA75}" type="presOf" srcId="{602AC05B-CF12-4E62-AD7D-BAB1C59A9808}" destId="{545E599F-F591-4633-B24B-BF32AAE96F42}" srcOrd="0" destOrd="0" presId="urn:microsoft.com/office/officeart/2005/8/layout/vList6"/>
-    <dgm:cxn modelId="{FAD9D0CB-CE4C-4120-A707-97BC7EA7CAD0}" type="presParOf" srcId="{545E599F-F591-4633-B24B-BF32AAE96F42}" destId="{19A4D751-91D2-4352-B8BB-2BEE453A6162}" srcOrd="0" destOrd="0" presId="urn:microsoft.com/office/officeart/2005/8/layout/vList6"/>
-    <dgm:cxn modelId="{7D8A2E73-AAF2-4170-A91B-850C76FA2077}" type="presParOf" srcId="{19A4D751-91D2-4352-B8BB-2BEE453A6162}" destId="{40BEF9C5-E7DA-480A-86C4-433C07B38C91}" srcOrd="0" destOrd="0" presId="urn:microsoft.com/office/officeart/2005/8/layout/vList6"/>
-    <dgm:cxn modelId="{2232F232-032E-4241-9B94-E448037A03B5}" type="presParOf" srcId="{19A4D751-91D2-4352-B8BB-2BEE453A6162}" destId="{209D7624-216B-4847-BB0A-2187CD7E2AC8}" srcOrd="1" destOrd="0" presId="urn:microsoft.com/office/officeart/2005/8/layout/vList6"/>
-    <dgm:cxn modelId="{865E7F52-7DE5-4E01-B455-EC77808BE6FB}" type="presParOf" srcId="{545E599F-F591-4633-B24B-BF32AAE96F42}" destId="{64E01614-C659-41F0-B0C1-DE6101ED573F}" srcOrd="1" destOrd="0" presId="urn:microsoft.com/office/officeart/2005/8/layout/vList6"/>
-    <dgm:cxn modelId="{9C0242FA-6C7A-438F-AD7E-780ABE9530DD}" type="presParOf" srcId="{545E599F-F591-4633-B24B-BF32AAE96F42}" destId="{6FB238FB-B19D-4C37-9224-7059335EADD5}" srcOrd="2" destOrd="0" presId="urn:microsoft.com/office/officeart/2005/8/layout/vList6"/>
-    <dgm:cxn modelId="{CE77E5C8-4D08-43E1-B8E0-EFACA2F4C980}" type="presParOf" srcId="{6FB238FB-B19D-4C37-9224-7059335EADD5}" destId="{C7F16BD8-5B23-4C09-AB3D-9A8062130D85}" srcOrd="0" destOrd="0" presId="urn:microsoft.com/office/officeart/2005/8/layout/vList6"/>
-    <dgm:cxn modelId="{DF1FDD68-33D3-4E87-9AF9-06DF42E89850}" type="presParOf" srcId="{6FB238FB-B19D-4C37-9224-7059335EADD5}" destId="{623A511D-94A7-47D3-AE3B-F13A88804391}" srcOrd="1" destOrd="0" presId="urn:microsoft.com/office/officeart/2005/8/layout/vList6"/>
-    <dgm:cxn modelId="{ED5721B1-21BD-4443-BB42-935DD4AA95E8}" type="presParOf" srcId="{545E599F-F591-4633-B24B-BF32AAE96F42}" destId="{81A833EF-A661-4A1B-99ED-68F75EEF4F4A}" srcOrd="3" destOrd="0" presId="urn:microsoft.com/office/officeart/2005/8/layout/vList6"/>
-    <dgm:cxn modelId="{08C9D70B-E613-485E-A5AB-401E892B1E5F}" type="presParOf" srcId="{545E599F-F591-4633-B24B-BF32AAE96F42}" destId="{27ECE535-8CEB-4802-867F-C2A63BC21F3B}" srcOrd="4" destOrd="0" presId="urn:microsoft.com/office/officeart/2005/8/layout/vList6"/>
-    <dgm:cxn modelId="{CBFD7679-5E4A-460B-8E08-C798EDABD92E}" type="presParOf" srcId="{27ECE535-8CEB-4802-867F-C2A63BC21F3B}" destId="{214EC26C-EBAB-4E3F-BDAD-E996E07B37D6}" srcOrd="0" destOrd="0" presId="urn:microsoft.com/office/officeart/2005/8/layout/vList6"/>
-    <dgm:cxn modelId="{3A86EFF3-A5EC-4D02-B76B-343F5444E0B1}" type="presParOf" srcId="{27ECE535-8CEB-4802-867F-C2A63BC21F3B}" destId="{C098CCA1-29D4-49E7-BA26-683FB3CF8C59}" srcOrd="1" destOrd="0" presId="urn:microsoft.com/office/officeart/2005/8/layout/vList6"/>
-    <dgm:cxn modelId="{E992B6E2-3C52-4A8B-9383-32DB30DB7A90}" type="presParOf" srcId="{545E599F-F591-4633-B24B-BF32AAE96F42}" destId="{FC5EDF1B-4828-4ADF-8D67-4D8693CCDEC9}" srcOrd="5" destOrd="0" presId="urn:microsoft.com/office/officeart/2005/8/layout/vList6"/>
-    <dgm:cxn modelId="{BC7DF088-3C23-462B-AAD2-7A1F7C2A9B1E}" type="presParOf" srcId="{545E599F-F591-4633-B24B-BF32AAE96F42}" destId="{AAC92C23-2E6C-4A77-9683-443E24ED5BED}" srcOrd="6" destOrd="0" presId="urn:microsoft.com/office/officeart/2005/8/layout/vList6"/>
-    <dgm:cxn modelId="{515A6DE7-AF25-4D7B-999A-DB321575AA32}" type="presParOf" srcId="{AAC92C23-2E6C-4A77-9683-443E24ED5BED}" destId="{53A6927B-2C26-4555-BCD2-1397D670CECC}" srcOrd="0" destOrd="0" presId="urn:microsoft.com/office/officeart/2005/8/layout/vList6"/>
-    <dgm:cxn modelId="{2E3DC14B-044C-4510-82A7-2D554F491B2F}" type="presParOf" srcId="{AAC92C23-2E6C-4A77-9683-443E24ED5BED}" destId="{CBEC098B-FCC8-4C6A-81A6-EA0A75310A0C}" srcOrd="1" destOrd="0" presId="urn:microsoft.com/office/officeart/2005/8/layout/vList6"/>
   </dgm:cxnLst>
   <dgm:bg/>
   <dgm:whole/>
@@ -4904,6 +4862,446 @@
       <dsp:cNvGrpSpPr/>
     </dsp:nvGrpSpPr>
     <dsp:grpSpPr/>
+    <dsp:sp modelId="{3B611B71-0942-45B8-8421-5119CC7DDAFC}">
+      <dsp:nvSpPr>
+        <dsp:cNvPr id="0" name=""/>
+        <dsp:cNvSpPr/>
+      </dsp:nvSpPr>
+      <dsp:spPr>
+        <a:xfrm>
+          <a:off x="813" y="663920"/>
+          <a:ext cx="3173907" cy="1904344"/>
+        </a:xfrm>
+        <a:prstGeom prst="rect">
+          <a:avLst/>
+        </a:prstGeom>
+        <a:gradFill rotWithShape="0">
+          <a:gsLst>
+            <a:gs pos="0">
+              <a:schemeClr val="accent1">
+                <a:shade val="80000"/>
+                <a:hueOff val="0"/>
+                <a:satOff val="0"/>
+                <a:lumOff val="0"/>
+                <a:alphaOff val="0"/>
+                <a:satMod val="103000"/>
+                <a:lumMod val="102000"/>
+                <a:tint val="94000"/>
+              </a:schemeClr>
+            </a:gs>
+            <a:gs pos="50000">
+              <a:schemeClr val="accent1">
+                <a:shade val="80000"/>
+                <a:hueOff val="0"/>
+                <a:satOff val="0"/>
+                <a:lumOff val="0"/>
+                <a:alphaOff val="0"/>
+                <a:satMod val="110000"/>
+                <a:lumMod val="100000"/>
+                <a:shade val="100000"/>
+              </a:schemeClr>
+            </a:gs>
+            <a:gs pos="100000">
+              <a:schemeClr val="accent1">
+                <a:shade val="80000"/>
+                <a:hueOff val="0"/>
+                <a:satOff val="0"/>
+                <a:lumOff val="0"/>
+                <a:alphaOff val="0"/>
+                <a:lumMod val="99000"/>
+                <a:satMod val="120000"/>
+                <a:shade val="78000"/>
+              </a:schemeClr>
+            </a:gs>
+          </a:gsLst>
+          <a:lin ang="5400000" scaled="0"/>
+        </a:gradFill>
+        <a:ln>
+          <a:noFill/>
+        </a:ln>
+        <a:effectLst/>
+      </dsp:spPr>
+      <dsp:style>
+        <a:lnRef idx="0">
+          <a:scrgbClr r="0" g="0" b="0"/>
+        </a:lnRef>
+        <a:fillRef idx="3">
+          <a:scrgbClr r="0" g="0" b="0"/>
+        </a:fillRef>
+        <a:effectRef idx="2">
+          <a:scrgbClr r="0" g="0" b="0"/>
+        </a:effectRef>
+        <a:fontRef idx="minor">
+          <a:schemeClr val="lt1"/>
+        </a:fontRef>
+      </dsp:style>
+      <dsp:txBody>
+        <a:bodyPr spcFirstLastPara="0" vert="horz" wrap="square" lIns="68580" tIns="68580" rIns="68580" bIns="68580" numCol="1" spcCol="1270" anchor="ctr" anchorCtr="0">
+          <a:noAutofit/>
+        </a:bodyPr>
+        <a:lstStyle/>
+        <a:p>
+          <a:pPr marL="0" lvl="0" indent="0" algn="ctr" defTabSz="800100">
+            <a:lnSpc>
+              <a:spcPct val="90000"/>
+            </a:lnSpc>
+            <a:spcBef>
+              <a:spcPct val="0"/>
+            </a:spcBef>
+            <a:spcAft>
+              <a:spcPct val="35000"/>
+            </a:spcAft>
+            <a:buNone/>
+          </a:pPr>
+          <a:r>
+            <a:rPr lang="es-BO" sz="1800" b="1" kern="1200" dirty="0"/>
+            <a:t>Gestión de clientes </a:t>
+          </a:r>
+          <a:r>
+            <a:rPr lang="es-BO" sz="1800" kern="1200" dirty="0"/>
+            <a:t>Microservicio de administración que permite la Gestión de clientes y su autenticación </a:t>
+          </a:r>
+          <a:endParaRPr lang="en-US" sz="1800" kern="1200" dirty="0"/>
+        </a:p>
+      </dsp:txBody>
+      <dsp:txXfrm>
+        <a:off x="813" y="663920"/>
+        <a:ext cx="3173907" cy="1904344"/>
+      </dsp:txXfrm>
+    </dsp:sp>
+    <dsp:sp modelId="{98C4DE8D-0D8A-4AC4-A692-3EAF13589ADA}">
+      <dsp:nvSpPr>
+        <dsp:cNvPr id="0" name=""/>
+        <dsp:cNvSpPr/>
+      </dsp:nvSpPr>
+      <dsp:spPr>
+        <a:xfrm>
+          <a:off x="3492111" y="663920"/>
+          <a:ext cx="3173907" cy="1904344"/>
+        </a:xfrm>
+        <a:prstGeom prst="rect">
+          <a:avLst/>
+        </a:prstGeom>
+        <a:gradFill rotWithShape="0">
+          <a:gsLst>
+            <a:gs pos="0">
+              <a:schemeClr val="accent1">
+                <a:shade val="80000"/>
+                <a:hueOff val="116428"/>
+                <a:satOff val="-2085"/>
+                <a:lumOff val="8862"/>
+                <a:alphaOff val="0"/>
+                <a:satMod val="103000"/>
+                <a:lumMod val="102000"/>
+                <a:tint val="94000"/>
+              </a:schemeClr>
+            </a:gs>
+            <a:gs pos="50000">
+              <a:schemeClr val="accent1">
+                <a:shade val="80000"/>
+                <a:hueOff val="116428"/>
+                <a:satOff val="-2085"/>
+                <a:lumOff val="8862"/>
+                <a:alphaOff val="0"/>
+                <a:satMod val="110000"/>
+                <a:lumMod val="100000"/>
+                <a:shade val="100000"/>
+              </a:schemeClr>
+            </a:gs>
+            <a:gs pos="100000">
+              <a:schemeClr val="accent1">
+                <a:shade val="80000"/>
+                <a:hueOff val="116428"/>
+                <a:satOff val="-2085"/>
+                <a:lumOff val="8862"/>
+                <a:alphaOff val="0"/>
+                <a:lumMod val="99000"/>
+                <a:satMod val="120000"/>
+                <a:shade val="78000"/>
+              </a:schemeClr>
+            </a:gs>
+          </a:gsLst>
+          <a:lin ang="5400000" scaled="0"/>
+        </a:gradFill>
+        <a:ln>
+          <a:noFill/>
+        </a:ln>
+        <a:effectLst/>
+      </dsp:spPr>
+      <dsp:style>
+        <a:lnRef idx="0">
+          <a:scrgbClr r="0" g="0" b="0"/>
+        </a:lnRef>
+        <a:fillRef idx="3">
+          <a:scrgbClr r="0" g="0" b="0"/>
+        </a:fillRef>
+        <a:effectRef idx="2">
+          <a:scrgbClr r="0" g="0" b="0"/>
+        </a:effectRef>
+        <a:fontRef idx="minor">
+          <a:schemeClr val="lt1"/>
+        </a:fontRef>
+      </dsp:style>
+      <dsp:txBody>
+        <a:bodyPr spcFirstLastPara="0" vert="horz" wrap="square" lIns="68580" tIns="68580" rIns="68580" bIns="68580" numCol="1" spcCol="1270" anchor="ctr" anchorCtr="0">
+          <a:noAutofit/>
+        </a:bodyPr>
+        <a:lstStyle/>
+        <a:p>
+          <a:pPr marL="0" lvl="0" indent="0" algn="ctr" defTabSz="800100">
+            <a:lnSpc>
+              <a:spcPct val="90000"/>
+            </a:lnSpc>
+            <a:spcBef>
+              <a:spcPct val="0"/>
+            </a:spcBef>
+            <a:spcAft>
+              <a:spcPct val="35000"/>
+            </a:spcAft>
+            <a:buNone/>
+          </a:pPr>
+          <a:r>
+            <a:rPr lang="es-BO" sz="1800" b="1" kern="1200" dirty="0"/>
+            <a:t>Gestión Transacciones </a:t>
+          </a:r>
+          <a:r>
+            <a:rPr lang="es-BO" sz="1800" kern="1200" dirty="0"/>
+            <a:t>Microservicios de transacciones que permitan créditos y débitos en moneda local o extranjera.</a:t>
+          </a:r>
+          <a:endParaRPr lang="es-BO" sz="1800" b="1" kern="1200" dirty="0"/>
+        </a:p>
+      </dsp:txBody>
+      <dsp:txXfrm>
+        <a:off x="3492111" y="663920"/>
+        <a:ext cx="3173907" cy="1904344"/>
+      </dsp:txXfrm>
+    </dsp:sp>
+    <dsp:sp modelId="{6A510AAF-B7BF-4DE7-BA06-47D043EBAA65}">
+      <dsp:nvSpPr>
+        <dsp:cNvPr id="0" name=""/>
+        <dsp:cNvSpPr/>
+      </dsp:nvSpPr>
+      <dsp:spPr>
+        <a:xfrm>
+          <a:off x="813" y="2885655"/>
+          <a:ext cx="3173907" cy="1904344"/>
+        </a:xfrm>
+        <a:prstGeom prst="rect">
+          <a:avLst/>
+        </a:prstGeom>
+        <a:gradFill rotWithShape="0">
+          <a:gsLst>
+            <a:gs pos="0">
+              <a:schemeClr val="accent1">
+                <a:shade val="80000"/>
+                <a:hueOff val="232855"/>
+                <a:satOff val="-4171"/>
+                <a:lumOff val="17723"/>
+                <a:alphaOff val="0"/>
+                <a:satMod val="103000"/>
+                <a:lumMod val="102000"/>
+                <a:tint val="94000"/>
+              </a:schemeClr>
+            </a:gs>
+            <a:gs pos="50000">
+              <a:schemeClr val="accent1">
+                <a:shade val="80000"/>
+                <a:hueOff val="232855"/>
+                <a:satOff val="-4171"/>
+                <a:lumOff val="17723"/>
+                <a:alphaOff val="0"/>
+                <a:satMod val="110000"/>
+                <a:lumMod val="100000"/>
+                <a:shade val="100000"/>
+              </a:schemeClr>
+            </a:gs>
+            <a:gs pos="100000">
+              <a:schemeClr val="accent1">
+                <a:shade val="80000"/>
+                <a:hueOff val="232855"/>
+                <a:satOff val="-4171"/>
+                <a:lumOff val="17723"/>
+                <a:alphaOff val="0"/>
+                <a:lumMod val="99000"/>
+                <a:satMod val="120000"/>
+                <a:shade val="78000"/>
+              </a:schemeClr>
+            </a:gs>
+          </a:gsLst>
+          <a:lin ang="5400000" scaled="0"/>
+        </a:gradFill>
+        <a:ln>
+          <a:noFill/>
+        </a:ln>
+        <a:effectLst/>
+      </dsp:spPr>
+      <dsp:style>
+        <a:lnRef idx="0">
+          <a:scrgbClr r="0" g="0" b="0"/>
+        </a:lnRef>
+        <a:fillRef idx="3">
+          <a:scrgbClr r="0" g="0" b="0"/>
+        </a:fillRef>
+        <a:effectRef idx="2">
+          <a:scrgbClr r="0" g="0" b="0"/>
+        </a:effectRef>
+        <a:fontRef idx="minor">
+          <a:schemeClr val="lt1"/>
+        </a:fontRef>
+      </dsp:style>
+      <dsp:txBody>
+        <a:bodyPr spcFirstLastPara="0" vert="horz" wrap="square" lIns="68580" tIns="68580" rIns="68580" bIns="68580" numCol="1" spcCol="1270" anchor="ctr" anchorCtr="0">
+          <a:noAutofit/>
+        </a:bodyPr>
+        <a:lstStyle/>
+        <a:p>
+          <a:pPr marL="0" lvl="0" indent="0" algn="ctr" defTabSz="800100">
+            <a:lnSpc>
+              <a:spcPct val="90000"/>
+            </a:lnSpc>
+            <a:spcBef>
+              <a:spcPct val="0"/>
+            </a:spcBef>
+            <a:spcAft>
+              <a:spcPct val="35000"/>
+            </a:spcAft>
+            <a:buNone/>
+          </a:pPr>
+          <a:r>
+            <a:rPr lang="es-BO" sz="1800" b="1" kern="1200" dirty="0"/>
+            <a:t>Gestión Cuentas </a:t>
+          </a:r>
+          <a:r>
+            <a:rPr lang="es-BO" sz="1800" kern="1200" dirty="0"/>
+            <a:t>Microservicio de consulta que permite obtener saldos de cuentas, tipos de cambio e históricos de transacciones.</a:t>
+          </a:r>
+          <a:endParaRPr lang="es-BO" sz="1800" b="1" kern="1200" dirty="0"/>
+        </a:p>
+      </dsp:txBody>
+      <dsp:txXfrm>
+        <a:off x="813" y="2885655"/>
+        <a:ext cx="3173907" cy="1904344"/>
+      </dsp:txXfrm>
+    </dsp:sp>
+    <dsp:sp modelId="{B2D14D2E-5E8B-4260-A2E0-A661E39001A7}">
+      <dsp:nvSpPr>
+        <dsp:cNvPr id="0" name=""/>
+        <dsp:cNvSpPr/>
+      </dsp:nvSpPr>
+      <dsp:spPr>
+        <a:xfrm>
+          <a:off x="3492111" y="2885655"/>
+          <a:ext cx="3173907" cy="1904344"/>
+        </a:xfrm>
+        <a:prstGeom prst="rect">
+          <a:avLst/>
+        </a:prstGeom>
+        <a:gradFill rotWithShape="0">
+          <a:gsLst>
+            <a:gs pos="0">
+              <a:schemeClr val="accent1">
+                <a:shade val="80000"/>
+                <a:hueOff val="349283"/>
+                <a:satOff val="-6256"/>
+                <a:lumOff val="26585"/>
+                <a:alphaOff val="0"/>
+                <a:satMod val="103000"/>
+                <a:lumMod val="102000"/>
+                <a:tint val="94000"/>
+              </a:schemeClr>
+            </a:gs>
+            <a:gs pos="50000">
+              <a:schemeClr val="accent1">
+                <a:shade val="80000"/>
+                <a:hueOff val="349283"/>
+                <a:satOff val="-6256"/>
+                <a:lumOff val="26585"/>
+                <a:alphaOff val="0"/>
+                <a:satMod val="110000"/>
+                <a:lumMod val="100000"/>
+                <a:shade val="100000"/>
+              </a:schemeClr>
+            </a:gs>
+            <a:gs pos="100000">
+              <a:schemeClr val="accent1">
+                <a:shade val="80000"/>
+                <a:hueOff val="349283"/>
+                <a:satOff val="-6256"/>
+                <a:lumOff val="26585"/>
+                <a:alphaOff val="0"/>
+                <a:lumMod val="99000"/>
+                <a:satMod val="120000"/>
+                <a:shade val="78000"/>
+              </a:schemeClr>
+            </a:gs>
+          </a:gsLst>
+          <a:lin ang="5400000" scaled="0"/>
+        </a:gradFill>
+        <a:ln>
+          <a:noFill/>
+        </a:ln>
+        <a:effectLst/>
+      </dsp:spPr>
+      <dsp:style>
+        <a:lnRef idx="0">
+          <a:scrgbClr r="0" g="0" b="0"/>
+        </a:lnRef>
+        <a:fillRef idx="3">
+          <a:scrgbClr r="0" g="0" b="0"/>
+        </a:fillRef>
+        <a:effectRef idx="2">
+          <a:scrgbClr r="0" g="0" b="0"/>
+        </a:effectRef>
+        <a:fontRef idx="minor">
+          <a:schemeClr val="lt1"/>
+        </a:fontRef>
+      </dsp:style>
+      <dsp:txBody>
+        <a:bodyPr spcFirstLastPara="0" vert="horz" wrap="square" lIns="68580" tIns="68580" rIns="68580" bIns="68580" numCol="1" spcCol="1270" anchor="ctr" anchorCtr="0">
+          <a:noAutofit/>
+        </a:bodyPr>
+        <a:lstStyle/>
+        <a:p>
+          <a:pPr marL="0" lvl="0" indent="0" algn="ctr" defTabSz="800100">
+            <a:lnSpc>
+              <a:spcPct val="90000"/>
+            </a:lnSpc>
+            <a:spcBef>
+              <a:spcPct val="0"/>
+            </a:spcBef>
+            <a:spcAft>
+              <a:spcPct val="35000"/>
+            </a:spcAft>
+            <a:buNone/>
+          </a:pPr>
+          <a:r>
+            <a:rPr lang="es-BO" sz="1800" b="1" kern="1200" dirty="0"/>
+            <a:t>Gestión Tipo de cambio </a:t>
+          </a:r>
+          <a:r>
+            <a:rPr lang="es-BO" sz="1800" kern="1200" dirty="0"/>
+            <a:t>Microservicio para almacenar y actualizar tipos de cambios, así como de proporcionar la tasa de cambio actualizada a la fecha para la moneda correspondiente</a:t>
+          </a:r>
+          <a:endParaRPr lang="es-BO" sz="1800" b="1" kern="1200" dirty="0"/>
+        </a:p>
+      </dsp:txBody>
+      <dsp:txXfrm>
+        <a:off x="3492111" y="2885655"/>
+        <a:ext cx="3173907" cy="1904344"/>
+      </dsp:txXfrm>
+    </dsp:sp>
+  </dsp:spTree>
+</dsp:drawing>
+</file>
+
+<file path=ppt/diagrams/drawing3.xml><?xml version="1.0" encoding="utf-8"?>
+<dsp:drawing xmlns:dgm="http://schemas.openxmlformats.org/drawingml/2006/diagram" xmlns:dsp="http://schemas.microsoft.com/office/drawing/2008/diagram" xmlns:a="http://schemas.openxmlformats.org/drawingml/2006/main">
+  <dsp:spTree>
+    <dsp:nvGrpSpPr>
+      <dsp:cNvPr id="0" name=""/>
+      <dsp:cNvGrpSpPr/>
+    </dsp:nvGrpSpPr>
+    <dsp:grpSpPr/>
     <dsp:sp modelId="{B1AB23FF-B2B6-440C-9408-B485E52ABD3D}">
       <dsp:nvSpPr>
         <dsp:cNvPr id="0" name=""/>
@@ -5228,558 +5626,6 @@
       <dsp:txXfrm rot="5400000">
         <a:off x="5175779" y="1196482"/>
         <a:ext cx="1604385" cy="3589445"/>
-      </dsp:txXfrm>
-    </dsp:sp>
-  </dsp:spTree>
-</dsp:drawing>
-</file>
-
-<file path=ppt/diagrams/drawing3.xml><?xml version="1.0" encoding="utf-8"?>
-<dsp:drawing xmlns:dgm="http://schemas.openxmlformats.org/drawingml/2006/diagram" xmlns:dsp="http://schemas.microsoft.com/office/drawing/2008/diagram" xmlns:a="http://schemas.openxmlformats.org/drawingml/2006/main">
-  <dsp:spTree>
-    <dsp:nvGrpSpPr>
-      <dsp:cNvPr id="0" name=""/>
-      <dsp:cNvGrpSpPr/>
-    </dsp:nvGrpSpPr>
-    <dsp:grpSpPr/>
-    <dsp:sp modelId="{209D7624-216B-4847-BB0A-2187CD7E2AC8}">
-      <dsp:nvSpPr>
-        <dsp:cNvPr id="0" name=""/>
-        <dsp:cNvSpPr/>
-      </dsp:nvSpPr>
-      <dsp:spPr>
-        <a:xfrm>
-          <a:off x="4118317" y="1752"/>
-          <a:ext cx="2662386" cy="1390442"/>
-        </a:xfrm>
-        <a:prstGeom prst="rightArrow">
-          <a:avLst>
-            <a:gd name="adj1" fmla="val 75000"/>
-            <a:gd name="adj2" fmla="val 50000"/>
-          </a:avLst>
-        </a:prstGeom>
-        <a:solidFill>
-          <a:schemeClr val="accent1">
-            <a:alpha val="90000"/>
-            <a:tint val="40000"/>
-            <a:hueOff val="0"/>
-            <a:satOff val="0"/>
-            <a:lumOff val="0"/>
-            <a:alphaOff val="0"/>
-          </a:schemeClr>
-        </a:solidFill>
-        <a:ln w="12700" cap="flat" cmpd="sng" algn="ctr">
-          <a:solidFill>
-            <a:schemeClr val="lt1">
-              <a:hueOff val="0"/>
-              <a:satOff val="0"/>
-              <a:lumOff val="0"/>
-              <a:alphaOff val="0"/>
-            </a:schemeClr>
-          </a:solidFill>
-          <a:prstDash val="solid"/>
-          <a:miter lim="800000"/>
-        </a:ln>
-        <a:effectLst/>
-      </dsp:spPr>
-      <dsp:style>
-        <a:lnRef idx="2">
-          <a:scrgbClr r="0" g="0" b="0"/>
-        </a:lnRef>
-        <a:fillRef idx="1">
-          <a:scrgbClr r="0" g="0" b="0"/>
-        </a:fillRef>
-        <a:effectRef idx="0">
-          <a:scrgbClr r="0" g="0" b="0"/>
-        </a:effectRef>
-        <a:fontRef idx="minor"/>
-      </dsp:style>
-    </dsp:sp>
-    <dsp:sp modelId="{40BEF9C5-E7DA-480A-86C4-433C07B38C91}">
-      <dsp:nvSpPr>
-        <dsp:cNvPr id="0" name=""/>
-        <dsp:cNvSpPr/>
-      </dsp:nvSpPr>
-      <dsp:spPr>
-        <a:xfrm>
-          <a:off x="1096" y="1752"/>
-          <a:ext cx="4117220" cy="1390442"/>
-        </a:xfrm>
-        <a:prstGeom prst="roundRect">
-          <a:avLst/>
-        </a:prstGeom>
-        <a:solidFill>
-          <a:schemeClr val="accent1">
-            <a:shade val="80000"/>
-            <a:hueOff val="0"/>
-            <a:satOff val="0"/>
-            <a:lumOff val="0"/>
-            <a:alphaOff val="0"/>
-          </a:schemeClr>
-        </a:solidFill>
-        <a:ln w="12700" cap="flat" cmpd="sng" algn="ctr">
-          <a:solidFill>
-            <a:schemeClr val="lt1">
-              <a:hueOff val="0"/>
-              <a:satOff val="0"/>
-              <a:lumOff val="0"/>
-              <a:alphaOff val="0"/>
-            </a:schemeClr>
-          </a:solidFill>
-          <a:prstDash val="solid"/>
-          <a:miter lim="800000"/>
-        </a:ln>
-        <a:effectLst/>
-      </dsp:spPr>
-      <dsp:style>
-        <a:lnRef idx="2">
-          <a:scrgbClr r="0" g="0" b="0"/>
-        </a:lnRef>
-        <a:fillRef idx="1">
-          <a:scrgbClr r="0" g="0" b="0"/>
-        </a:fillRef>
-        <a:effectRef idx="0">
-          <a:scrgbClr r="0" g="0" b="0"/>
-        </a:effectRef>
-        <a:fontRef idx="minor">
-          <a:schemeClr val="lt1"/>
-        </a:fontRef>
-      </dsp:style>
-      <dsp:txBody>
-        <a:bodyPr spcFirstLastPara="0" vert="horz" wrap="square" lIns="53340" tIns="26670" rIns="53340" bIns="26670" numCol="1" spcCol="1270" anchor="ctr" anchorCtr="0">
-          <a:noAutofit/>
-        </a:bodyPr>
-        <a:lstStyle/>
-        <a:p>
-          <a:pPr marL="0" lvl="0" indent="0" algn="ctr" defTabSz="622300">
-            <a:lnSpc>
-              <a:spcPct val="90000"/>
-            </a:lnSpc>
-            <a:spcBef>
-              <a:spcPct val="0"/>
-            </a:spcBef>
-            <a:spcAft>
-              <a:spcPct val="35000"/>
-            </a:spcAft>
-            <a:buNone/>
-          </a:pPr>
-          <a:r>
-            <a:rPr lang="es-ES" sz="1400" kern="1200" dirty="0"/>
-            <a:t>Gestión de Cuentas: Este microservicio permite obtener saldos de cuentas, tipos de cambio e históricos de transacciones. Además, se utiliza para la generación de extractos.</a:t>
-          </a:r>
-          <a:endParaRPr lang="es-BO" sz="1400" kern="1200" dirty="0"/>
-        </a:p>
-      </dsp:txBody>
-      <dsp:txXfrm>
-        <a:off x="68972" y="69628"/>
-        <a:ext cx="3981468" cy="1254690"/>
-      </dsp:txXfrm>
-    </dsp:sp>
-    <dsp:sp modelId="{623A511D-94A7-47D3-AE3B-F13A88804391}">
-      <dsp:nvSpPr>
-        <dsp:cNvPr id="0" name=""/>
-        <dsp:cNvSpPr/>
-      </dsp:nvSpPr>
-      <dsp:spPr>
-        <a:xfrm>
-          <a:off x="4268210" y="1531239"/>
-          <a:ext cx="2511385" cy="1390442"/>
-        </a:xfrm>
-        <a:prstGeom prst="rightArrow">
-          <a:avLst>
-            <a:gd name="adj1" fmla="val 75000"/>
-            <a:gd name="adj2" fmla="val 50000"/>
-          </a:avLst>
-        </a:prstGeom>
-        <a:solidFill>
-          <a:schemeClr val="accent1">
-            <a:alpha val="90000"/>
-            <a:tint val="40000"/>
-            <a:hueOff val="0"/>
-            <a:satOff val="0"/>
-            <a:lumOff val="0"/>
-            <a:alphaOff val="0"/>
-          </a:schemeClr>
-        </a:solidFill>
-        <a:ln w="12700" cap="flat" cmpd="sng" algn="ctr">
-          <a:solidFill>
-            <a:schemeClr val="lt1">
-              <a:hueOff val="0"/>
-              <a:satOff val="0"/>
-              <a:lumOff val="0"/>
-              <a:alphaOff val="0"/>
-            </a:schemeClr>
-          </a:solidFill>
-          <a:prstDash val="solid"/>
-          <a:miter lim="800000"/>
-        </a:ln>
-        <a:effectLst/>
-      </dsp:spPr>
-      <dsp:style>
-        <a:lnRef idx="2">
-          <a:scrgbClr r="0" g="0" b="0"/>
-        </a:lnRef>
-        <a:fillRef idx="1">
-          <a:scrgbClr r="0" g="0" b="0"/>
-        </a:fillRef>
-        <a:effectRef idx="0">
-          <a:scrgbClr r="0" g="0" b="0"/>
-        </a:effectRef>
-        <a:fontRef idx="minor"/>
-      </dsp:style>
-    </dsp:sp>
-    <dsp:sp modelId="{C7F16BD8-5B23-4C09-AB3D-9A8062130D85}">
-      <dsp:nvSpPr>
-        <dsp:cNvPr id="0" name=""/>
-        <dsp:cNvSpPr/>
-      </dsp:nvSpPr>
-      <dsp:spPr>
-        <a:xfrm>
-          <a:off x="2204" y="1531239"/>
-          <a:ext cx="4266006" cy="1390442"/>
-        </a:xfrm>
-        <a:prstGeom prst="roundRect">
-          <a:avLst/>
-        </a:prstGeom>
-        <a:solidFill>
-          <a:schemeClr val="accent1">
-            <a:shade val="80000"/>
-            <a:hueOff val="116428"/>
-            <a:satOff val="-2085"/>
-            <a:lumOff val="8862"/>
-            <a:alphaOff val="0"/>
-          </a:schemeClr>
-        </a:solidFill>
-        <a:ln w="12700" cap="flat" cmpd="sng" algn="ctr">
-          <a:solidFill>
-            <a:schemeClr val="lt1">
-              <a:hueOff val="0"/>
-              <a:satOff val="0"/>
-              <a:lumOff val="0"/>
-              <a:alphaOff val="0"/>
-            </a:schemeClr>
-          </a:solidFill>
-          <a:prstDash val="solid"/>
-          <a:miter lim="800000"/>
-        </a:ln>
-        <a:effectLst/>
-      </dsp:spPr>
-      <dsp:style>
-        <a:lnRef idx="2">
-          <a:scrgbClr r="0" g="0" b="0"/>
-        </a:lnRef>
-        <a:fillRef idx="1">
-          <a:scrgbClr r="0" g="0" b="0"/>
-        </a:fillRef>
-        <a:effectRef idx="0">
-          <a:scrgbClr r="0" g="0" b="0"/>
-        </a:effectRef>
-        <a:fontRef idx="minor">
-          <a:schemeClr val="lt1"/>
-        </a:fontRef>
-      </dsp:style>
-      <dsp:txBody>
-        <a:bodyPr spcFirstLastPara="0" vert="horz" wrap="square" lIns="53340" tIns="26670" rIns="53340" bIns="26670" numCol="1" spcCol="1270" anchor="ctr" anchorCtr="0">
-          <a:noAutofit/>
-        </a:bodyPr>
-        <a:lstStyle/>
-        <a:p>
-          <a:pPr marL="0" lvl="0" indent="0" algn="ctr" defTabSz="622300">
-            <a:lnSpc>
-              <a:spcPct val="90000"/>
-            </a:lnSpc>
-            <a:spcBef>
-              <a:spcPct val="0"/>
-            </a:spcBef>
-            <a:spcAft>
-              <a:spcPct val="35000"/>
-            </a:spcAft>
-            <a:buNone/>
-          </a:pPr>
-          <a:r>
-            <a:rPr lang="es-ES" sz="1400" kern="1200" dirty="0"/>
-            <a:t>Gestión de Clientes: Este microservicio se encarga de la administración que permite la gestión de clientes y su autenticación. También se utiliza para la autenticación del usuario en diversas operaciones.</a:t>
-          </a:r>
-          <a:endParaRPr lang="es-BO" sz="1400" kern="1200" dirty="0"/>
-        </a:p>
-      </dsp:txBody>
-      <dsp:txXfrm>
-        <a:off x="70080" y="1599115"/>
-        <a:ext cx="4130254" cy="1254690"/>
-      </dsp:txXfrm>
-    </dsp:sp>
-    <dsp:sp modelId="{C098CCA1-29D4-49E7-BA26-683FB3CF8C59}">
-      <dsp:nvSpPr>
-        <dsp:cNvPr id="0" name=""/>
-        <dsp:cNvSpPr/>
-      </dsp:nvSpPr>
-      <dsp:spPr>
-        <a:xfrm>
-          <a:off x="4159586" y="3060727"/>
-          <a:ext cx="2618675" cy="1390442"/>
-        </a:xfrm>
-        <a:prstGeom prst="rightArrow">
-          <a:avLst>
-            <a:gd name="adj1" fmla="val 75000"/>
-            <a:gd name="adj2" fmla="val 50000"/>
-          </a:avLst>
-        </a:prstGeom>
-        <a:solidFill>
-          <a:schemeClr val="accent1">
-            <a:alpha val="90000"/>
-            <a:tint val="40000"/>
-            <a:hueOff val="0"/>
-            <a:satOff val="0"/>
-            <a:lumOff val="0"/>
-            <a:alphaOff val="0"/>
-          </a:schemeClr>
-        </a:solidFill>
-        <a:ln w="12700" cap="flat" cmpd="sng" algn="ctr">
-          <a:solidFill>
-            <a:schemeClr val="lt1">
-              <a:hueOff val="0"/>
-              <a:satOff val="0"/>
-              <a:lumOff val="0"/>
-              <a:alphaOff val="0"/>
-            </a:schemeClr>
-          </a:solidFill>
-          <a:prstDash val="solid"/>
-          <a:miter lim="800000"/>
-        </a:ln>
-        <a:effectLst/>
-      </dsp:spPr>
-      <dsp:style>
-        <a:lnRef idx="2">
-          <a:scrgbClr r="0" g="0" b="0"/>
-        </a:lnRef>
-        <a:fillRef idx="1">
-          <a:scrgbClr r="0" g="0" b="0"/>
-        </a:fillRef>
-        <a:effectRef idx="0">
-          <a:scrgbClr r="0" g="0" b="0"/>
-        </a:effectRef>
-        <a:fontRef idx="minor"/>
-      </dsp:style>
-    </dsp:sp>
-    <dsp:sp modelId="{214EC26C-EBAB-4E3F-BDAD-E996E07B37D6}">
-      <dsp:nvSpPr>
-        <dsp:cNvPr id="0" name=""/>
-        <dsp:cNvSpPr/>
-      </dsp:nvSpPr>
-      <dsp:spPr>
-        <a:xfrm>
-          <a:off x="3538" y="3060727"/>
-          <a:ext cx="4156047" cy="1390442"/>
-        </a:xfrm>
-        <a:prstGeom prst="roundRect">
-          <a:avLst/>
-        </a:prstGeom>
-        <a:solidFill>
-          <a:schemeClr val="accent1">
-            <a:shade val="80000"/>
-            <a:hueOff val="232855"/>
-            <a:satOff val="-4171"/>
-            <a:lumOff val="17723"/>
-            <a:alphaOff val="0"/>
-          </a:schemeClr>
-        </a:solidFill>
-        <a:ln w="12700" cap="flat" cmpd="sng" algn="ctr">
-          <a:solidFill>
-            <a:schemeClr val="lt1">
-              <a:hueOff val="0"/>
-              <a:satOff val="0"/>
-              <a:lumOff val="0"/>
-              <a:alphaOff val="0"/>
-            </a:schemeClr>
-          </a:solidFill>
-          <a:prstDash val="solid"/>
-          <a:miter lim="800000"/>
-        </a:ln>
-        <a:effectLst/>
-      </dsp:spPr>
-      <dsp:style>
-        <a:lnRef idx="2">
-          <a:scrgbClr r="0" g="0" b="0"/>
-        </a:lnRef>
-        <a:fillRef idx="1">
-          <a:scrgbClr r="0" g="0" b="0"/>
-        </a:fillRef>
-        <a:effectRef idx="0">
-          <a:scrgbClr r="0" g="0" b="0"/>
-        </a:effectRef>
-        <a:fontRef idx="minor">
-          <a:schemeClr val="lt1"/>
-        </a:fontRef>
-      </dsp:style>
-      <dsp:txBody>
-        <a:bodyPr spcFirstLastPara="0" vert="horz" wrap="square" lIns="53340" tIns="26670" rIns="53340" bIns="26670" numCol="1" spcCol="1270" anchor="ctr" anchorCtr="0">
-          <a:noAutofit/>
-        </a:bodyPr>
-        <a:lstStyle/>
-        <a:p>
-          <a:pPr marL="0" lvl="0" indent="0" algn="ctr" defTabSz="622300">
-            <a:lnSpc>
-              <a:spcPct val="90000"/>
-            </a:lnSpc>
-            <a:spcBef>
-              <a:spcPct val="0"/>
-            </a:spcBef>
-            <a:spcAft>
-              <a:spcPct val="35000"/>
-            </a:spcAft>
-            <a:buNone/>
-          </a:pPr>
-          <a:r>
-            <a:rPr lang="es-ES" sz="1400" kern="1200" dirty="0"/>
-            <a:t>Gestión de Transacciones: Este microservicio permite realizar créditos y débitos en moneda local o extranjera. Se utiliza para realizar débitos en dólares americanos, transferir dólares a otra cuenta y obtener extractos de transacciones realizadas en </a:t>
-          </a:r>
-          <a:r>
-            <a:rPr lang="es-ES" sz="1400" kern="1200" dirty="0" err="1"/>
-            <a:t>ATMs</a:t>
-          </a:r>
-          <a:r>
-            <a:rPr lang="es-ES" sz="1400" kern="1200" dirty="0"/>
-            <a:t>.</a:t>
-          </a:r>
-          <a:endParaRPr lang="es-BO" sz="1400" kern="1200" dirty="0"/>
-        </a:p>
-      </dsp:txBody>
-      <dsp:txXfrm>
-        <a:off x="71414" y="3128603"/>
-        <a:ext cx="4020295" cy="1254690"/>
-      </dsp:txXfrm>
-    </dsp:sp>
-    <dsp:sp modelId="{CBEC098B-FCC8-4C6A-81A6-EA0A75310A0C}">
-      <dsp:nvSpPr>
-        <dsp:cNvPr id="0" name=""/>
-        <dsp:cNvSpPr/>
-      </dsp:nvSpPr>
-      <dsp:spPr>
-        <a:xfrm>
-          <a:off x="4238625" y="4590214"/>
-          <a:ext cx="2543175" cy="1390442"/>
-        </a:xfrm>
-        <a:prstGeom prst="rightArrow">
-          <a:avLst>
-            <a:gd name="adj1" fmla="val 75000"/>
-            <a:gd name="adj2" fmla="val 50000"/>
-          </a:avLst>
-        </a:prstGeom>
-        <a:solidFill>
-          <a:schemeClr val="accent1">
-            <a:alpha val="90000"/>
-            <a:tint val="40000"/>
-            <a:hueOff val="0"/>
-            <a:satOff val="0"/>
-            <a:lumOff val="0"/>
-            <a:alphaOff val="0"/>
-          </a:schemeClr>
-        </a:solidFill>
-        <a:ln w="12700" cap="flat" cmpd="sng" algn="ctr">
-          <a:solidFill>
-            <a:schemeClr val="lt1">
-              <a:hueOff val="0"/>
-              <a:satOff val="0"/>
-              <a:lumOff val="0"/>
-              <a:alphaOff val="0"/>
-            </a:schemeClr>
-          </a:solidFill>
-          <a:prstDash val="solid"/>
-          <a:miter lim="800000"/>
-        </a:ln>
-        <a:effectLst/>
-      </dsp:spPr>
-      <dsp:style>
-        <a:lnRef idx="2">
-          <a:scrgbClr r="0" g="0" b="0"/>
-        </a:lnRef>
-        <a:fillRef idx="1">
-          <a:scrgbClr r="0" g="0" b="0"/>
-        </a:fillRef>
-        <a:effectRef idx="0">
-          <a:scrgbClr r="0" g="0" b="0"/>
-        </a:effectRef>
-        <a:fontRef idx="minor"/>
-      </dsp:style>
-    </dsp:sp>
-    <dsp:sp modelId="{53A6927B-2C26-4555-BCD2-1397D670CECC}">
-      <dsp:nvSpPr>
-        <dsp:cNvPr id="0" name=""/>
-        <dsp:cNvSpPr/>
-      </dsp:nvSpPr>
-      <dsp:spPr>
-        <a:xfrm>
-          <a:off x="0" y="4590214"/>
-          <a:ext cx="4238625" cy="1390442"/>
-        </a:xfrm>
-        <a:prstGeom prst="roundRect">
-          <a:avLst/>
-        </a:prstGeom>
-        <a:solidFill>
-          <a:schemeClr val="accent1">
-            <a:shade val="80000"/>
-            <a:hueOff val="349283"/>
-            <a:satOff val="-6256"/>
-            <a:lumOff val="26585"/>
-            <a:alphaOff val="0"/>
-          </a:schemeClr>
-        </a:solidFill>
-        <a:ln w="12700" cap="flat" cmpd="sng" algn="ctr">
-          <a:solidFill>
-            <a:schemeClr val="lt1">
-              <a:hueOff val="0"/>
-              <a:satOff val="0"/>
-              <a:lumOff val="0"/>
-              <a:alphaOff val="0"/>
-            </a:schemeClr>
-          </a:solidFill>
-          <a:prstDash val="solid"/>
-          <a:miter lim="800000"/>
-        </a:ln>
-        <a:effectLst/>
-      </dsp:spPr>
-      <dsp:style>
-        <a:lnRef idx="2">
-          <a:scrgbClr r="0" g="0" b="0"/>
-        </a:lnRef>
-        <a:fillRef idx="1">
-          <a:scrgbClr r="0" g="0" b="0"/>
-        </a:fillRef>
-        <a:effectRef idx="0">
-          <a:scrgbClr r="0" g="0" b="0"/>
-        </a:effectRef>
-        <a:fontRef idx="minor">
-          <a:schemeClr val="lt1"/>
-        </a:fontRef>
-      </dsp:style>
-      <dsp:txBody>
-        <a:bodyPr spcFirstLastPara="0" vert="horz" wrap="square" lIns="53340" tIns="26670" rIns="53340" bIns="26670" numCol="1" spcCol="1270" anchor="ctr" anchorCtr="0">
-          <a:noAutofit/>
-        </a:bodyPr>
-        <a:lstStyle/>
-        <a:p>
-          <a:pPr marL="0" lvl="0" indent="0" algn="ctr" defTabSz="622300">
-            <a:lnSpc>
-              <a:spcPct val="90000"/>
-            </a:lnSpc>
-            <a:spcBef>
-              <a:spcPct val="0"/>
-            </a:spcBef>
-            <a:spcAft>
-              <a:spcPct val="35000"/>
-            </a:spcAft>
-            <a:buNone/>
-          </a:pPr>
-          <a:r>
-            <a:rPr lang="es-ES" sz="1400" kern="1200" dirty="0"/>
-            <a:t>Gestión de Tipo de Cambio: Este microservicio se encarga de almacenar y actualizar tipos de cambios, así como de proporcionar la tasa de cambio actualizada a la fecha para la moneda correspondiente. También se utiliza para gestionar el tipo de cambio entre monedas en diversas operaciones.</a:t>
-          </a:r>
-          <a:endParaRPr lang="es-BO" sz="1400" kern="1200" dirty="0"/>
-        </a:p>
-      </dsp:txBody>
-      <dsp:txXfrm>
-        <a:off x="67876" y="4658090"/>
-        <a:ext cx="4102873" cy="1254690"/>
       </dsp:txXfrm>
     </dsp:sp>
   </dsp:spTree>
@@ -6285,6 +6131,153 @@
 </file>
 
 <file path=ppt/diagrams/layout2.xml><?xml version="1.0" encoding="utf-8"?>
+<dgm:layoutDef xmlns:dgm="http://schemas.openxmlformats.org/drawingml/2006/diagram" xmlns:a="http://schemas.openxmlformats.org/drawingml/2006/main" uniqueId="urn:microsoft.com/office/officeart/2005/8/layout/default">
+  <dgm:title val=""/>
+  <dgm:desc val=""/>
+  <dgm:catLst>
+    <dgm:cat type="list" pri="400"/>
+  </dgm:catLst>
+  <dgm:sampData>
+    <dgm:dataModel>
+      <dgm:ptLst>
+        <dgm:pt modelId="0" type="doc"/>
+        <dgm:pt modelId="1">
+          <dgm:prSet phldr="1"/>
+        </dgm:pt>
+        <dgm:pt modelId="2">
+          <dgm:prSet phldr="1"/>
+        </dgm:pt>
+        <dgm:pt modelId="3">
+          <dgm:prSet phldr="1"/>
+        </dgm:pt>
+        <dgm:pt modelId="4">
+          <dgm:prSet phldr="1"/>
+        </dgm:pt>
+        <dgm:pt modelId="5">
+          <dgm:prSet phldr="1"/>
+        </dgm:pt>
+      </dgm:ptLst>
+      <dgm:cxnLst>
+        <dgm:cxn modelId="6" srcId="0" destId="1" srcOrd="0" destOrd="0"/>
+        <dgm:cxn modelId="7" srcId="0" destId="2" srcOrd="1" destOrd="0"/>
+        <dgm:cxn modelId="8" srcId="0" destId="3" srcOrd="2" destOrd="0"/>
+        <dgm:cxn modelId="9" srcId="0" destId="4" srcOrd="3" destOrd="0"/>
+        <dgm:cxn modelId="10" srcId="0" destId="5" srcOrd="4" destOrd="0"/>
+      </dgm:cxnLst>
+      <dgm:bg/>
+      <dgm:whole/>
+    </dgm:dataModel>
+  </dgm:sampData>
+  <dgm:styleData>
+    <dgm:dataModel>
+      <dgm:ptLst>
+        <dgm:pt modelId="0" type="doc"/>
+        <dgm:pt modelId="1"/>
+        <dgm:pt modelId="2"/>
+      </dgm:ptLst>
+      <dgm:cxnLst>
+        <dgm:cxn modelId="3" srcId="0" destId="1" srcOrd="0" destOrd="0"/>
+        <dgm:cxn modelId="4" srcId="0" destId="2" srcOrd="1" destOrd="0"/>
+      </dgm:cxnLst>
+      <dgm:bg/>
+      <dgm:whole/>
+    </dgm:dataModel>
+  </dgm:styleData>
+  <dgm:clrData>
+    <dgm:dataModel>
+      <dgm:ptLst>
+        <dgm:pt modelId="0" type="doc"/>
+        <dgm:pt modelId="1"/>
+        <dgm:pt modelId="2"/>
+        <dgm:pt modelId="3"/>
+        <dgm:pt modelId="4"/>
+        <dgm:pt modelId="5"/>
+        <dgm:pt modelId="6"/>
+      </dgm:ptLst>
+      <dgm:cxnLst>
+        <dgm:cxn modelId="7" srcId="0" destId="1" srcOrd="0" destOrd="0"/>
+        <dgm:cxn modelId="8" srcId="0" destId="2" srcOrd="1" destOrd="0"/>
+        <dgm:cxn modelId="9" srcId="0" destId="3" srcOrd="2" destOrd="0"/>
+        <dgm:cxn modelId="10" srcId="0" destId="4" srcOrd="3" destOrd="0"/>
+        <dgm:cxn modelId="11" srcId="0" destId="5" srcOrd="4" destOrd="0"/>
+        <dgm:cxn modelId="12" srcId="0" destId="6" srcOrd="5" destOrd="0"/>
+      </dgm:cxnLst>
+      <dgm:bg/>
+      <dgm:whole/>
+    </dgm:dataModel>
+  </dgm:clrData>
+  <dgm:layoutNode name="diagram">
+    <dgm:varLst>
+      <dgm:dir/>
+      <dgm:resizeHandles val="exact"/>
+    </dgm:varLst>
+    <dgm:choose name="Name0">
+      <dgm:if name="Name1" func="var" arg="dir" op="equ" val="norm">
+        <dgm:alg type="snake">
+          <dgm:param type="grDir" val="tL"/>
+          <dgm:param type="flowDir" val="row"/>
+          <dgm:param type="contDir" val="sameDir"/>
+          <dgm:param type="off" val="ctr"/>
+        </dgm:alg>
+      </dgm:if>
+      <dgm:else name="Name2">
+        <dgm:alg type="snake">
+          <dgm:param type="grDir" val="tR"/>
+          <dgm:param type="flowDir" val="row"/>
+          <dgm:param type="contDir" val="sameDir"/>
+          <dgm:param type="off" val="ctr"/>
+        </dgm:alg>
+      </dgm:else>
+    </dgm:choose>
+    <dgm:shape xmlns:r="http://schemas.openxmlformats.org/officeDocument/2006/relationships" r:blip="">
+      <dgm:adjLst/>
+    </dgm:shape>
+    <dgm:presOf/>
+    <dgm:constrLst>
+      <dgm:constr type="w" for="ch" forName="node" refType="w"/>
+      <dgm:constr type="h" for="ch" forName="node" refType="w" refFor="ch" refForName="node" fact="0.6"/>
+      <dgm:constr type="w" for="ch" forName="sibTrans" refType="w" refFor="ch" refForName="node" fact="0.1"/>
+      <dgm:constr type="sp" refType="w" refFor="ch" refForName="sibTrans"/>
+      <dgm:constr type="primFontSz" for="ch" forName="node" op="equ" val="65"/>
+    </dgm:constrLst>
+    <dgm:ruleLst/>
+    <dgm:forEach name="Name3" axis="ch" ptType="node">
+      <dgm:layoutNode name="node">
+        <dgm:varLst>
+          <dgm:bulletEnabled val="1"/>
+        </dgm:varLst>
+        <dgm:alg type="tx"/>
+        <dgm:shape xmlns:r="http://schemas.openxmlformats.org/officeDocument/2006/relationships" type="rect" r:blip="">
+          <dgm:adjLst/>
+        </dgm:shape>
+        <dgm:presOf axis="desOrSelf" ptType="node"/>
+        <dgm:constrLst>
+          <dgm:constr type="lMarg" refType="primFontSz" fact="0.3"/>
+          <dgm:constr type="rMarg" refType="primFontSz" fact="0.3"/>
+          <dgm:constr type="tMarg" refType="primFontSz" fact="0.3"/>
+          <dgm:constr type="bMarg" refType="primFontSz" fact="0.3"/>
+        </dgm:constrLst>
+        <dgm:ruleLst>
+          <dgm:rule type="primFontSz" val="5" fact="NaN" max="NaN"/>
+        </dgm:ruleLst>
+      </dgm:layoutNode>
+      <dgm:forEach name="Name4" axis="followSib" ptType="sibTrans" cnt="1">
+        <dgm:layoutNode name="sibTrans">
+          <dgm:alg type="sp"/>
+          <dgm:shape xmlns:r="http://schemas.openxmlformats.org/officeDocument/2006/relationships" r:blip="">
+            <dgm:adjLst/>
+          </dgm:shape>
+          <dgm:presOf/>
+          <dgm:constrLst/>
+          <dgm:ruleLst/>
+        </dgm:layoutNode>
+      </dgm:forEach>
+    </dgm:forEach>
+  </dgm:layoutNode>
+</dgm:layoutDef>
+</file>
+
+<file path=ppt/diagrams/layout3.xml><?xml version="1.0" encoding="utf-8"?>
 <dgm:layoutDef xmlns:dgm="http://schemas.openxmlformats.org/drawingml/2006/diagram" xmlns:a="http://schemas.openxmlformats.org/drawingml/2006/main" uniqueId="urn:microsoft.com/office/officeart/2005/8/layout/hList6">
   <dgm:title val=""/>
   <dgm:desc val=""/>
@@ -6442,212 +6435,6 @@
       </dgm:layoutNode>
       <dgm:forEach name="sibTransForEach" axis="followSib" ptType="sibTrans" cnt="1">
         <dgm:layoutNode name="sibTrans">
-          <dgm:alg type="sp"/>
-          <dgm:shape xmlns:r="http://schemas.openxmlformats.org/officeDocument/2006/relationships" r:blip="">
-            <dgm:adjLst/>
-          </dgm:shape>
-          <dgm:presOf/>
-          <dgm:constrLst/>
-          <dgm:ruleLst/>
-        </dgm:layoutNode>
-      </dgm:forEach>
-    </dgm:forEach>
-  </dgm:layoutNode>
-</dgm:layoutDef>
-</file>
-
-<file path=ppt/diagrams/layout3.xml><?xml version="1.0" encoding="utf-8"?>
-<dgm:layoutDef xmlns:dgm="http://schemas.openxmlformats.org/drawingml/2006/diagram" xmlns:a="http://schemas.openxmlformats.org/drawingml/2006/main" uniqueId="urn:microsoft.com/office/officeart/2005/8/layout/vList6">
-  <dgm:title val=""/>
-  <dgm:desc val=""/>
-  <dgm:catLst>
-    <dgm:cat type="process" pri="22000"/>
-    <dgm:cat type="list" pri="17000"/>
-  </dgm:catLst>
-  <dgm:sampData>
-    <dgm:dataModel>
-      <dgm:ptLst>
-        <dgm:pt modelId="0" type="doc"/>
-        <dgm:pt modelId="1">
-          <dgm:prSet phldr="1"/>
-        </dgm:pt>
-        <dgm:pt modelId="11">
-          <dgm:prSet phldr="1"/>
-        </dgm:pt>
-        <dgm:pt modelId="12">
-          <dgm:prSet phldr="1"/>
-        </dgm:pt>
-        <dgm:pt modelId="2">
-          <dgm:prSet phldr="1"/>
-        </dgm:pt>
-        <dgm:pt modelId="21">
-          <dgm:prSet phldr="1"/>
-        </dgm:pt>
-        <dgm:pt modelId="22">
-          <dgm:prSet phldr="1"/>
-        </dgm:pt>
-      </dgm:ptLst>
-      <dgm:cxnLst>
-        <dgm:cxn modelId="4" srcId="0" destId="1" srcOrd="0" destOrd="0"/>
-        <dgm:cxn modelId="5" srcId="0" destId="2" srcOrd="1" destOrd="0"/>
-        <dgm:cxn modelId="13" srcId="1" destId="11" srcOrd="0" destOrd="0"/>
-        <dgm:cxn modelId="14" srcId="1" destId="12" srcOrd="0" destOrd="0"/>
-        <dgm:cxn modelId="23" srcId="2" destId="21" srcOrd="0" destOrd="0"/>
-        <dgm:cxn modelId="24" srcId="2" destId="22" srcOrd="0" destOrd="0"/>
-      </dgm:cxnLst>
-      <dgm:bg/>
-      <dgm:whole/>
-    </dgm:dataModel>
-  </dgm:sampData>
-  <dgm:styleData>
-    <dgm:dataModel>
-      <dgm:ptLst>
-        <dgm:pt modelId="0" type="doc"/>
-        <dgm:pt modelId="1"/>
-        <dgm:pt modelId="2"/>
-      </dgm:ptLst>
-      <dgm:cxnLst>
-        <dgm:cxn modelId="3" srcId="0" destId="1" srcOrd="0" destOrd="0"/>
-        <dgm:cxn modelId="4" srcId="0" destId="2" srcOrd="1" destOrd="0"/>
-      </dgm:cxnLst>
-      <dgm:bg/>
-      <dgm:whole/>
-    </dgm:dataModel>
-  </dgm:styleData>
-  <dgm:clrData>
-    <dgm:dataModel>
-      <dgm:ptLst>
-        <dgm:pt modelId="0" type="doc"/>
-        <dgm:pt modelId="1"/>
-        <dgm:pt modelId="2"/>
-        <dgm:pt modelId="3"/>
-        <dgm:pt modelId="4"/>
-      </dgm:ptLst>
-      <dgm:cxnLst>
-        <dgm:cxn modelId="5" srcId="0" destId="1" srcOrd="0" destOrd="0"/>
-        <dgm:cxn modelId="6" srcId="0" destId="2" srcOrd="1" destOrd="0"/>
-        <dgm:cxn modelId="7" srcId="0" destId="3" srcOrd="2" destOrd="0"/>
-        <dgm:cxn modelId="8" srcId="0" destId="4" srcOrd="3" destOrd="0"/>
-      </dgm:cxnLst>
-      <dgm:bg/>
-      <dgm:whole/>
-    </dgm:dataModel>
-  </dgm:clrData>
-  <dgm:layoutNode name="Name0">
-    <dgm:varLst>
-      <dgm:dir/>
-      <dgm:animLvl val="lvl"/>
-      <dgm:resizeHandles/>
-    </dgm:varLst>
-    <dgm:alg type="lin">
-      <dgm:param type="linDir" val="fromT"/>
-    </dgm:alg>
-    <dgm:shape xmlns:r="http://schemas.openxmlformats.org/officeDocument/2006/relationships" r:blip="">
-      <dgm:adjLst/>
-    </dgm:shape>
-    <dgm:presOf/>
-    <dgm:constrLst>
-      <dgm:constr type="w" for="ch" forName="linNode" refType="w"/>
-      <dgm:constr type="h" for="ch" forName="linNode" refType="h"/>
-      <dgm:constr type="h" for="ch" forName="spacing" refType="h" refFor="ch" refForName="linNode" fact="0.1"/>
-      <dgm:constr type="primFontSz" for="des" forName="parentShp" op="equ" val="65"/>
-      <dgm:constr type="primFontSz" for="des" forName="childShp" op="equ" val="65"/>
-    </dgm:constrLst>
-    <dgm:ruleLst/>
-    <dgm:forEach name="Name1" axis="ch" ptType="node">
-      <dgm:layoutNode name="linNode">
-        <dgm:choose name="Name2">
-          <dgm:if name="Name3" func="var" arg="dir" op="equ" val="norm">
-            <dgm:alg type="lin">
-              <dgm:param type="linDir" val="fromL"/>
-            </dgm:alg>
-          </dgm:if>
-          <dgm:else name="Name4">
-            <dgm:alg type="lin">
-              <dgm:param type="linDir" val="fromR"/>
-            </dgm:alg>
-          </dgm:else>
-        </dgm:choose>
-        <dgm:shape xmlns:r="http://schemas.openxmlformats.org/officeDocument/2006/relationships" r:blip="">
-          <dgm:adjLst/>
-        </dgm:shape>
-        <dgm:presOf/>
-        <dgm:choose name="Name5">
-          <dgm:if name="Name6" func="var" arg="dir" op="equ" val="norm">
-            <dgm:constrLst>
-              <dgm:constr type="w" for="ch" forName="parentShp" refType="w" fact="0.4"/>
-              <dgm:constr type="h" for="ch" forName="parentShp" refType="h"/>
-              <dgm:constr type="w" for="ch" forName="childShp" refType="w" fact="0.6"/>
-              <dgm:constr type="h" for="ch" forName="childShp" refType="h" refFor="ch" refForName="parentShp"/>
-            </dgm:constrLst>
-          </dgm:if>
-          <dgm:else name="Name7">
-            <dgm:constrLst>
-              <dgm:constr type="w" for="ch" forName="parentShp" refType="w" fact="0.4"/>
-              <dgm:constr type="h" for="ch" forName="parentShp" refType="h"/>
-              <dgm:constr type="w" for="ch" forName="childShp" refType="w" fact="0.6"/>
-              <dgm:constr type="h" for="ch" forName="childShp" refType="h" refFor="ch" refForName="parentShp"/>
-            </dgm:constrLst>
-          </dgm:else>
-        </dgm:choose>
-        <dgm:ruleLst/>
-        <dgm:layoutNode name="parentShp" styleLbl="node1">
-          <dgm:varLst>
-            <dgm:bulletEnabled val="1"/>
-          </dgm:varLst>
-          <dgm:alg type="tx"/>
-          <dgm:shape xmlns:r="http://schemas.openxmlformats.org/officeDocument/2006/relationships" type="roundRect" r:blip="">
-            <dgm:adjLst/>
-          </dgm:shape>
-          <dgm:presOf axis="self" ptType="node"/>
-          <dgm:constrLst>
-            <dgm:constr type="tMarg" refType="primFontSz" fact="0.15"/>
-            <dgm:constr type="bMarg" refType="primFontSz" fact="0.15"/>
-            <dgm:constr type="lMarg" refType="primFontSz" fact="0.3"/>
-            <dgm:constr type="rMarg" refType="primFontSz" fact="0.3"/>
-          </dgm:constrLst>
-          <dgm:ruleLst>
-            <dgm:rule type="primFontSz" val="5" fact="NaN" max="NaN"/>
-          </dgm:ruleLst>
-        </dgm:layoutNode>
-        <dgm:layoutNode name="childShp" styleLbl="bgAccFollowNode1">
-          <dgm:varLst>
-            <dgm:bulletEnabled val="1"/>
-          </dgm:varLst>
-          <dgm:alg type="tx">
-            <dgm:param type="stBulletLvl" val="1"/>
-          </dgm:alg>
-          <dgm:choose name="Name8">
-            <dgm:if name="Name9" func="var" arg="dir" op="equ" val="norm">
-              <dgm:shape xmlns:r="http://schemas.openxmlformats.org/officeDocument/2006/relationships" type="rightArrow" r:blip="" zOrderOff="-2">
-                <dgm:adjLst>
-                  <dgm:adj idx="1" val="0.75"/>
-                </dgm:adjLst>
-              </dgm:shape>
-            </dgm:if>
-            <dgm:else name="Name10">
-              <dgm:shape xmlns:r="http://schemas.openxmlformats.org/officeDocument/2006/relationships" rot="180" type="rightArrow" r:blip="" zOrderOff="-2">
-                <dgm:adjLst>
-                  <dgm:adj idx="1" val="0.75"/>
-                </dgm:adjLst>
-              </dgm:shape>
-            </dgm:else>
-          </dgm:choose>
-          <dgm:presOf axis="des" ptType="node"/>
-          <dgm:constrLst>
-            <dgm:constr type="secFontSz" refType="primFontSz"/>
-            <dgm:constr type="tMarg" refType="primFontSz" fact="0.05"/>
-            <dgm:constr type="bMarg" refType="primFontSz" fact="0.05"/>
-            <dgm:constr type="lMarg" refType="primFontSz" fact="0.05"/>
-            <dgm:constr type="rMarg" refType="primFontSz" fact="0.05"/>
-          </dgm:constrLst>
-          <dgm:ruleLst>
-            <dgm:rule type="primFontSz" val="5" fact="NaN" max="NaN"/>
-          </dgm:ruleLst>
-        </dgm:layoutNode>
-      </dgm:layoutNode>
-      <dgm:forEach name="Name11" axis="followSib" ptType="sibTrans" cnt="1">
-        <dgm:layoutNode name="spacing">
           <dgm:alg type="sp"/>
           <dgm:shape xmlns:r="http://schemas.openxmlformats.org/officeDocument/2006/relationships" r:blip="">
             <dgm:adjLst/>
@@ -7916,11 +7703,11 @@
 </file>
 
 <file path=ppt/diagrams/quickStyle2.xml><?xml version="1.0" encoding="utf-8"?>
-<dgm:styleDef xmlns:dgm="http://schemas.openxmlformats.org/drawingml/2006/diagram" xmlns:a="http://schemas.openxmlformats.org/drawingml/2006/main" uniqueId="urn:microsoft.com/office/officeart/2005/8/quickstyle/simple1">
+<dgm:styleDef xmlns:dgm="http://schemas.openxmlformats.org/drawingml/2006/diagram" xmlns:a="http://schemas.openxmlformats.org/drawingml/2006/main" uniqueId="urn:microsoft.com/office/officeart/2005/8/quickstyle/simple4">
   <dgm:title val=""/>
   <dgm:desc val=""/>
   <dgm:catLst>
-    <dgm:cat type="simple" pri="10100"/>
+    <dgm:cat type="simple" pri="10400"/>
   </dgm:catLst>
   <dgm:scene3d>
     <a:camera prst="orthographicFront"/>
@@ -7934,13 +7721,13 @@
     <dgm:sp3d/>
     <dgm:txPr/>
     <dgm:style>
-      <a:lnRef idx="2">
+      <a:lnRef idx="0">
         <a:scrgbClr r="0" g="0" b="0"/>
       </a:lnRef>
-      <a:fillRef idx="1">
+      <a:fillRef idx="3">
         <a:scrgbClr r="0" g="0" b="0"/>
       </a:fillRef>
-      <a:effectRef idx="0">
+      <a:effectRef idx="2">
         <a:scrgbClr r="0" g="0" b="0"/>
       </a:effectRef>
       <a:fontRef idx="minor">
@@ -7956,13 +7743,13 @@
     <dgm:sp3d/>
     <dgm:txPr/>
     <dgm:style>
-      <a:lnRef idx="2">
+      <a:lnRef idx="1">
         <a:scrgbClr r="0" g="0" b="0"/>
       </a:lnRef>
-      <a:fillRef idx="1">
+      <a:fillRef idx="3">
         <a:scrgbClr r="0" g="0" b="0"/>
       </a:fillRef>
-      <a:effectRef idx="0">
+      <a:effectRef idx="2">
         <a:scrgbClr r="0" g="0" b="0"/>
       </a:effectRef>
       <a:fontRef idx="minor">
@@ -7978,10 +7765,10 @@
     <dgm:sp3d/>
     <dgm:txPr/>
     <dgm:style>
-      <a:lnRef idx="2">
+      <a:lnRef idx="0">
         <a:scrgbClr r="0" g="0" b="0"/>
       </a:lnRef>
-      <a:fillRef idx="1">
+      <a:fillRef idx="3">
         <a:scrgbClr r="0" g="0" b="0"/>
       </a:fillRef>
       <a:effectRef idx="0">
@@ -8000,13 +7787,13 @@
     <dgm:sp3d/>
     <dgm:txPr/>
     <dgm:style>
-      <a:lnRef idx="2">
+      <a:lnRef idx="1">
         <a:scrgbClr r="0" g="0" b="0"/>
       </a:lnRef>
-      <a:fillRef idx="1">
+      <a:fillRef idx="3">
         <a:scrgbClr r="0" g="0" b="0"/>
       </a:fillRef>
-      <a:effectRef idx="0">
+      <a:effectRef idx="2">
         <a:scrgbClr r="0" g="0" b="0"/>
       </a:effectRef>
       <a:fontRef idx="minor">
@@ -8022,13 +7809,13 @@
     <dgm:sp3d/>
     <dgm:txPr/>
     <dgm:style>
-      <a:lnRef idx="2">
+      <a:lnRef idx="0">
         <a:scrgbClr r="0" g="0" b="0"/>
       </a:lnRef>
-      <a:fillRef idx="1">
+      <a:fillRef idx="3">
         <a:scrgbClr r="0" g="0" b="0"/>
       </a:fillRef>
-      <a:effectRef idx="0">
+      <a:effectRef idx="2">
         <a:scrgbClr r="0" g="0" b="0"/>
       </a:effectRef>
       <a:fontRef idx="minor">
@@ -8044,13 +7831,13 @@
     <dgm:sp3d/>
     <dgm:txPr/>
     <dgm:style>
-      <a:lnRef idx="2">
+      <a:lnRef idx="0">
         <a:scrgbClr r="0" g="0" b="0"/>
       </a:lnRef>
-      <a:fillRef idx="1">
+      <a:fillRef idx="3">
         <a:scrgbClr r="0" g="0" b="0"/>
       </a:fillRef>
-      <a:effectRef idx="0">
+      <a:effectRef idx="2">
         <a:scrgbClr r="0" g="0" b="0"/>
       </a:effectRef>
       <a:fontRef idx="minor">
@@ -8066,13 +7853,13 @@
     <dgm:sp3d/>
     <dgm:txPr/>
     <dgm:style>
-      <a:lnRef idx="2">
+      <a:lnRef idx="0">
         <a:scrgbClr r="0" g="0" b="0"/>
       </a:lnRef>
-      <a:fillRef idx="1">
+      <a:fillRef idx="3">
         <a:scrgbClr r="0" g="0" b="0"/>
       </a:fillRef>
-      <a:effectRef idx="0">
+      <a:effectRef idx="2">
         <a:scrgbClr r="0" g="0" b="0"/>
       </a:effectRef>
       <a:fontRef idx="minor">
@@ -8088,13 +7875,13 @@
     <dgm:sp3d/>
     <dgm:txPr/>
     <dgm:style>
-      <a:lnRef idx="2">
+      <a:lnRef idx="0">
         <a:scrgbClr r="0" g="0" b="0"/>
       </a:lnRef>
-      <a:fillRef idx="1">
+      <a:fillRef idx="3">
         <a:scrgbClr r="0" g="0" b="0"/>
       </a:fillRef>
-      <a:effectRef idx="0">
+      <a:effectRef idx="2">
         <a:scrgbClr r="0" g="0" b="0"/>
       </a:effectRef>
       <a:fontRef idx="minor">
@@ -8110,13 +7897,13 @@
     <dgm:sp3d/>
     <dgm:txPr/>
     <dgm:style>
-      <a:lnRef idx="2">
+      <a:lnRef idx="0">
         <a:scrgbClr r="0" g="0" b="0"/>
       </a:lnRef>
       <a:fillRef idx="1">
         <a:scrgbClr r="0" g="0" b="0"/>
       </a:fillRef>
-      <a:effectRef idx="0">
+      <a:effectRef idx="2">
         <a:scrgbClr r="0" g="0" b="0"/>
       </a:effectRef>
       <a:fontRef idx="minor"/>
@@ -8130,13 +7917,13 @@
     <dgm:sp3d/>
     <dgm:txPr/>
     <dgm:style>
-      <a:lnRef idx="2">
+      <a:lnRef idx="0">
         <a:scrgbClr r="0" g="0" b="0"/>
       </a:lnRef>
       <a:fillRef idx="1">
         <a:scrgbClr r="0" g="0" b="0"/>
       </a:fillRef>
-      <a:effectRef idx="0">
+      <a:effectRef idx="2">
         <a:scrgbClr r="0" g="0" b="0"/>
       </a:effectRef>
       <a:fontRef idx="minor"/>
@@ -8150,13 +7937,13 @@
     <dgm:sp3d/>
     <dgm:txPr/>
     <dgm:style>
-      <a:lnRef idx="2">
+      <a:lnRef idx="0">
         <a:scrgbClr r="0" g="0" b="0"/>
       </a:lnRef>
       <a:fillRef idx="1">
         <a:scrgbClr r="0" g="0" b="0"/>
       </a:fillRef>
-      <a:effectRef idx="0">
+      <a:effectRef idx="2">
         <a:scrgbClr r="0" g="0" b="0"/>
       </a:effectRef>
       <a:fontRef idx="minor"/>
@@ -8173,10 +7960,10 @@
       <a:lnRef idx="0">
         <a:scrgbClr r="0" g="0" b="0"/>
       </a:lnRef>
-      <a:fillRef idx="1">
+      <a:fillRef idx="3">
         <a:scrgbClr r="0" g="0" b="0"/>
       </a:fillRef>
-      <a:effectRef idx="0">
+      <a:effectRef idx="2">
         <a:scrgbClr r="0" g="0" b="0"/>
       </a:effectRef>
       <a:fontRef idx="minor">
@@ -8195,10 +7982,10 @@
       <a:lnRef idx="0">
         <a:scrgbClr r="0" g="0" b="0"/>
       </a:lnRef>
-      <a:fillRef idx="1">
+      <a:fillRef idx="3">
         <a:scrgbClr r="0" g="0" b="0"/>
       </a:fillRef>
-      <a:effectRef idx="0">
+      <a:effectRef idx="2">
         <a:scrgbClr r="0" g="0" b="0"/>
       </a:effectRef>
       <a:fontRef idx="minor">
@@ -8217,10 +8004,10 @@
       <a:lnRef idx="0">
         <a:scrgbClr r="0" g="0" b="0"/>
       </a:lnRef>
-      <a:fillRef idx="1">
+      <a:fillRef idx="3">
         <a:scrgbClr r="0" g="0" b="0"/>
       </a:fillRef>
-      <a:effectRef idx="0">
+      <a:effectRef idx="2">
         <a:scrgbClr r="0" g="0" b="0"/>
       </a:effectRef>
       <a:fontRef idx="minor">
@@ -8262,7 +8049,7 @@
       <a:fillRef idx="1">
         <a:scrgbClr r="0" g="0" b="0"/>
       </a:fillRef>
-      <a:effectRef idx="0">
+      <a:effectRef idx="1">
         <a:scrgbClr r="0" g="0" b="0"/>
       </a:effectRef>
       <a:fontRef idx="minor"/>
@@ -8276,13 +8063,13 @@
     <dgm:sp3d/>
     <dgm:txPr/>
     <dgm:style>
-      <a:lnRef idx="2">
+      <a:lnRef idx="0">
         <a:scrgbClr r="0" g="0" b="0"/>
       </a:lnRef>
-      <a:fillRef idx="1">
+      <a:fillRef idx="3">
         <a:scrgbClr r="0" g="0" b="0"/>
       </a:fillRef>
-      <a:effectRef idx="0">
+      <a:effectRef idx="2">
         <a:scrgbClr r="0" g="0" b="0"/>
       </a:effectRef>
       <a:fontRef idx="minor">
@@ -8298,13 +8085,13 @@
     <dgm:sp3d/>
     <dgm:txPr/>
     <dgm:style>
-      <a:lnRef idx="2">
+      <a:lnRef idx="0">
         <a:scrgbClr r="0" g="0" b="0"/>
       </a:lnRef>
-      <a:fillRef idx="1">
+      <a:fillRef idx="3">
         <a:scrgbClr r="0" g="0" b="0"/>
       </a:fillRef>
-      <a:effectRef idx="0">
+      <a:effectRef idx="2">
         <a:scrgbClr r="0" g="0" b="0"/>
       </a:effectRef>
       <a:fontRef idx="minor">
@@ -8320,13 +8107,13 @@
     <dgm:sp3d/>
     <dgm:txPr/>
     <dgm:style>
-      <a:lnRef idx="2">
+      <a:lnRef idx="0">
         <a:scrgbClr r="0" g="0" b="0"/>
       </a:lnRef>
-      <a:fillRef idx="1">
+      <a:fillRef idx="3">
         <a:scrgbClr r="0" g="0" b="0"/>
       </a:fillRef>
-      <a:effectRef idx="0">
+      <a:effectRef idx="2">
         <a:scrgbClr r="0" g="0" b="0"/>
       </a:effectRef>
       <a:fontRef idx="minor">
@@ -8342,13 +8129,13 @@
     <dgm:sp3d/>
     <dgm:txPr/>
     <dgm:style>
-      <a:lnRef idx="2">
+      <a:lnRef idx="0">
         <a:scrgbClr r="0" g="0" b="0"/>
       </a:lnRef>
-      <a:fillRef idx="1">
+      <a:fillRef idx="3">
         <a:scrgbClr r="0" g="0" b="0"/>
       </a:fillRef>
-      <a:effectRef idx="0">
+      <a:effectRef idx="2">
         <a:scrgbClr r="0" g="0" b="0"/>
       </a:effectRef>
       <a:fontRef idx="minor">
@@ -8364,13 +8151,13 @@
     <dgm:sp3d/>
     <dgm:txPr/>
     <dgm:style>
-      <a:lnRef idx="2">
+      <a:lnRef idx="0">
         <a:scrgbClr r="0" g="0" b="0"/>
       </a:lnRef>
-      <a:fillRef idx="1">
+      <a:fillRef idx="3">
         <a:scrgbClr r="0" g="0" b="0"/>
       </a:fillRef>
-      <a:effectRef idx="0">
+      <a:effectRef idx="2">
         <a:scrgbClr r="0" g="0" b="0"/>
       </a:effectRef>
       <a:fontRef idx="minor">
@@ -8386,13 +8173,13 @@
     <dgm:sp3d/>
     <dgm:txPr/>
     <dgm:style>
-      <a:lnRef idx="2">
+      <a:lnRef idx="0">
         <a:scrgbClr r="0" g="0" b="0"/>
       </a:lnRef>
-      <a:fillRef idx="1">
+      <a:fillRef idx="3">
         <a:scrgbClr r="0" g="0" b="0"/>
       </a:fillRef>
-      <a:effectRef idx="0">
+      <a:effectRef idx="2">
         <a:scrgbClr r="0" g="0" b="0"/>
       </a:effectRef>
       <a:fontRef idx="minor">
@@ -8408,13 +8195,13 @@
     <dgm:sp3d/>
     <dgm:txPr/>
     <dgm:style>
-      <a:lnRef idx="2">
+      <a:lnRef idx="0">
         <a:scrgbClr r="0" g="0" b="0"/>
       </a:lnRef>
-      <a:fillRef idx="1">
+      <a:fillRef idx="3">
         <a:scrgbClr r="0" g="0" b="0"/>
       </a:fillRef>
-      <a:effectRef idx="0">
+      <a:effectRef idx="2">
         <a:scrgbClr r="0" g="0" b="0"/>
       </a:effectRef>
       <a:fontRef idx="minor">
@@ -8430,13 +8217,13 @@
     <dgm:sp3d/>
     <dgm:txPr/>
     <dgm:style>
-      <a:lnRef idx="2">
+      <a:lnRef idx="1">
         <a:scrgbClr r="0" g="0" b="0"/>
       </a:lnRef>
-      <a:fillRef idx="1">
+      <a:fillRef idx="3">
         <a:scrgbClr r="0" g="0" b="0"/>
       </a:fillRef>
-      <a:effectRef idx="0">
+      <a:effectRef idx="2">
         <a:scrgbClr r="0" g="0" b="0"/>
       </a:effectRef>
       <a:fontRef idx="minor">
@@ -8452,13 +8239,13 @@
     <dgm:sp3d/>
     <dgm:txPr/>
     <dgm:style>
-      <a:lnRef idx="2">
+      <a:lnRef idx="1">
         <a:scrgbClr r="0" g="0" b="0"/>
       </a:lnRef>
-      <a:fillRef idx="1">
+      <a:fillRef idx="3">
         <a:scrgbClr r="0" g="0" b="0"/>
       </a:fillRef>
-      <a:effectRef idx="0">
+      <a:effectRef idx="2">
         <a:scrgbClr r="0" g="0" b="0"/>
       </a:effectRef>
       <a:fontRef idx="minor">
@@ -8474,7 +8261,7 @@
     <dgm:sp3d/>
     <dgm:txPr/>
     <dgm:style>
-      <a:lnRef idx="2">
+      <a:lnRef idx="1">
         <a:scrgbClr r="0" g="0" b="0"/>
       </a:lnRef>
       <a:fillRef idx="0">
@@ -8494,7 +8281,7 @@
     <dgm:sp3d/>
     <dgm:txPr/>
     <dgm:style>
-      <a:lnRef idx="2">
+      <a:lnRef idx="1">
         <a:scrgbClr r="0" g="0" b="0"/>
       </a:lnRef>
       <a:fillRef idx="0">
@@ -8514,7 +8301,7 @@
     <dgm:sp3d/>
     <dgm:txPr/>
     <dgm:style>
-      <a:lnRef idx="2">
+      <a:lnRef idx="1">
         <a:scrgbClr r="0" g="0" b="0"/>
       </a:lnRef>
       <a:fillRef idx="0">
@@ -8534,7 +8321,7 @@
     <dgm:sp3d/>
     <dgm:txPr/>
     <dgm:style>
-      <a:lnRef idx="2">
+      <a:lnRef idx="1">
         <a:scrgbClr r="0" g="0" b="0"/>
       </a:lnRef>
       <a:fillRef idx="0">
@@ -8554,7 +8341,7 @@
     <dgm:sp3d/>
     <dgm:txPr/>
     <dgm:style>
-      <a:lnRef idx="2">
+      <a:lnRef idx="1">
         <a:scrgbClr r="0" g="0" b="0"/>
       </a:lnRef>
       <a:fillRef idx="1">
@@ -8574,7 +8361,7 @@
     <dgm:sp3d/>
     <dgm:txPr/>
     <dgm:style>
-      <a:lnRef idx="2">
+      <a:lnRef idx="1">
         <a:scrgbClr r="0" g="0" b="0"/>
       </a:lnRef>
       <a:fillRef idx="1">
@@ -8594,7 +8381,7 @@
     <dgm:sp3d/>
     <dgm:txPr/>
     <dgm:style>
-      <a:lnRef idx="2">
+      <a:lnRef idx="1">
         <a:scrgbClr r="0" g="0" b="0"/>
       </a:lnRef>
       <a:fillRef idx="1">
@@ -8634,7 +8421,7 @@
     <dgm:sp3d/>
     <dgm:txPr/>
     <dgm:style>
-      <a:lnRef idx="2">
+      <a:lnRef idx="1">
         <a:scrgbClr r="0" g="0" b="0"/>
       </a:lnRef>
       <a:fillRef idx="1">
@@ -8654,7 +8441,7 @@
     <dgm:sp3d/>
     <dgm:txPr/>
     <dgm:style>
-      <a:lnRef idx="2">
+      <a:lnRef idx="1">
         <a:scrgbClr r="0" g="0" b="0"/>
       </a:lnRef>
       <a:fillRef idx="1">
@@ -8674,7 +8461,7 @@
     <dgm:sp3d/>
     <dgm:txPr/>
     <dgm:style>
-      <a:lnRef idx="2">
+      <a:lnRef idx="1">
         <a:scrgbClr r="0" g="0" b="0"/>
       </a:lnRef>
       <a:fillRef idx="1">
@@ -8694,7 +8481,7 @@
     <dgm:sp3d/>
     <dgm:txPr/>
     <dgm:style>
-      <a:lnRef idx="2">
+      <a:lnRef idx="1">
         <a:scrgbClr r="0" g="0" b="0"/>
       </a:lnRef>
       <a:fillRef idx="1">
@@ -8714,7 +8501,7 @@
     <dgm:sp3d/>
     <dgm:txPr/>
     <dgm:style>
-      <a:lnRef idx="2">
+      <a:lnRef idx="1">
         <a:scrgbClr r="0" g="0" b="0"/>
       </a:lnRef>
       <a:fillRef idx="1">
@@ -8734,7 +8521,7 @@
     <dgm:sp3d/>
     <dgm:txPr/>
     <dgm:style>
-      <a:lnRef idx="2">
+      <a:lnRef idx="1">
         <a:scrgbClr r="0" g="0" b="0"/>
       </a:lnRef>
       <a:fillRef idx="1">
@@ -8754,7 +8541,7 @@
     <dgm:sp3d/>
     <dgm:txPr/>
     <dgm:style>
-      <a:lnRef idx="2">
+      <a:lnRef idx="1">
         <a:scrgbClr r="0" g="0" b="0"/>
       </a:lnRef>
       <a:fillRef idx="1">
@@ -8774,7 +8561,7 @@
     <dgm:sp3d/>
     <dgm:txPr/>
     <dgm:style>
-      <a:lnRef idx="2">
+      <a:lnRef idx="1">
         <a:scrgbClr r="0" g="0" b="0"/>
       </a:lnRef>
       <a:fillRef idx="1">
@@ -8794,7 +8581,7 @@
     <dgm:sp3d/>
     <dgm:txPr/>
     <dgm:style>
-      <a:lnRef idx="2">
+      <a:lnRef idx="1">
         <a:scrgbClr r="0" g="0" b="0"/>
       </a:lnRef>
       <a:fillRef idx="1">
@@ -8814,7 +8601,7 @@
     <dgm:sp3d/>
     <dgm:txPr/>
     <dgm:style>
-      <a:lnRef idx="2">
+      <a:lnRef idx="1">
         <a:scrgbClr r="0" g="0" b="0"/>
       </a:lnRef>
       <a:fillRef idx="1">
@@ -8834,7 +8621,7 @@
     <dgm:sp3d/>
     <dgm:txPr/>
     <dgm:style>
-      <a:lnRef idx="2">
+      <a:lnRef idx="1">
         <a:scrgbClr r="0" g="0" b="0"/>
       </a:lnRef>
       <a:fillRef idx="1">
@@ -8860,7 +8647,7 @@
       <a:fillRef idx="1">
         <a:scrgbClr r="0" g="0" b="0"/>
       </a:fillRef>
-      <a:effectRef idx="0">
+      <a:effectRef idx="2">
         <a:scrgbClr r="0" g="0" b="0"/>
       </a:effectRef>
       <a:fontRef idx="minor"/>
@@ -8880,7 +8667,7 @@
       <a:fillRef idx="1">
         <a:scrgbClr r="0" g="0" b="0"/>
       </a:fillRef>
-      <a:effectRef idx="0">
+      <a:effectRef idx="2">
         <a:scrgbClr r="0" g="0" b="0"/>
       </a:effectRef>
       <a:fontRef idx="minor"/>
@@ -8914,13 +8701,13 @@
     <dgm:sp3d/>
     <dgm:txPr/>
     <dgm:style>
-      <a:lnRef idx="2">
+      <a:lnRef idx="0">
         <a:scrgbClr r="0" g="0" b="0"/>
       </a:lnRef>
-      <a:fillRef idx="1">
+      <a:fillRef idx="3">
         <a:scrgbClr r="0" g="0" b="0"/>
       </a:fillRef>
-      <a:effectRef idx="0">
+      <a:effectRef idx="2">
         <a:scrgbClr r="0" g="0" b="0"/>
       </a:effectRef>
       <a:fontRef idx="minor"/>
@@ -16170,6 +15957,3703 @@
       </p:grpSpPr>
       <p:sp useBgFill="1">
         <p:nvSpPr>
+          <p:cNvPr id="67" name="Rectangle 66">
+            <a:extLst>
+              <a:ext uri="{FF2B5EF4-FFF2-40B4-BE49-F238E27FC236}">
+                <a16:creationId xmlns:a16="http://schemas.microsoft.com/office/drawing/2014/main" id="{BACC6370-2D7E-4714-9D71-7542949D7D5D}"/>
+              </a:ext>
+              <a:ext uri="{C183D7F6-B498-43B3-948B-1728B52AA6E4}">
+                <adec:decorative xmlns:adec="http://schemas.microsoft.com/office/drawing/2017/decorative" val="1"/>
+              </a:ext>
+            </a:extLst>
+          </p:cNvPr>
+          <p:cNvSpPr>
+            <a:spLocks noGrp="1" noRot="1" noChangeAspect="1" noMove="1" noResize="1" noEditPoints="1" noAdjustHandles="1" noChangeArrowheads="1" noChangeShapeType="1" noTextEdit="1"/>
+          </p:cNvSpPr>
+          <p:nvPr>
+            <p:extLst>
+              <p:ext uri="{386F3935-93C4-4BCD-93E2-E3B085C9AB24}">
+                <p16:designElem xmlns:p16="http://schemas.microsoft.com/office/powerpoint/2015/main" val="1"/>
+              </p:ext>
+            </p:extLst>
+          </p:nvPr>
+        </p:nvSpPr>
+        <p:spPr>
+          <a:xfrm>
+            <a:off x="0" y="0"/>
+            <a:ext cx="12192000" cy="6858000"/>
+          </a:xfrm>
+          <a:prstGeom prst="rect">
+            <a:avLst/>
+          </a:prstGeom>
+          <a:ln w="12700" cap="flat" cmpd="sng" algn="ctr">
+            <a:noFill/>
+            <a:prstDash val="solid"/>
+            <a:miter lim="800000"/>
+          </a:ln>
+          <a:effectLst/>
+          <a:extLst>
+            <a:ext uri="{91240B29-F687-4F45-9708-019B960494DF}">
+              <a14:hiddenLine xmlns:a14="http://schemas.microsoft.com/office/drawing/2010/main" w="12700" cap="flat" cmpd="sng" algn="ctr">
+                <a:solidFill>
+                  <a:schemeClr val="accent1">
+                    <a:shade val="50000"/>
+                  </a:schemeClr>
+                </a:solidFill>
+                <a:prstDash val="solid"/>
+                <a:miter lim="800000"/>
+              </a14:hiddenLine>
+            </a:ext>
+          </a:extLst>
+        </p:spPr>
+        <p:style>
+          <a:lnRef idx="2">
+            <a:schemeClr val="accent1">
+              <a:shade val="50000"/>
+            </a:schemeClr>
+          </a:lnRef>
+          <a:fillRef idx="1">
+            <a:schemeClr val="accent1"/>
+          </a:fillRef>
+          <a:effectRef idx="0">
+            <a:schemeClr val="accent1"/>
+          </a:effectRef>
+          <a:fontRef idx="minor">
+            <a:schemeClr val="lt1"/>
+          </a:fontRef>
+        </p:style>
+        <p:txBody>
+          <a:bodyPr rtlCol="0" anchor="ctr"/>
+          <a:lstStyle/>
+          <a:p>
+            <a:pPr algn="ctr"/>
+            <a:endParaRPr lang="en-US"/>
+          </a:p>
+        </p:txBody>
+      </p:sp>
+      <p:sp>
+        <p:nvSpPr>
+          <p:cNvPr id="69" name="Rectangle 68">
+            <a:extLst>
+              <a:ext uri="{FF2B5EF4-FFF2-40B4-BE49-F238E27FC236}">
+                <a16:creationId xmlns:a16="http://schemas.microsoft.com/office/drawing/2014/main" id="{256B2C21-A230-48C0-8DF1-C46611373C44}"/>
+              </a:ext>
+              <a:ext uri="{C183D7F6-B498-43B3-948B-1728B52AA6E4}">
+                <adec:decorative xmlns:adec="http://schemas.microsoft.com/office/drawing/2017/decorative" val="1"/>
+              </a:ext>
+            </a:extLst>
+          </p:cNvPr>
+          <p:cNvSpPr>
+            <a:spLocks noGrp="1" noRot="1" noChangeAspect="1" noMove="1" noResize="1" noEditPoints="1" noAdjustHandles="1" noChangeArrowheads="1" noChangeShapeType="1" noTextEdit="1"/>
+          </p:cNvSpPr>
+          <p:nvPr>
+            <p:extLst>
+              <p:ext uri="{386F3935-93C4-4BCD-93E2-E3B085C9AB24}">
+                <p16:designElem xmlns:p16="http://schemas.microsoft.com/office/powerpoint/2015/main" val="1"/>
+              </p:ext>
+            </p:extLst>
+          </p:nvPr>
+        </p:nvSpPr>
+        <p:spPr>
+          <a:xfrm rot="5400000" flipH="1">
+            <a:off x="-1410084" y="1410082"/>
+            <a:ext cx="6858000" cy="4037836"/>
+          </a:xfrm>
+          <a:prstGeom prst="rect">
+            <a:avLst/>
+          </a:prstGeom>
+          <a:gradFill>
+            <a:gsLst>
+              <a:gs pos="8000">
+                <a:srgbClr val="000000"/>
+              </a:gs>
+              <a:gs pos="100000">
+                <a:schemeClr val="accent1">
+                  <a:lumMod val="75000"/>
+                </a:schemeClr>
+              </a:gs>
+            </a:gsLst>
+            <a:lin ang="3000000" scaled="0"/>
+          </a:gradFill>
+          <a:ln>
+            <a:noFill/>
+          </a:ln>
+        </p:spPr>
+        <p:style>
+          <a:lnRef idx="2">
+            <a:schemeClr val="accent1">
+              <a:shade val="50000"/>
+            </a:schemeClr>
+          </a:lnRef>
+          <a:fillRef idx="1">
+            <a:schemeClr val="accent1"/>
+          </a:fillRef>
+          <a:effectRef idx="0">
+            <a:schemeClr val="accent1"/>
+          </a:effectRef>
+          <a:fontRef idx="minor">
+            <a:schemeClr val="lt1"/>
+          </a:fontRef>
+        </p:style>
+        <p:txBody>
+          <a:bodyPr rtlCol="0" anchor="ctr"/>
+          <a:lstStyle/>
+          <a:p>
+            <a:pPr algn="ctr"/>
+            <a:endParaRPr lang="en-US"/>
+          </a:p>
+        </p:txBody>
+      </p:sp>
+      <p:sp>
+        <p:nvSpPr>
+          <p:cNvPr id="71" name="Rectangle 70">
+            <a:extLst>
+              <a:ext uri="{FF2B5EF4-FFF2-40B4-BE49-F238E27FC236}">
+                <a16:creationId xmlns:a16="http://schemas.microsoft.com/office/drawing/2014/main" id="{3847E18C-932D-4C95-AABA-FEC7C9499AD7}"/>
+              </a:ext>
+              <a:ext uri="{C183D7F6-B498-43B3-948B-1728B52AA6E4}">
+                <adec:decorative xmlns:adec="http://schemas.microsoft.com/office/drawing/2017/decorative" val="1"/>
+              </a:ext>
+            </a:extLst>
+          </p:cNvPr>
+          <p:cNvSpPr>
+            <a:spLocks noGrp="1" noRot="1" noChangeAspect="1" noMove="1" noResize="1" noEditPoints="1" noAdjustHandles="1" noChangeArrowheads="1" noChangeShapeType="1" noTextEdit="1"/>
+          </p:cNvSpPr>
+          <p:nvPr>
+            <p:extLst>
+              <p:ext uri="{386F3935-93C4-4BCD-93E2-E3B085C9AB24}">
+                <p16:designElem xmlns:p16="http://schemas.microsoft.com/office/powerpoint/2015/main" val="1"/>
+              </p:ext>
+            </p:extLst>
+          </p:nvPr>
+        </p:nvSpPr>
+        <p:spPr>
+          <a:xfrm rot="5400000" flipH="1">
+            <a:off x="-1410085" y="1420219"/>
+            <a:ext cx="6857999" cy="4037839"/>
+          </a:xfrm>
+          <a:prstGeom prst="rect">
+            <a:avLst/>
+          </a:prstGeom>
+          <a:gradFill>
+            <a:gsLst>
+              <a:gs pos="0">
+                <a:srgbClr val="000000">
+                  <a:alpha val="0"/>
+                </a:srgbClr>
+              </a:gs>
+              <a:gs pos="99000">
+                <a:schemeClr val="accent1">
+                  <a:alpha val="46000"/>
+                </a:schemeClr>
+              </a:gs>
+            </a:gsLst>
+            <a:lin ang="1800000" scaled="0"/>
+          </a:gradFill>
+          <a:ln>
+            <a:noFill/>
+          </a:ln>
+        </p:spPr>
+        <p:style>
+          <a:lnRef idx="2">
+            <a:schemeClr val="accent1">
+              <a:shade val="50000"/>
+            </a:schemeClr>
+          </a:lnRef>
+          <a:fillRef idx="1">
+            <a:schemeClr val="accent1"/>
+          </a:fillRef>
+          <a:effectRef idx="0">
+            <a:schemeClr val="accent1"/>
+          </a:effectRef>
+          <a:fontRef idx="minor">
+            <a:schemeClr val="lt1"/>
+          </a:fontRef>
+        </p:style>
+        <p:txBody>
+          <a:bodyPr rtlCol="0" anchor="ctr"/>
+          <a:lstStyle/>
+          <a:p>
+            <a:pPr algn="ctr"/>
+            <a:endParaRPr lang="en-US"/>
+          </a:p>
+        </p:txBody>
+      </p:sp>
+      <p:sp>
+        <p:nvSpPr>
+          <p:cNvPr id="73" name="Rectangle 72">
+            <a:extLst>
+              <a:ext uri="{FF2B5EF4-FFF2-40B4-BE49-F238E27FC236}">
+                <a16:creationId xmlns:a16="http://schemas.microsoft.com/office/drawing/2014/main" id="{3150CB11-0C61-439E-910F-5787759E72A0}"/>
+              </a:ext>
+              <a:ext uri="{C183D7F6-B498-43B3-948B-1728B52AA6E4}">
+                <adec:decorative xmlns:adec="http://schemas.microsoft.com/office/drawing/2017/decorative" val="1"/>
+              </a:ext>
+            </a:extLst>
+          </p:cNvPr>
+          <p:cNvSpPr>
+            <a:spLocks noGrp="1" noRot="1" noChangeAspect="1" noMove="1" noResize="1" noEditPoints="1" noAdjustHandles="1" noChangeArrowheads="1" noChangeShapeType="1" noTextEdit="1"/>
+          </p:cNvSpPr>
+          <p:nvPr>
+            <p:extLst>
+              <p:ext uri="{386F3935-93C4-4BCD-93E2-E3B085C9AB24}">
+                <p16:designElem xmlns:p16="http://schemas.microsoft.com/office/powerpoint/2015/main" val="1"/>
+              </p:ext>
+            </p:extLst>
+          </p:nvPr>
+        </p:nvSpPr>
+        <p:spPr>
+          <a:xfrm rot="5400000" flipH="1">
+            <a:off x="767923" y="3588085"/>
+            <a:ext cx="2501979" cy="4037841"/>
+          </a:xfrm>
+          <a:prstGeom prst="rect">
+            <a:avLst/>
+          </a:prstGeom>
+          <a:gradFill>
+            <a:gsLst>
+              <a:gs pos="2000">
+                <a:schemeClr val="accent1">
+                  <a:alpha val="29000"/>
+                </a:schemeClr>
+              </a:gs>
+              <a:gs pos="100000">
+                <a:srgbClr val="000000">
+                  <a:alpha val="30000"/>
+                </a:srgbClr>
+              </a:gs>
+            </a:gsLst>
+            <a:lin ang="7800000" scaled="0"/>
+          </a:gradFill>
+          <a:ln>
+            <a:noFill/>
+          </a:ln>
+        </p:spPr>
+        <p:style>
+          <a:lnRef idx="2">
+            <a:schemeClr val="accent1">
+              <a:shade val="50000"/>
+            </a:schemeClr>
+          </a:lnRef>
+          <a:fillRef idx="1">
+            <a:schemeClr val="accent1"/>
+          </a:fillRef>
+          <a:effectRef idx="0">
+            <a:schemeClr val="accent1"/>
+          </a:effectRef>
+          <a:fontRef idx="minor">
+            <a:schemeClr val="lt1"/>
+          </a:fontRef>
+        </p:style>
+        <p:txBody>
+          <a:bodyPr rtlCol="0" anchor="ctr"/>
+          <a:lstStyle/>
+          <a:p>
+            <a:pPr algn="ctr"/>
+            <a:endParaRPr lang="en-US" dirty="0"/>
+          </a:p>
+        </p:txBody>
+      </p:sp>
+      <p:sp>
+        <p:nvSpPr>
+          <p:cNvPr id="82" name="Freeform: Shape 74">
+            <a:extLst>
+              <a:ext uri="{FF2B5EF4-FFF2-40B4-BE49-F238E27FC236}">
+                <a16:creationId xmlns:a16="http://schemas.microsoft.com/office/drawing/2014/main" id="{43F8A58B-5155-44CE-A5FF-7647B47D0A7A}"/>
+              </a:ext>
+              <a:ext uri="{C183D7F6-B498-43B3-948B-1728B52AA6E4}">
+                <adec:decorative xmlns:adec="http://schemas.microsoft.com/office/drawing/2017/decorative" val="1"/>
+              </a:ext>
+            </a:extLst>
+          </p:cNvPr>
+          <p:cNvSpPr>
+            <a:spLocks noGrp="1" noRot="1" noChangeAspect="1" noMove="1" noResize="1" noEditPoints="1" noAdjustHandles="1" noChangeArrowheads="1" noChangeShapeType="1" noTextEdit="1"/>
+          </p:cNvSpPr>
+          <p:nvPr>
+            <p:extLst>
+              <p:ext uri="{386F3935-93C4-4BCD-93E2-E3B085C9AB24}">
+                <p16:designElem xmlns:p16="http://schemas.microsoft.com/office/powerpoint/2015/main" val="1"/>
+              </p:ext>
+            </p:extLst>
+          </p:nvPr>
+        </p:nvSpPr>
+        <p:spPr>
+          <a:xfrm rot="20635413">
+            <a:off x="-501737" y="969718"/>
+            <a:ext cx="3900357" cy="4178958"/>
+          </a:xfrm>
+          <a:custGeom>
+            <a:avLst/>
+            <a:gdLst>
+              <a:gd name="connsiteX0" fmla="*/ 2432225 w 3900357"/>
+              <a:gd name="connsiteY0" fmla="*/ 93939 h 4178958"/>
+              <a:gd name="connsiteX1" fmla="*/ 3900357 w 3900357"/>
+              <a:gd name="connsiteY1" fmla="*/ 2089479 h 4178958"/>
+              <a:gd name="connsiteX2" fmla="*/ 1810878 w 3900357"/>
+              <a:gd name="connsiteY2" fmla="*/ 4178958 h 4178958"/>
+              <a:gd name="connsiteX3" fmla="*/ 78249 w 3900357"/>
+              <a:gd name="connsiteY3" fmla="*/ 3257727 h 4178958"/>
+              <a:gd name="connsiteX4" fmla="*/ 0 w 3900357"/>
+              <a:gd name="connsiteY4" fmla="*/ 3128923 h 4178958"/>
+              <a:gd name="connsiteX5" fmla="*/ 831324 w 3900357"/>
+              <a:gd name="connsiteY5" fmla="*/ 244281 h 4178958"/>
+              <a:gd name="connsiteX6" fmla="*/ 997559 w 3900357"/>
+              <a:gd name="connsiteY6" fmla="*/ 164202 h 4178958"/>
+              <a:gd name="connsiteX7" fmla="*/ 1810878 w 3900357"/>
+              <a:gd name="connsiteY7" fmla="*/ 0 h 4178958"/>
+              <a:gd name="connsiteX8" fmla="*/ 2432225 w 3900357"/>
+              <a:gd name="connsiteY8" fmla="*/ 93939 h 4178958"/>
+            </a:gdLst>
+            <a:ahLst/>
+            <a:cxnLst>
+              <a:cxn ang="0">
+                <a:pos x="connsiteX0" y="connsiteY0"/>
+              </a:cxn>
+              <a:cxn ang="0">
+                <a:pos x="connsiteX1" y="connsiteY1"/>
+              </a:cxn>
+              <a:cxn ang="0">
+                <a:pos x="connsiteX2" y="connsiteY2"/>
+              </a:cxn>
+              <a:cxn ang="0">
+                <a:pos x="connsiteX3" y="connsiteY3"/>
+              </a:cxn>
+              <a:cxn ang="0">
+                <a:pos x="connsiteX4" y="connsiteY4"/>
+              </a:cxn>
+              <a:cxn ang="0">
+                <a:pos x="connsiteX5" y="connsiteY5"/>
+              </a:cxn>
+              <a:cxn ang="0">
+                <a:pos x="connsiteX6" y="connsiteY6"/>
+              </a:cxn>
+              <a:cxn ang="0">
+                <a:pos x="connsiteX7" y="connsiteY7"/>
+              </a:cxn>
+              <a:cxn ang="0">
+                <a:pos x="connsiteX8" y="connsiteY8"/>
+              </a:cxn>
+            </a:cxnLst>
+            <a:rect l="l" t="t" r="r" b="b"/>
+            <a:pathLst>
+              <a:path w="3900357" h="4178958">
+                <a:moveTo>
+                  <a:pt x="2432225" y="93939"/>
+                </a:moveTo>
+                <a:cubicBezTo>
+                  <a:pt x="3282786" y="358491"/>
+                  <a:pt x="3900357" y="1151865"/>
+                  <a:pt x="3900357" y="2089479"/>
+                </a:cubicBezTo>
+                <a:cubicBezTo>
+                  <a:pt x="3900357" y="3243466"/>
+                  <a:pt x="2964865" y="4178958"/>
+                  <a:pt x="1810878" y="4178958"/>
+                </a:cubicBezTo>
+                <a:cubicBezTo>
+                  <a:pt x="1089636" y="4178958"/>
+                  <a:pt x="453744" y="3813531"/>
+                  <a:pt x="78249" y="3257727"/>
+                </a:cubicBezTo>
+                <a:lnTo>
+                  <a:pt x="0" y="3128923"/>
+                </a:lnTo>
+                <a:lnTo>
+                  <a:pt x="831324" y="244281"/>
+                </a:lnTo>
+                <a:lnTo>
+                  <a:pt x="997559" y="164202"/>
+                </a:lnTo>
+                <a:cubicBezTo>
+                  <a:pt x="1247540" y="58468"/>
+                  <a:pt x="1522381" y="0"/>
+                  <a:pt x="1810878" y="0"/>
+                </a:cubicBezTo>
+                <a:cubicBezTo>
+                  <a:pt x="2027251" y="0"/>
+                  <a:pt x="2235942" y="32888"/>
+                  <a:pt x="2432225" y="93939"/>
+                </a:cubicBezTo>
+                <a:close/>
+              </a:path>
+            </a:pathLst>
+          </a:custGeom>
+          <a:gradFill>
+            <a:gsLst>
+              <a:gs pos="29000">
+                <a:srgbClr val="000000">
+                  <a:alpha val="0"/>
+                </a:srgbClr>
+              </a:gs>
+              <a:gs pos="100000">
+                <a:schemeClr val="accent1">
+                  <a:alpha val="43000"/>
+                </a:schemeClr>
+              </a:gs>
+            </a:gsLst>
+            <a:lin ang="1800000" scaled="0"/>
+          </a:gradFill>
+          <a:ln>
+            <a:noFill/>
+          </a:ln>
+        </p:spPr>
+        <p:style>
+          <a:lnRef idx="2">
+            <a:schemeClr val="accent1">
+              <a:shade val="50000"/>
+            </a:schemeClr>
+          </a:lnRef>
+          <a:fillRef idx="1">
+            <a:schemeClr val="accent1"/>
+          </a:fillRef>
+          <a:effectRef idx="0">
+            <a:schemeClr val="accent1"/>
+          </a:effectRef>
+          <a:fontRef idx="minor">
+            <a:schemeClr val="lt1"/>
+          </a:fontRef>
+        </p:style>
+        <p:txBody>
+          <a:bodyPr wrap="square" rtlCol="0" anchor="ctr">
+            <a:noAutofit/>
+          </a:bodyPr>
+          <a:lstStyle/>
+          <a:p>
+            <a:pPr algn="ctr"/>
+            <a:endParaRPr lang="en-US" dirty="0"/>
+          </a:p>
+        </p:txBody>
+      </p:sp>
+      <p:sp>
+        <p:nvSpPr>
+          <p:cNvPr id="83" name="Rectangle 76">
+            <a:extLst>
+              <a:ext uri="{FF2B5EF4-FFF2-40B4-BE49-F238E27FC236}">
+                <a16:creationId xmlns:a16="http://schemas.microsoft.com/office/drawing/2014/main" id="{443F2ACA-E6D6-4028-82DD-F03C262D5DE6}"/>
+              </a:ext>
+              <a:ext uri="{C183D7F6-B498-43B3-948B-1728B52AA6E4}">
+                <adec:decorative xmlns:adec="http://schemas.microsoft.com/office/drawing/2017/decorative" val="1"/>
+              </a:ext>
+            </a:extLst>
+          </p:cNvPr>
+          <p:cNvSpPr>
+            <a:spLocks noGrp="1" noRot="1" noChangeAspect="1" noMove="1" noResize="1" noEditPoints="1" noAdjustHandles="1" noChangeArrowheads="1" noChangeShapeType="1" noTextEdit="1"/>
+          </p:cNvSpPr>
+          <p:nvPr>
+            <p:extLst>
+              <p:ext uri="{386F3935-93C4-4BCD-93E2-E3B085C9AB24}">
+                <p16:designElem xmlns:p16="http://schemas.microsoft.com/office/powerpoint/2015/main" val="1"/>
+              </p:ext>
+            </p:extLst>
+          </p:nvPr>
+        </p:nvSpPr>
+        <p:spPr>
+          <a:xfrm rot="5400000" flipH="1">
+            <a:off x="-1410095" y="1410079"/>
+            <a:ext cx="6858003" cy="4037835"/>
+          </a:xfrm>
+          <a:prstGeom prst="rect">
+            <a:avLst/>
+          </a:prstGeom>
+          <a:gradFill>
+            <a:gsLst>
+              <a:gs pos="0">
+                <a:srgbClr val="000000">
+                  <a:alpha val="0"/>
+                </a:srgbClr>
+              </a:gs>
+              <a:gs pos="99000">
+                <a:schemeClr val="accent1">
+                  <a:lumMod val="60000"/>
+                  <a:lumOff val="40000"/>
+                  <a:alpha val="11000"/>
+                </a:schemeClr>
+              </a:gs>
+            </a:gsLst>
+            <a:lin ang="7200000" scaled="0"/>
+          </a:gradFill>
+          <a:ln>
+            <a:noFill/>
+          </a:ln>
+        </p:spPr>
+        <p:style>
+          <a:lnRef idx="2">
+            <a:schemeClr val="accent1">
+              <a:shade val="50000"/>
+            </a:schemeClr>
+          </a:lnRef>
+          <a:fillRef idx="1">
+            <a:schemeClr val="accent1"/>
+          </a:fillRef>
+          <a:effectRef idx="0">
+            <a:schemeClr val="accent1"/>
+          </a:effectRef>
+          <a:fontRef idx="minor">
+            <a:schemeClr val="lt1"/>
+          </a:fontRef>
+        </p:style>
+        <p:txBody>
+          <a:bodyPr rtlCol="0" anchor="ctr"/>
+          <a:lstStyle/>
+          <a:p>
+            <a:pPr algn="ctr"/>
+            <a:endParaRPr lang="en-US"/>
+          </a:p>
+        </p:txBody>
+      </p:sp>
+      <p:sp>
+        <p:nvSpPr>
+          <p:cNvPr id="2" name="Título 1">
+            <a:extLst>
+              <a:ext uri="{FF2B5EF4-FFF2-40B4-BE49-F238E27FC236}">
+                <a16:creationId xmlns:a16="http://schemas.microsoft.com/office/drawing/2014/main" id="{86AE13BA-52DD-E9D9-50FD-C8E52C587F5D}"/>
+              </a:ext>
+            </a:extLst>
+          </p:cNvPr>
+          <p:cNvSpPr>
+            <a:spLocks noGrp="1"/>
+          </p:cNvSpPr>
+          <p:nvPr>
+            <p:ph type="title"/>
+          </p:nvPr>
+        </p:nvSpPr>
+        <p:spPr>
+          <a:xfrm>
+            <a:off x="586478" y="1683756"/>
+            <a:ext cx="3115265" cy="2396359"/>
+          </a:xfrm>
+        </p:spPr>
+        <p:txBody>
+          <a:bodyPr anchor="b">
+            <a:normAutofit/>
+          </a:bodyPr>
+          <a:lstStyle/>
+          <a:p>
+            <a:pPr algn="r"/>
+            <a:r>
+              <a:rPr lang="es-BO" sz="4000" dirty="0">
+                <a:solidFill>
+                  <a:srgbClr val="FFFFFF"/>
+                </a:solidFill>
+              </a:rPr>
+              <a:t>Contexto</a:t>
+            </a:r>
+          </a:p>
+        </p:txBody>
+      </p:sp>
+      <p:graphicFrame>
+        <p:nvGraphicFramePr>
+          <p:cNvPr id="48" name="Marcador de contenido 2">
+            <a:extLst>
+              <a:ext uri="{FF2B5EF4-FFF2-40B4-BE49-F238E27FC236}">
+                <a16:creationId xmlns:a16="http://schemas.microsoft.com/office/drawing/2014/main" id="{57D37787-6442-8AD9-4DD0-9E715DB324B3}"/>
+              </a:ext>
+            </a:extLst>
+          </p:cNvPr>
+          <p:cNvGraphicFramePr>
+            <a:graphicFrameLocks noGrp="1"/>
+          </p:cNvGraphicFramePr>
+          <p:nvPr>
+            <p:ph idx="1"/>
+            <p:extLst>
+              <p:ext uri="{D42A27DB-BD31-4B8C-83A1-F6EECF244321}">
+                <p14:modId xmlns:p14="http://schemas.microsoft.com/office/powerpoint/2010/main" val="649691281"/>
+              </p:ext>
+            </p:extLst>
+          </p:nvPr>
+        </p:nvGraphicFramePr>
+        <p:xfrm>
+          <a:off x="4905052" y="750440"/>
+          <a:ext cx="6666833" cy="5453920"/>
+        </p:xfrm>
+        <a:graphic>
+          <a:graphicData uri="http://schemas.openxmlformats.org/drawingml/2006/diagram">
+            <dgm:relIds xmlns:dgm="http://schemas.openxmlformats.org/drawingml/2006/diagram" xmlns:r="http://schemas.openxmlformats.org/officeDocument/2006/relationships" r:dm="rId2" r:lo="rId3" r:qs="rId4" r:cs="rId5"/>
+          </a:graphicData>
+        </a:graphic>
+      </p:graphicFrame>
+    </p:spTree>
+    <p:extLst>
+      <p:ext uri="{BB962C8B-B14F-4D97-AF65-F5344CB8AC3E}">
+        <p14:creationId xmlns:p14="http://schemas.microsoft.com/office/powerpoint/2010/main" val="1867796874"/>
+      </p:ext>
+    </p:extLst>
+  </p:cSld>
+  <p:clrMapOvr>
+    <a:masterClrMapping/>
+  </p:clrMapOvr>
+</p:sld>
+</file>
+
+<file path=ppt/slides/slide5.xml><?xml version="1.0" encoding="utf-8"?>
+<p:sld xmlns:a="http://schemas.openxmlformats.org/drawingml/2006/main" xmlns:r="http://schemas.openxmlformats.org/officeDocument/2006/relationships" xmlns:p="http://schemas.openxmlformats.org/presentationml/2006/main">
+  <p:cSld>
+    <p:bg>
+      <p:bgPr>
+        <a:solidFill>
+          <a:schemeClr val="bg1"/>
+        </a:solidFill>
+        <a:effectLst/>
+      </p:bgPr>
+    </p:bg>
+    <p:spTree>
+      <p:nvGrpSpPr>
+        <p:cNvPr id="1" name=""/>
+        <p:cNvGrpSpPr/>
+        <p:nvPr/>
+      </p:nvGrpSpPr>
+      <p:grpSpPr>
+        <a:xfrm>
+          <a:off x="0" y="0"/>
+          <a:ext cx="0" cy="0"/>
+          <a:chOff x="0" y="0"/>
+          <a:chExt cx="0" cy="0"/>
+        </a:xfrm>
+      </p:grpSpPr>
+      <p:sp useBgFill="1">
+        <p:nvSpPr>
+          <p:cNvPr id="41" name="Rectangle 40">
+            <a:extLst>
+              <a:ext uri="{FF2B5EF4-FFF2-40B4-BE49-F238E27FC236}">
+                <a16:creationId xmlns:a16="http://schemas.microsoft.com/office/drawing/2014/main" id="{BACC6370-2D7E-4714-9D71-7542949D7D5D}"/>
+              </a:ext>
+              <a:ext uri="{C183D7F6-B498-43B3-948B-1728B52AA6E4}">
+                <adec:decorative xmlns:adec="http://schemas.microsoft.com/office/drawing/2017/decorative" val="1"/>
+              </a:ext>
+            </a:extLst>
+          </p:cNvPr>
+          <p:cNvSpPr>
+            <a:spLocks noGrp="1" noRot="1" noChangeAspect="1" noMove="1" noResize="1" noEditPoints="1" noAdjustHandles="1" noChangeArrowheads="1" noChangeShapeType="1" noTextEdit="1"/>
+          </p:cNvSpPr>
+          <p:nvPr>
+            <p:extLst>
+              <p:ext uri="{386F3935-93C4-4BCD-93E2-E3B085C9AB24}">
+                <p16:designElem xmlns:p16="http://schemas.microsoft.com/office/powerpoint/2015/main" val="1"/>
+              </p:ext>
+            </p:extLst>
+          </p:nvPr>
+        </p:nvSpPr>
+        <p:spPr>
+          <a:xfrm>
+            <a:off x="0" y="0"/>
+            <a:ext cx="12192000" cy="6858000"/>
+          </a:xfrm>
+          <a:prstGeom prst="rect">
+            <a:avLst/>
+          </a:prstGeom>
+          <a:ln w="12700" cap="flat" cmpd="sng" algn="ctr">
+            <a:noFill/>
+            <a:prstDash val="solid"/>
+            <a:miter lim="800000"/>
+          </a:ln>
+          <a:effectLst/>
+          <a:extLst>
+            <a:ext uri="{91240B29-F687-4F45-9708-019B960494DF}">
+              <a14:hiddenLine xmlns:a14="http://schemas.microsoft.com/office/drawing/2010/main" w="12700" cap="flat" cmpd="sng" algn="ctr">
+                <a:solidFill>
+                  <a:schemeClr val="accent1">
+                    <a:shade val="50000"/>
+                  </a:schemeClr>
+                </a:solidFill>
+                <a:prstDash val="solid"/>
+                <a:miter lim="800000"/>
+              </a14:hiddenLine>
+            </a:ext>
+          </a:extLst>
+        </p:spPr>
+        <p:style>
+          <a:lnRef idx="2">
+            <a:schemeClr val="accent1">
+              <a:shade val="50000"/>
+            </a:schemeClr>
+          </a:lnRef>
+          <a:fillRef idx="1">
+            <a:schemeClr val="accent1"/>
+          </a:fillRef>
+          <a:effectRef idx="0">
+            <a:schemeClr val="accent1"/>
+          </a:effectRef>
+          <a:fontRef idx="minor">
+            <a:schemeClr val="lt1"/>
+          </a:fontRef>
+        </p:style>
+        <p:txBody>
+          <a:bodyPr rtlCol="0" anchor="ctr"/>
+          <a:lstStyle/>
+          <a:p>
+            <a:pPr algn="ctr"/>
+            <a:endParaRPr lang="en-US"/>
+          </a:p>
+        </p:txBody>
+      </p:sp>
+      <p:sp>
+        <p:nvSpPr>
+          <p:cNvPr id="43" name="Rectangle 42">
+            <a:extLst>
+              <a:ext uri="{FF2B5EF4-FFF2-40B4-BE49-F238E27FC236}">
+                <a16:creationId xmlns:a16="http://schemas.microsoft.com/office/drawing/2014/main" id="{256B2C21-A230-48C0-8DF1-C46611373C44}"/>
+              </a:ext>
+              <a:ext uri="{C183D7F6-B498-43B3-948B-1728B52AA6E4}">
+                <adec:decorative xmlns:adec="http://schemas.microsoft.com/office/drawing/2017/decorative" val="1"/>
+              </a:ext>
+            </a:extLst>
+          </p:cNvPr>
+          <p:cNvSpPr>
+            <a:spLocks noGrp="1" noRot="1" noChangeAspect="1" noMove="1" noResize="1" noEditPoints="1" noAdjustHandles="1" noChangeArrowheads="1" noChangeShapeType="1" noTextEdit="1"/>
+          </p:cNvSpPr>
+          <p:nvPr>
+            <p:extLst>
+              <p:ext uri="{386F3935-93C4-4BCD-93E2-E3B085C9AB24}">
+                <p16:designElem xmlns:p16="http://schemas.microsoft.com/office/powerpoint/2015/main" val="1"/>
+              </p:ext>
+            </p:extLst>
+          </p:nvPr>
+        </p:nvSpPr>
+        <p:spPr>
+          <a:xfrm rot="5400000" flipH="1">
+            <a:off x="-1410084" y="1410082"/>
+            <a:ext cx="6858000" cy="4037836"/>
+          </a:xfrm>
+          <a:prstGeom prst="rect">
+            <a:avLst/>
+          </a:prstGeom>
+          <a:gradFill>
+            <a:gsLst>
+              <a:gs pos="8000">
+                <a:srgbClr val="000000"/>
+              </a:gs>
+              <a:gs pos="100000">
+                <a:schemeClr val="accent1">
+                  <a:lumMod val="75000"/>
+                </a:schemeClr>
+              </a:gs>
+            </a:gsLst>
+            <a:lin ang="3000000" scaled="0"/>
+          </a:gradFill>
+          <a:ln>
+            <a:noFill/>
+          </a:ln>
+        </p:spPr>
+        <p:style>
+          <a:lnRef idx="2">
+            <a:schemeClr val="accent1">
+              <a:shade val="50000"/>
+            </a:schemeClr>
+          </a:lnRef>
+          <a:fillRef idx="1">
+            <a:schemeClr val="accent1"/>
+          </a:fillRef>
+          <a:effectRef idx="0">
+            <a:schemeClr val="accent1"/>
+          </a:effectRef>
+          <a:fontRef idx="minor">
+            <a:schemeClr val="lt1"/>
+          </a:fontRef>
+        </p:style>
+        <p:txBody>
+          <a:bodyPr rtlCol="0" anchor="ctr"/>
+          <a:lstStyle/>
+          <a:p>
+            <a:pPr algn="ctr"/>
+            <a:endParaRPr lang="en-US"/>
+          </a:p>
+        </p:txBody>
+      </p:sp>
+      <p:sp>
+        <p:nvSpPr>
+          <p:cNvPr id="45" name="Rectangle 44">
+            <a:extLst>
+              <a:ext uri="{FF2B5EF4-FFF2-40B4-BE49-F238E27FC236}">
+                <a16:creationId xmlns:a16="http://schemas.microsoft.com/office/drawing/2014/main" id="{3847E18C-932D-4C95-AABA-FEC7C9499AD7}"/>
+              </a:ext>
+              <a:ext uri="{C183D7F6-B498-43B3-948B-1728B52AA6E4}">
+                <adec:decorative xmlns:adec="http://schemas.microsoft.com/office/drawing/2017/decorative" val="1"/>
+              </a:ext>
+            </a:extLst>
+          </p:cNvPr>
+          <p:cNvSpPr>
+            <a:spLocks noGrp="1" noRot="1" noChangeAspect="1" noMove="1" noResize="1" noEditPoints="1" noAdjustHandles="1" noChangeArrowheads="1" noChangeShapeType="1" noTextEdit="1"/>
+          </p:cNvSpPr>
+          <p:nvPr>
+            <p:extLst>
+              <p:ext uri="{386F3935-93C4-4BCD-93E2-E3B085C9AB24}">
+                <p16:designElem xmlns:p16="http://schemas.microsoft.com/office/powerpoint/2015/main" val="1"/>
+              </p:ext>
+            </p:extLst>
+          </p:nvPr>
+        </p:nvSpPr>
+        <p:spPr>
+          <a:xfrm rot="5400000" flipH="1">
+            <a:off x="-1410085" y="1420219"/>
+            <a:ext cx="6857999" cy="4037839"/>
+          </a:xfrm>
+          <a:prstGeom prst="rect">
+            <a:avLst/>
+          </a:prstGeom>
+          <a:gradFill>
+            <a:gsLst>
+              <a:gs pos="0">
+                <a:srgbClr val="000000">
+                  <a:alpha val="0"/>
+                </a:srgbClr>
+              </a:gs>
+              <a:gs pos="99000">
+                <a:schemeClr val="accent1">
+                  <a:alpha val="46000"/>
+                </a:schemeClr>
+              </a:gs>
+            </a:gsLst>
+            <a:lin ang="1800000" scaled="0"/>
+          </a:gradFill>
+          <a:ln>
+            <a:noFill/>
+          </a:ln>
+        </p:spPr>
+        <p:style>
+          <a:lnRef idx="2">
+            <a:schemeClr val="accent1">
+              <a:shade val="50000"/>
+            </a:schemeClr>
+          </a:lnRef>
+          <a:fillRef idx="1">
+            <a:schemeClr val="accent1"/>
+          </a:fillRef>
+          <a:effectRef idx="0">
+            <a:schemeClr val="accent1"/>
+          </a:effectRef>
+          <a:fontRef idx="minor">
+            <a:schemeClr val="lt1"/>
+          </a:fontRef>
+        </p:style>
+        <p:txBody>
+          <a:bodyPr rtlCol="0" anchor="ctr"/>
+          <a:lstStyle/>
+          <a:p>
+            <a:pPr algn="ctr"/>
+            <a:endParaRPr lang="en-US"/>
+          </a:p>
+        </p:txBody>
+      </p:sp>
+      <p:sp>
+        <p:nvSpPr>
+          <p:cNvPr id="47" name="Rectangle 46">
+            <a:extLst>
+              <a:ext uri="{FF2B5EF4-FFF2-40B4-BE49-F238E27FC236}">
+                <a16:creationId xmlns:a16="http://schemas.microsoft.com/office/drawing/2014/main" id="{3150CB11-0C61-439E-910F-5787759E72A0}"/>
+              </a:ext>
+              <a:ext uri="{C183D7F6-B498-43B3-948B-1728B52AA6E4}">
+                <adec:decorative xmlns:adec="http://schemas.microsoft.com/office/drawing/2017/decorative" val="1"/>
+              </a:ext>
+            </a:extLst>
+          </p:cNvPr>
+          <p:cNvSpPr>
+            <a:spLocks noGrp="1" noRot="1" noChangeAspect="1" noMove="1" noResize="1" noEditPoints="1" noAdjustHandles="1" noChangeArrowheads="1" noChangeShapeType="1" noTextEdit="1"/>
+          </p:cNvSpPr>
+          <p:nvPr>
+            <p:extLst>
+              <p:ext uri="{386F3935-93C4-4BCD-93E2-E3B085C9AB24}">
+                <p16:designElem xmlns:p16="http://schemas.microsoft.com/office/powerpoint/2015/main" val="1"/>
+              </p:ext>
+            </p:extLst>
+          </p:nvPr>
+        </p:nvSpPr>
+        <p:spPr>
+          <a:xfrm rot="5400000" flipH="1">
+            <a:off x="767923" y="3588085"/>
+            <a:ext cx="2501979" cy="4037841"/>
+          </a:xfrm>
+          <a:prstGeom prst="rect">
+            <a:avLst/>
+          </a:prstGeom>
+          <a:gradFill>
+            <a:gsLst>
+              <a:gs pos="2000">
+                <a:schemeClr val="accent1">
+                  <a:alpha val="29000"/>
+                </a:schemeClr>
+              </a:gs>
+              <a:gs pos="100000">
+                <a:srgbClr val="000000">
+                  <a:alpha val="30000"/>
+                </a:srgbClr>
+              </a:gs>
+            </a:gsLst>
+            <a:lin ang="7800000" scaled="0"/>
+          </a:gradFill>
+          <a:ln>
+            <a:noFill/>
+          </a:ln>
+        </p:spPr>
+        <p:style>
+          <a:lnRef idx="2">
+            <a:schemeClr val="accent1">
+              <a:shade val="50000"/>
+            </a:schemeClr>
+          </a:lnRef>
+          <a:fillRef idx="1">
+            <a:schemeClr val="accent1"/>
+          </a:fillRef>
+          <a:effectRef idx="0">
+            <a:schemeClr val="accent1"/>
+          </a:effectRef>
+          <a:fontRef idx="minor">
+            <a:schemeClr val="lt1"/>
+          </a:fontRef>
+        </p:style>
+        <p:txBody>
+          <a:bodyPr rtlCol="0" anchor="ctr"/>
+          <a:lstStyle/>
+          <a:p>
+            <a:pPr algn="ctr"/>
+            <a:endParaRPr lang="en-US" dirty="0"/>
+          </a:p>
+        </p:txBody>
+      </p:sp>
+      <p:sp>
+        <p:nvSpPr>
+          <p:cNvPr id="49" name="Freeform: Shape 48">
+            <a:extLst>
+              <a:ext uri="{FF2B5EF4-FFF2-40B4-BE49-F238E27FC236}">
+                <a16:creationId xmlns:a16="http://schemas.microsoft.com/office/drawing/2014/main" id="{43F8A58B-5155-44CE-A5FF-7647B47D0A7A}"/>
+              </a:ext>
+              <a:ext uri="{C183D7F6-B498-43B3-948B-1728B52AA6E4}">
+                <adec:decorative xmlns:adec="http://schemas.microsoft.com/office/drawing/2017/decorative" val="1"/>
+              </a:ext>
+            </a:extLst>
+          </p:cNvPr>
+          <p:cNvSpPr>
+            <a:spLocks noGrp="1" noRot="1" noChangeAspect="1" noMove="1" noResize="1" noEditPoints="1" noAdjustHandles="1" noChangeArrowheads="1" noChangeShapeType="1" noTextEdit="1"/>
+          </p:cNvSpPr>
+          <p:nvPr>
+            <p:extLst>
+              <p:ext uri="{386F3935-93C4-4BCD-93E2-E3B085C9AB24}">
+                <p16:designElem xmlns:p16="http://schemas.microsoft.com/office/powerpoint/2015/main" val="1"/>
+              </p:ext>
+            </p:extLst>
+          </p:nvPr>
+        </p:nvSpPr>
+        <p:spPr>
+          <a:xfrm rot="20635413">
+            <a:off x="-501737" y="969718"/>
+            <a:ext cx="3900357" cy="4178958"/>
+          </a:xfrm>
+          <a:custGeom>
+            <a:avLst/>
+            <a:gdLst>
+              <a:gd name="connsiteX0" fmla="*/ 2432225 w 3900357"/>
+              <a:gd name="connsiteY0" fmla="*/ 93939 h 4178958"/>
+              <a:gd name="connsiteX1" fmla="*/ 3900357 w 3900357"/>
+              <a:gd name="connsiteY1" fmla="*/ 2089479 h 4178958"/>
+              <a:gd name="connsiteX2" fmla="*/ 1810878 w 3900357"/>
+              <a:gd name="connsiteY2" fmla="*/ 4178958 h 4178958"/>
+              <a:gd name="connsiteX3" fmla="*/ 78249 w 3900357"/>
+              <a:gd name="connsiteY3" fmla="*/ 3257727 h 4178958"/>
+              <a:gd name="connsiteX4" fmla="*/ 0 w 3900357"/>
+              <a:gd name="connsiteY4" fmla="*/ 3128923 h 4178958"/>
+              <a:gd name="connsiteX5" fmla="*/ 831324 w 3900357"/>
+              <a:gd name="connsiteY5" fmla="*/ 244281 h 4178958"/>
+              <a:gd name="connsiteX6" fmla="*/ 997559 w 3900357"/>
+              <a:gd name="connsiteY6" fmla="*/ 164202 h 4178958"/>
+              <a:gd name="connsiteX7" fmla="*/ 1810878 w 3900357"/>
+              <a:gd name="connsiteY7" fmla="*/ 0 h 4178958"/>
+              <a:gd name="connsiteX8" fmla="*/ 2432225 w 3900357"/>
+              <a:gd name="connsiteY8" fmla="*/ 93939 h 4178958"/>
+            </a:gdLst>
+            <a:ahLst/>
+            <a:cxnLst>
+              <a:cxn ang="0">
+                <a:pos x="connsiteX0" y="connsiteY0"/>
+              </a:cxn>
+              <a:cxn ang="0">
+                <a:pos x="connsiteX1" y="connsiteY1"/>
+              </a:cxn>
+              <a:cxn ang="0">
+                <a:pos x="connsiteX2" y="connsiteY2"/>
+              </a:cxn>
+              <a:cxn ang="0">
+                <a:pos x="connsiteX3" y="connsiteY3"/>
+              </a:cxn>
+              <a:cxn ang="0">
+                <a:pos x="connsiteX4" y="connsiteY4"/>
+              </a:cxn>
+              <a:cxn ang="0">
+                <a:pos x="connsiteX5" y="connsiteY5"/>
+              </a:cxn>
+              <a:cxn ang="0">
+                <a:pos x="connsiteX6" y="connsiteY6"/>
+              </a:cxn>
+              <a:cxn ang="0">
+                <a:pos x="connsiteX7" y="connsiteY7"/>
+              </a:cxn>
+              <a:cxn ang="0">
+                <a:pos x="connsiteX8" y="connsiteY8"/>
+              </a:cxn>
+            </a:cxnLst>
+            <a:rect l="l" t="t" r="r" b="b"/>
+            <a:pathLst>
+              <a:path w="3900357" h="4178958">
+                <a:moveTo>
+                  <a:pt x="2432225" y="93939"/>
+                </a:moveTo>
+                <a:cubicBezTo>
+                  <a:pt x="3282786" y="358491"/>
+                  <a:pt x="3900357" y="1151865"/>
+                  <a:pt x="3900357" y="2089479"/>
+                </a:cubicBezTo>
+                <a:cubicBezTo>
+                  <a:pt x="3900357" y="3243466"/>
+                  <a:pt x="2964865" y="4178958"/>
+                  <a:pt x="1810878" y="4178958"/>
+                </a:cubicBezTo>
+                <a:cubicBezTo>
+                  <a:pt x="1089636" y="4178958"/>
+                  <a:pt x="453744" y="3813531"/>
+                  <a:pt x="78249" y="3257727"/>
+                </a:cubicBezTo>
+                <a:lnTo>
+                  <a:pt x="0" y="3128923"/>
+                </a:lnTo>
+                <a:lnTo>
+                  <a:pt x="831324" y="244281"/>
+                </a:lnTo>
+                <a:lnTo>
+                  <a:pt x="997559" y="164202"/>
+                </a:lnTo>
+                <a:cubicBezTo>
+                  <a:pt x="1247540" y="58468"/>
+                  <a:pt x="1522381" y="0"/>
+                  <a:pt x="1810878" y="0"/>
+                </a:cubicBezTo>
+                <a:cubicBezTo>
+                  <a:pt x="2027251" y="0"/>
+                  <a:pt x="2235942" y="32888"/>
+                  <a:pt x="2432225" y="93939"/>
+                </a:cubicBezTo>
+                <a:close/>
+              </a:path>
+            </a:pathLst>
+          </a:custGeom>
+          <a:gradFill>
+            <a:gsLst>
+              <a:gs pos="29000">
+                <a:srgbClr val="000000">
+                  <a:alpha val="0"/>
+                </a:srgbClr>
+              </a:gs>
+              <a:gs pos="100000">
+                <a:schemeClr val="accent1">
+                  <a:alpha val="43000"/>
+                </a:schemeClr>
+              </a:gs>
+            </a:gsLst>
+            <a:lin ang="1800000" scaled="0"/>
+          </a:gradFill>
+          <a:ln>
+            <a:noFill/>
+          </a:ln>
+        </p:spPr>
+        <p:style>
+          <a:lnRef idx="2">
+            <a:schemeClr val="accent1">
+              <a:shade val="50000"/>
+            </a:schemeClr>
+          </a:lnRef>
+          <a:fillRef idx="1">
+            <a:schemeClr val="accent1"/>
+          </a:fillRef>
+          <a:effectRef idx="0">
+            <a:schemeClr val="accent1"/>
+          </a:effectRef>
+          <a:fontRef idx="minor">
+            <a:schemeClr val="lt1"/>
+          </a:fontRef>
+        </p:style>
+        <p:txBody>
+          <a:bodyPr wrap="square" rtlCol="0" anchor="ctr">
+            <a:noAutofit/>
+          </a:bodyPr>
+          <a:lstStyle/>
+          <a:p>
+            <a:pPr algn="ctr"/>
+            <a:endParaRPr lang="en-US" dirty="0"/>
+          </a:p>
+        </p:txBody>
+      </p:sp>
+      <p:sp>
+        <p:nvSpPr>
+          <p:cNvPr id="51" name="Rectangle 50">
+            <a:extLst>
+              <a:ext uri="{FF2B5EF4-FFF2-40B4-BE49-F238E27FC236}">
+                <a16:creationId xmlns:a16="http://schemas.microsoft.com/office/drawing/2014/main" id="{443F2ACA-E6D6-4028-82DD-F03C262D5DE6}"/>
+              </a:ext>
+              <a:ext uri="{C183D7F6-B498-43B3-948B-1728B52AA6E4}">
+                <adec:decorative xmlns:adec="http://schemas.microsoft.com/office/drawing/2017/decorative" val="1"/>
+              </a:ext>
+            </a:extLst>
+          </p:cNvPr>
+          <p:cNvSpPr>
+            <a:spLocks noGrp="1" noRot="1" noChangeAspect="1" noMove="1" noResize="1" noEditPoints="1" noAdjustHandles="1" noChangeArrowheads="1" noChangeShapeType="1" noTextEdit="1"/>
+          </p:cNvSpPr>
+          <p:nvPr>
+            <p:extLst>
+              <p:ext uri="{386F3935-93C4-4BCD-93E2-E3B085C9AB24}">
+                <p16:designElem xmlns:p16="http://schemas.microsoft.com/office/powerpoint/2015/main" val="1"/>
+              </p:ext>
+            </p:extLst>
+          </p:nvPr>
+        </p:nvSpPr>
+        <p:spPr>
+          <a:xfrm rot="5400000" flipH="1">
+            <a:off x="-1410095" y="1410079"/>
+            <a:ext cx="6858003" cy="4037835"/>
+          </a:xfrm>
+          <a:prstGeom prst="rect">
+            <a:avLst/>
+          </a:prstGeom>
+          <a:gradFill>
+            <a:gsLst>
+              <a:gs pos="0">
+                <a:srgbClr val="000000">
+                  <a:alpha val="0"/>
+                </a:srgbClr>
+              </a:gs>
+              <a:gs pos="99000">
+                <a:schemeClr val="accent1">
+                  <a:lumMod val="60000"/>
+                  <a:lumOff val="40000"/>
+                  <a:alpha val="11000"/>
+                </a:schemeClr>
+              </a:gs>
+            </a:gsLst>
+            <a:lin ang="7200000" scaled="0"/>
+          </a:gradFill>
+          <a:ln>
+            <a:noFill/>
+          </a:ln>
+        </p:spPr>
+        <p:style>
+          <a:lnRef idx="2">
+            <a:schemeClr val="accent1">
+              <a:shade val="50000"/>
+            </a:schemeClr>
+          </a:lnRef>
+          <a:fillRef idx="1">
+            <a:schemeClr val="accent1"/>
+          </a:fillRef>
+          <a:effectRef idx="0">
+            <a:schemeClr val="accent1"/>
+          </a:effectRef>
+          <a:fontRef idx="minor">
+            <a:schemeClr val="lt1"/>
+          </a:fontRef>
+        </p:style>
+        <p:txBody>
+          <a:bodyPr rtlCol="0" anchor="ctr"/>
+          <a:lstStyle/>
+          <a:p>
+            <a:pPr algn="ctr"/>
+            <a:endParaRPr lang="en-US"/>
+          </a:p>
+        </p:txBody>
+      </p:sp>
+      <p:sp>
+        <p:nvSpPr>
+          <p:cNvPr id="2" name="Título 1">
+            <a:extLst>
+              <a:ext uri="{FF2B5EF4-FFF2-40B4-BE49-F238E27FC236}">
+                <a16:creationId xmlns:a16="http://schemas.microsoft.com/office/drawing/2014/main" id="{0B716DEC-18AA-F1D8-E1AE-023049CC613F}"/>
+              </a:ext>
+            </a:extLst>
+          </p:cNvPr>
+          <p:cNvSpPr>
+            <a:spLocks noGrp="1"/>
+          </p:cNvSpPr>
+          <p:nvPr>
+            <p:ph type="title"/>
+          </p:nvPr>
+        </p:nvSpPr>
+        <p:spPr>
+          <a:xfrm>
+            <a:off x="586478" y="1683756"/>
+            <a:ext cx="3115265" cy="2396359"/>
+          </a:xfrm>
+        </p:spPr>
+        <p:txBody>
+          <a:bodyPr anchor="b">
+            <a:normAutofit/>
+          </a:bodyPr>
+          <a:lstStyle/>
+          <a:p>
+            <a:pPr algn="r"/>
+            <a:r>
+              <a:rPr lang="es-BO" sz="3100" kern="100" dirty="0">
+                <a:solidFill>
+                  <a:srgbClr val="FFFFFF"/>
+                </a:solidFill>
+                <a:effectLst/>
+                <a:latin typeface="Calibri" panose="020F0502020204030204" pitchFamily="34" charset="0"/>
+                <a:ea typeface="Calibri" panose="020F0502020204030204" pitchFamily="34" charset="0"/>
+                <a:cs typeface="Times New Roman" panose="02020603050405020304" pitchFamily="18" charset="0"/>
+              </a:rPr>
+              <a:t>Fundamentos de la solución</a:t>
+            </a:r>
+            <a:br>
+              <a:rPr lang="es-BO" sz="3100" kern="100" dirty="0">
+                <a:solidFill>
+                  <a:srgbClr val="FFFFFF"/>
+                </a:solidFill>
+                <a:effectLst/>
+                <a:latin typeface="Calibri" panose="020F0502020204030204" pitchFamily="34" charset="0"/>
+                <a:ea typeface="Calibri" panose="020F0502020204030204" pitchFamily="34" charset="0"/>
+                <a:cs typeface="Times New Roman" panose="02020603050405020304" pitchFamily="18" charset="0"/>
+              </a:rPr>
+            </a:br>
+            <a:r>
+              <a:rPr lang="es-BO" sz="1800" kern="100" dirty="0">
+                <a:solidFill>
+                  <a:schemeClr val="bg1"/>
+                </a:solidFill>
+                <a:effectLst/>
+                <a:latin typeface="Calibri" panose="020F0502020204030204" pitchFamily="34" charset="0"/>
+                <a:ea typeface="Calibri" panose="020F0502020204030204" pitchFamily="34" charset="0"/>
+                <a:cs typeface="Times New Roman" panose="02020603050405020304" pitchFamily="18" charset="0"/>
+              </a:rPr>
+              <a:t>Patrones de la arquitectura</a:t>
+            </a:r>
+            <a:br>
+              <a:rPr lang="es-BO" sz="1800" kern="100" dirty="0">
+                <a:effectLst/>
+                <a:latin typeface="Calibri" panose="020F0502020204030204" pitchFamily="34" charset="0"/>
+                <a:ea typeface="Calibri" panose="020F0502020204030204" pitchFamily="34" charset="0"/>
+                <a:cs typeface="Times New Roman" panose="02020603050405020304" pitchFamily="18" charset="0"/>
+              </a:rPr>
+            </a:br>
+            <a:br>
+              <a:rPr lang="es-BO" sz="3100" kern="100" dirty="0">
+                <a:solidFill>
+                  <a:srgbClr val="FFFFFF"/>
+                </a:solidFill>
+                <a:effectLst/>
+                <a:latin typeface="Calibri" panose="020F0502020204030204" pitchFamily="34" charset="0"/>
+                <a:ea typeface="Calibri" panose="020F0502020204030204" pitchFamily="34" charset="0"/>
+                <a:cs typeface="Times New Roman" panose="02020603050405020304" pitchFamily="18" charset="0"/>
+              </a:rPr>
+            </a:br>
+            <a:endParaRPr lang="es-BO" sz="3100" dirty="0">
+              <a:solidFill>
+                <a:srgbClr val="FFFFFF"/>
+              </a:solidFill>
+            </a:endParaRPr>
+          </a:p>
+        </p:txBody>
+      </p:sp>
+      <p:graphicFrame>
+        <p:nvGraphicFramePr>
+          <p:cNvPr id="5" name="Marcador de contenido 4">
+            <a:extLst>
+              <a:ext uri="{FF2B5EF4-FFF2-40B4-BE49-F238E27FC236}">
+                <a16:creationId xmlns:a16="http://schemas.microsoft.com/office/drawing/2014/main" id="{C30E5626-CA9A-99C5-3D17-FAAD8C6F6BB3}"/>
+              </a:ext>
+            </a:extLst>
+          </p:cNvPr>
+          <p:cNvGraphicFramePr>
+            <a:graphicFrameLocks noGrp="1"/>
+          </p:cNvGraphicFramePr>
+          <p:nvPr>
+            <p:ph idx="1"/>
+            <p:extLst>
+              <p:ext uri="{D42A27DB-BD31-4B8C-83A1-F6EECF244321}">
+                <p14:modId xmlns:p14="http://schemas.microsoft.com/office/powerpoint/2010/main" val="2243642457"/>
+              </p:ext>
+            </p:extLst>
+          </p:nvPr>
+        </p:nvGraphicFramePr>
+        <p:xfrm>
+          <a:off x="4551374" y="639392"/>
+          <a:ext cx="7315201" cy="5644530"/>
+        </p:xfrm>
+        <a:graphic>
+          <a:graphicData uri="http://schemas.openxmlformats.org/drawingml/2006/table">
+            <a:tbl>
+              <a:tblPr firstRow="1" firstCol="1" bandRow="1">
+                <a:tableStyleId>{5C22544A-7EE6-4342-B048-85BDC9FD1C3A}</a:tableStyleId>
+              </a:tblPr>
+              <a:tblGrid>
+                <a:gridCol w="1110562">
+                  <a:extLst>
+                    <a:ext uri="{9D8B030D-6E8A-4147-A177-3AD203B41FA5}">
+                      <a16:colId xmlns:a16="http://schemas.microsoft.com/office/drawing/2014/main" val="3502448147"/>
+                    </a:ext>
+                  </a:extLst>
+                </a:gridCol>
+                <a:gridCol w="1583271">
+                  <a:extLst>
+                    <a:ext uri="{9D8B030D-6E8A-4147-A177-3AD203B41FA5}">
+                      <a16:colId xmlns:a16="http://schemas.microsoft.com/office/drawing/2014/main" val="406955442"/>
+                    </a:ext>
+                  </a:extLst>
+                </a:gridCol>
+                <a:gridCol w="4621368">
+                  <a:extLst>
+                    <a:ext uri="{9D8B030D-6E8A-4147-A177-3AD203B41FA5}">
+                      <a16:colId xmlns:a16="http://schemas.microsoft.com/office/drawing/2014/main" val="4060385819"/>
+                    </a:ext>
+                  </a:extLst>
+                </a:gridCol>
+              </a:tblGrid>
+              <a:tr h="313773">
+                <a:tc>
+                  <a:txBody>
+                    <a:bodyPr/>
+                    <a:lstStyle/>
+                    <a:p>
+                      <a:pPr>
+                        <a:lnSpc>
+                          <a:spcPct val="107000"/>
+                        </a:lnSpc>
+                        <a:spcAft>
+                          <a:spcPts val="800"/>
+                        </a:spcAft>
+                      </a:pPr>
+                      <a:r>
+                        <a:rPr lang="es-BO" sz="1050" kern="0">
+                          <a:effectLst/>
+                        </a:rPr>
+                        <a:t>Identificador</a:t>
+                      </a:r>
+                      <a:endParaRPr lang="es-BO" sz="1400" kern="100">
+                        <a:effectLst/>
+                        <a:latin typeface="Calibri" panose="020F0502020204030204" pitchFamily="34" charset="0"/>
+                        <a:ea typeface="Calibri" panose="020F0502020204030204" pitchFamily="34" charset="0"/>
+                        <a:cs typeface="Times New Roman" panose="02020603050405020304" pitchFamily="18" charset="0"/>
+                      </a:endParaRPr>
+                    </a:p>
+                  </a:txBody>
+                  <a:tcPr marL="68580" marR="68580" marT="0" marB="0"/>
+                </a:tc>
+                <a:tc>
+                  <a:txBody>
+                    <a:bodyPr/>
+                    <a:lstStyle/>
+                    <a:p>
+                      <a:pPr>
+                        <a:lnSpc>
+                          <a:spcPct val="107000"/>
+                        </a:lnSpc>
+                        <a:spcAft>
+                          <a:spcPts val="800"/>
+                        </a:spcAft>
+                      </a:pPr>
+                      <a:r>
+                        <a:rPr lang="es-BO" sz="1050" kern="0">
+                          <a:effectLst/>
+                        </a:rPr>
+                        <a:t>Título</a:t>
+                      </a:r>
+                      <a:endParaRPr lang="es-BO" sz="1400" kern="100">
+                        <a:effectLst/>
+                        <a:latin typeface="Calibri" panose="020F0502020204030204" pitchFamily="34" charset="0"/>
+                        <a:ea typeface="Calibri" panose="020F0502020204030204" pitchFamily="34" charset="0"/>
+                        <a:cs typeface="Times New Roman" panose="02020603050405020304" pitchFamily="18" charset="0"/>
+                      </a:endParaRPr>
+                    </a:p>
+                  </a:txBody>
+                  <a:tcPr marL="68580" marR="68580" marT="0" marB="0"/>
+                </a:tc>
+                <a:tc>
+                  <a:txBody>
+                    <a:bodyPr/>
+                    <a:lstStyle/>
+                    <a:p>
+                      <a:pPr>
+                        <a:lnSpc>
+                          <a:spcPct val="107000"/>
+                        </a:lnSpc>
+                        <a:spcAft>
+                          <a:spcPts val="800"/>
+                        </a:spcAft>
+                      </a:pPr>
+                      <a:r>
+                        <a:rPr lang="es-BO" sz="1050" kern="0" dirty="0">
+                          <a:effectLst/>
+                        </a:rPr>
+                        <a:t>Descripción</a:t>
+                      </a:r>
+                      <a:endParaRPr lang="es-BO" sz="1400" kern="100" dirty="0">
+                        <a:effectLst/>
+                        <a:latin typeface="Calibri" panose="020F0502020204030204" pitchFamily="34" charset="0"/>
+                        <a:ea typeface="Calibri" panose="020F0502020204030204" pitchFamily="34" charset="0"/>
+                        <a:cs typeface="Times New Roman" panose="02020603050405020304" pitchFamily="18" charset="0"/>
+                      </a:endParaRPr>
+                    </a:p>
+                  </a:txBody>
+                  <a:tcPr marL="68580" marR="68580" marT="0" marB="0"/>
+                </a:tc>
+                <a:extLst>
+                  <a:ext uri="{0D108BD9-81ED-4DB2-BD59-A6C34878D82A}">
+                    <a16:rowId xmlns:a16="http://schemas.microsoft.com/office/drawing/2014/main" val="835357012"/>
+                  </a:ext>
+                </a:extLst>
+              </a:tr>
+              <a:tr h="258771">
+                <a:tc>
+                  <a:txBody>
+                    <a:bodyPr/>
+                    <a:lstStyle/>
+                    <a:p>
+                      <a:pPr>
+                        <a:lnSpc>
+                          <a:spcPct val="107000"/>
+                        </a:lnSpc>
+                        <a:spcAft>
+                          <a:spcPts val="800"/>
+                        </a:spcAft>
+                      </a:pPr>
+                      <a:r>
+                        <a:rPr lang="es-BO" sz="1200" kern="0">
+                          <a:effectLst/>
+                        </a:rPr>
+                        <a:t>D-001</a:t>
+                      </a:r>
+                      <a:endParaRPr lang="es-BO" sz="1800" kern="100">
+                        <a:effectLst/>
+                        <a:latin typeface="Calibri" panose="020F0502020204030204" pitchFamily="34" charset="0"/>
+                        <a:ea typeface="Calibri" panose="020F0502020204030204" pitchFamily="34" charset="0"/>
+                        <a:cs typeface="Times New Roman" panose="02020603050405020304" pitchFamily="18" charset="0"/>
+                      </a:endParaRPr>
+                    </a:p>
+                  </a:txBody>
+                  <a:tcPr marL="68580" marR="68580" marT="0" marB="0"/>
+                </a:tc>
+                <a:tc>
+                  <a:txBody>
+                    <a:bodyPr/>
+                    <a:lstStyle/>
+                    <a:p>
+                      <a:pPr>
+                        <a:lnSpc>
+                          <a:spcPct val="107000"/>
+                        </a:lnSpc>
+                        <a:spcAft>
+                          <a:spcPts val="800"/>
+                        </a:spcAft>
+                      </a:pPr>
+                      <a:r>
+                        <a:rPr lang="es-BO" sz="1200" kern="0">
+                          <a:effectLst/>
+                        </a:rPr>
+                        <a:t>Patrón nuclear</a:t>
+                      </a:r>
+                      <a:endParaRPr lang="es-BO" sz="1800" kern="100">
+                        <a:effectLst/>
+                        <a:latin typeface="Calibri" panose="020F0502020204030204" pitchFamily="34" charset="0"/>
+                        <a:ea typeface="Calibri" panose="020F0502020204030204" pitchFamily="34" charset="0"/>
+                        <a:cs typeface="Times New Roman" panose="02020603050405020304" pitchFamily="18" charset="0"/>
+                      </a:endParaRPr>
+                    </a:p>
+                  </a:txBody>
+                  <a:tcPr marL="68580" marR="68580" marT="0" marB="0"/>
+                </a:tc>
+                <a:tc>
+                  <a:txBody>
+                    <a:bodyPr/>
+                    <a:lstStyle/>
+                    <a:p>
+                      <a:pPr>
+                        <a:lnSpc>
+                          <a:spcPct val="107000"/>
+                        </a:lnSpc>
+                        <a:spcAft>
+                          <a:spcPts val="800"/>
+                        </a:spcAft>
+                      </a:pPr>
+                      <a:r>
+                        <a:rPr lang="es-BO" sz="1200" kern="0">
+                          <a:effectLst/>
+                        </a:rPr>
+                        <a:t>La solución estará basada en arquitectura orientada a eventos</a:t>
+                      </a:r>
+                      <a:endParaRPr lang="es-BO" sz="1800" kern="100">
+                        <a:effectLst/>
+                        <a:latin typeface="Calibri" panose="020F0502020204030204" pitchFamily="34" charset="0"/>
+                        <a:ea typeface="Calibri" panose="020F0502020204030204" pitchFamily="34" charset="0"/>
+                        <a:cs typeface="Times New Roman" panose="02020603050405020304" pitchFamily="18" charset="0"/>
+                      </a:endParaRPr>
+                    </a:p>
+                  </a:txBody>
+                  <a:tcPr marL="68580" marR="68580" marT="0" marB="0"/>
+                </a:tc>
+                <a:extLst>
+                  <a:ext uri="{0D108BD9-81ED-4DB2-BD59-A6C34878D82A}">
+                    <a16:rowId xmlns:a16="http://schemas.microsoft.com/office/drawing/2014/main" val="3052516996"/>
+                  </a:ext>
+                </a:extLst>
+              </a:tr>
+              <a:tr h="800211">
+                <a:tc>
+                  <a:txBody>
+                    <a:bodyPr/>
+                    <a:lstStyle/>
+                    <a:p>
+                      <a:pPr>
+                        <a:lnSpc>
+                          <a:spcPct val="107000"/>
+                        </a:lnSpc>
+                        <a:spcAft>
+                          <a:spcPts val="800"/>
+                        </a:spcAft>
+                      </a:pPr>
+                      <a:r>
+                        <a:rPr lang="es-BO" sz="1200" kern="0">
+                          <a:effectLst/>
+                        </a:rPr>
+                        <a:t>D-002</a:t>
+                      </a:r>
+                      <a:endParaRPr lang="es-BO" sz="1800" kern="100">
+                        <a:effectLst/>
+                        <a:latin typeface="Calibri" panose="020F0502020204030204" pitchFamily="34" charset="0"/>
+                        <a:ea typeface="Calibri" panose="020F0502020204030204" pitchFamily="34" charset="0"/>
+                        <a:cs typeface="Times New Roman" panose="02020603050405020304" pitchFamily="18" charset="0"/>
+                      </a:endParaRPr>
+                    </a:p>
+                  </a:txBody>
+                  <a:tcPr marL="68580" marR="68580" marT="0" marB="0"/>
+                </a:tc>
+                <a:tc>
+                  <a:txBody>
+                    <a:bodyPr/>
+                    <a:lstStyle/>
+                    <a:p>
+                      <a:pPr>
+                        <a:lnSpc>
+                          <a:spcPct val="107000"/>
+                        </a:lnSpc>
+                        <a:spcAft>
+                          <a:spcPts val="800"/>
+                        </a:spcAft>
+                      </a:pPr>
+                      <a:r>
+                        <a:rPr lang="es-BO" sz="1200" kern="0">
+                          <a:effectLst/>
+                        </a:rPr>
+                        <a:t>Patrón complementario: microservicios</a:t>
+                      </a:r>
+                      <a:endParaRPr lang="es-BO" sz="1800" kern="100">
+                        <a:effectLst/>
+                        <a:latin typeface="Calibri" panose="020F0502020204030204" pitchFamily="34" charset="0"/>
+                        <a:ea typeface="Calibri" panose="020F0502020204030204" pitchFamily="34" charset="0"/>
+                        <a:cs typeface="Times New Roman" panose="02020603050405020304" pitchFamily="18" charset="0"/>
+                      </a:endParaRPr>
+                    </a:p>
+                  </a:txBody>
+                  <a:tcPr marL="68580" marR="68580" marT="0" marB="0"/>
+                </a:tc>
+                <a:tc>
+                  <a:txBody>
+                    <a:bodyPr/>
+                    <a:lstStyle/>
+                    <a:p>
+                      <a:pPr>
+                        <a:lnSpc>
+                          <a:spcPct val="107000"/>
+                        </a:lnSpc>
+                        <a:spcAft>
+                          <a:spcPts val="800"/>
+                        </a:spcAft>
+                      </a:pPr>
+                      <a:r>
+                        <a:rPr lang="es-BO" sz="1200" kern="0">
+                          <a:effectLst/>
+                        </a:rPr>
+                        <a:t>Se continuará usando la arquitectura actual del Banco con microservicios  </a:t>
+                      </a:r>
+                      <a:endParaRPr lang="es-BO" sz="1800" kern="100">
+                        <a:effectLst/>
+                        <a:latin typeface="Calibri" panose="020F0502020204030204" pitchFamily="34" charset="0"/>
+                        <a:ea typeface="Calibri" panose="020F0502020204030204" pitchFamily="34" charset="0"/>
+                        <a:cs typeface="Times New Roman" panose="02020603050405020304" pitchFamily="18" charset="0"/>
+                      </a:endParaRPr>
+                    </a:p>
+                  </a:txBody>
+                  <a:tcPr marL="68580" marR="68580" marT="0" marB="0"/>
+                </a:tc>
+                <a:extLst>
+                  <a:ext uri="{0D108BD9-81ED-4DB2-BD59-A6C34878D82A}">
+                    <a16:rowId xmlns:a16="http://schemas.microsoft.com/office/drawing/2014/main" val="4266373055"/>
+                  </a:ext>
+                </a:extLst>
+              </a:tr>
+              <a:tr h="800211">
+                <a:tc>
+                  <a:txBody>
+                    <a:bodyPr/>
+                    <a:lstStyle/>
+                    <a:p>
+                      <a:pPr>
+                        <a:lnSpc>
+                          <a:spcPct val="107000"/>
+                        </a:lnSpc>
+                        <a:spcAft>
+                          <a:spcPts val="800"/>
+                        </a:spcAft>
+                      </a:pPr>
+                      <a:r>
+                        <a:rPr lang="es-BO" sz="1200" kern="0">
+                          <a:effectLst/>
+                        </a:rPr>
+                        <a:t>D-003</a:t>
+                      </a:r>
+                      <a:endParaRPr lang="es-BO" sz="1800" kern="100">
+                        <a:effectLst/>
+                        <a:latin typeface="Calibri" panose="020F0502020204030204" pitchFamily="34" charset="0"/>
+                        <a:ea typeface="Calibri" panose="020F0502020204030204" pitchFamily="34" charset="0"/>
+                        <a:cs typeface="Times New Roman" panose="02020603050405020304" pitchFamily="18" charset="0"/>
+                      </a:endParaRPr>
+                    </a:p>
+                  </a:txBody>
+                  <a:tcPr marL="68580" marR="68580" marT="0" marB="0"/>
+                </a:tc>
+                <a:tc>
+                  <a:txBody>
+                    <a:bodyPr/>
+                    <a:lstStyle/>
+                    <a:p>
+                      <a:pPr>
+                        <a:lnSpc>
+                          <a:spcPct val="107000"/>
+                        </a:lnSpc>
+                        <a:spcAft>
+                          <a:spcPts val="800"/>
+                        </a:spcAft>
+                      </a:pPr>
+                      <a:r>
+                        <a:rPr lang="es-BO" sz="1200" kern="0" dirty="0">
+                          <a:effectLst/>
+                        </a:rPr>
+                        <a:t>Patrón complementario: capas</a:t>
+                      </a:r>
+                      <a:endParaRPr lang="es-BO" sz="1800" kern="100" dirty="0">
+                        <a:effectLst/>
+                        <a:latin typeface="Calibri" panose="020F0502020204030204" pitchFamily="34" charset="0"/>
+                        <a:ea typeface="Calibri" panose="020F0502020204030204" pitchFamily="34" charset="0"/>
+                        <a:cs typeface="Times New Roman" panose="02020603050405020304" pitchFamily="18" charset="0"/>
+                      </a:endParaRPr>
+                    </a:p>
+                  </a:txBody>
+                  <a:tcPr marL="68580" marR="68580" marT="0" marB="0"/>
+                </a:tc>
+                <a:tc>
+                  <a:txBody>
+                    <a:bodyPr/>
+                    <a:lstStyle/>
+                    <a:p>
+                      <a:pPr>
+                        <a:lnSpc>
+                          <a:spcPct val="107000"/>
+                        </a:lnSpc>
+                        <a:spcAft>
+                          <a:spcPts val="800"/>
+                        </a:spcAft>
+                      </a:pPr>
+                      <a:r>
+                        <a:rPr lang="es-BO" sz="1200" kern="0" dirty="0">
+                          <a:effectLst/>
+                        </a:rPr>
+                        <a:t>Se continuará usando los arquetipos definidos en el Banco para garantizar el manejo de capas</a:t>
+                      </a:r>
+                      <a:endParaRPr lang="es-BO" sz="1800" kern="100" dirty="0">
+                        <a:effectLst/>
+                        <a:latin typeface="Calibri" panose="020F0502020204030204" pitchFamily="34" charset="0"/>
+                        <a:ea typeface="Calibri" panose="020F0502020204030204" pitchFamily="34" charset="0"/>
+                        <a:cs typeface="Times New Roman" panose="02020603050405020304" pitchFamily="18" charset="0"/>
+                      </a:endParaRPr>
+                    </a:p>
+                  </a:txBody>
+                  <a:tcPr marL="68580" marR="68580" marT="0" marB="0"/>
+                </a:tc>
+                <a:extLst>
+                  <a:ext uri="{0D108BD9-81ED-4DB2-BD59-A6C34878D82A}">
+                    <a16:rowId xmlns:a16="http://schemas.microsoft.com/office/drawing/2014/main" val="1252734636"/>
+                  </a:ext>
+                </a:extLst>
+              </a:tr>
+              <a:tr h="800211">
+                <a:tc>
+                  <a:txBody>
+                    <a:bodyPr/>
+                    <a:lstStyle/>
+                    <a:p>
+                      <a:pPr>
+                        <a:lnSpc>
+                          <a:spcPct val="107000"/>
+                        </a:lnSpc>
+                        <a:spcAft>
+                          <a:spcPts val="800"/>
+                        </a:spcAft>
+                      </a:pPr>
+                      <a:r>
+                        <a:rPr lang="es-BO" sz="1200" kern="0">
+                          <a:effectLst/>
+                        </a:rPr>
+                        <a:t>D-004</a:t>
+                      </a:r>
+                      <a:endParaRPr lang="es-BO" sz="1800" kern="100">
+                        <a:effectLst/>
+                        <a:latin typeface="Calibri" panose="020F0502020204030204" pitchFamily="34" charset="0"/>
+                        <a:ea typeface="Calibri" panose="020F0502020204030204" pitchFamily="34" charset="0"/>
+                        <a:cs typeface="Times New Roman" panose="02020603050405020304" pitchFamily="18" charset="0"/>
+                      </a:endParaRPr>
+                    </a:p>
+                  </a:txBody>
+                  <a:tcPr marL="68580" marR="68580" marT="0" marB="0"/>
+                </a:tc>
+                <a:tc>
+                  <a:txBody>
+                    <a:bodyPr/>
+                    <a:lstStyle/>
+                    <a:p>
+                      <a:pPr>
+                        <a:lnSpc>
+                          <a:spcPct val="107000"/>
+                        </a:lnSpc>
+                        <a:spcAft>
+                          <a:spcPts val="800"/>
+                        </a:spcAft>
+                      </a:pPr>
+                      <a:r>
+                        <a:rPr lang="es-BO" sz="1200" kern="0">
+                          <a:effectLst/>
+                        </a:rPr>
+                        <a:t>Patrón complementario: API Gateway</a:t>
+                      </a:r>
+                      <a:endParaRPr lang="es-BO" sz="1800" kern="100">
+                        <a:effectLst/>
+                        <a:latin typeface="Calibri" panose="020F0502020204030204" pitchFamily="34" charset="0"/>
+                        <a:ea typeface="Calibri" panose="020F0502020204030204" pitchFamily="34" charset="0"/>
+                        <a:cs typeface="Times New Roman" panose="02020603050405020304" pitchFamily="18" charset="0"/>
+                      </a:endParaRPr>
+                    </a:p>
+                  </a:txBody>
+                  <a:tcPr marL="68580" marR="68580" marT="0" marB="0"/>
+                </a:tc>
+                <a:tc>
+                  <a:txBody>
+                    <a:bodyPr/>
+                    <a:lstStyle/>
+                    <a:p>
+                      <a:pPr>
+                        <a:lnSpc>
+                          <a:spcPct val="107000"/>
+                        </a:lnSpc>
+                        <a:spcAft>
+                          <a:spcPts val="800"/>
+                        </a:spcAft>
+                      </a:pPr>
+                      <a:r>
+                        <a:rPr lang="es-BO" sz="1200" kern="0">
+                          <a:effectLst/>
+                        </a:rPr>
+                        <a:t>Se reutilizará el API Gateway que se tiene</a:t>
+                      </a:r>
+                      <a:endParaRPr lang="es-BO" sz="1800" kern="100">
+                        <a:effectLst/>
+                        <a:latin typeface="Calibri" panose="020F0502020204030204" pitchFamily="34" charset="0"/>
+                        <a:ea typeface="Calibri" panose="020F0502020204030204" pitchFamily="34" charset="0"/>
+                        <a:cs typeface="Times New Roman" panose="02020603050405020304" pitchFamily="18" charset="0"/>
+                      </a:endParaRPr>
+                    </a:p>
+                  </a:txBody>
+                  <a:tcPr marL="68580" marR="68580" marT="0" marB="0"/>
+                </a:tc>
+                <a:extLst>
+                  <a:ext uri="{0D108BD9-81ED-4DB2-BD59-A6C34878D82A}">
+                    <a16:rowId xmlns:a16="http://schemas.microsoft.com/office/drawing/2014/main" val="4023603956"/>
+                  </a:ext>
+                </a:extLst>
+              </a:tr>
+              <a:tr h="800211">
+                <a:tc>
+                  <a:txBody>
+                    <a:bodyPr/>
+                    <a:lstStyle/>
+                    <a:p>
+                      <a:pPr>
+                        <a:lnSpc>
+                          <a:spcPct val="107000"/>
+                        </a:lnSpc>
+                        <a:spcAft>
+                          <a:spcPts val="800"/>
+                        </a:spcAft>
+                      </a:pPr>
+                      <a:r>
+                        <a:rPr lang="es-BO" sz="1200" kern="0">
+                          <a:effectLst/>
+                        </a:rPr>
+                        <a:t>D-005</a:t>
+                      </a:r>
+                      <a:endParaRPr lang="es-BO" sz="1800" kern="100">
+                        <a:effectLst/>
+                        <a:latin typeface="Calibri" panose="020F0502020204030204" pitchFamily="34" charset="0"/>
+                        <a:ea typeface="Calibri" panose="020F0502020204030204" pitchFamily="34" charset="0"/>
+                        <a:cs typeface="Times New Roman" panose="02020603050405020304" pitchFamily="18" charset="0"/>
+                      </a:endParaRPr>
+                    </a:p>
+                  </a:txBody>
+                  <a:tcPr marL="68580" marR="68580" marT="0" marB="0"/>
+                </a:tc>
+                <a:tc>
+                  <a:txBody>
+                    <a:bodyPr/>
+                    <a:lstStyle/>
+                    <a:p>
+                      <a:pPr>
+                        <a:lnSpc>
+                          <a:spcPct val="107000"/>
+                        </a:lnSpc>
+                        <a:spcAft>
+                          <a:spcPts val="800"/>
+                        </a:spcAft>
+                      </a:pPr>
+                      <a:r>
+                        <a:rPr lang="es-BO" sz="1200" kern="0">
+                          <a:effectLst/>
+                        </a:rPr>
+                        <a:t>Patrón complementario: Data base per service</a:t>
+                      </a:r>
+                      <a:endParaRPr lang="es-BO" sz="1800" kern="100">
+                        <a:effectLst/>
+                        <a:latin typeface="Calibri" panose="020F0502020204030204" pitchFamily="34" charset="0"/>
+                        <a:ea typeface="Calibri" panose="020F0502020204030204" pitchFamily="34" charset="0"/>
+                        <a:cs typeface="Times New Roman" panose="02020603050405020304" pitchFamily="18" charset="0"/>
+                      </a:endParaRPr>
+                    </a:p>
+                  </a:txBody>
+                  <a:tcPr marL="68580" marR="68580" marT="0" marB="0"/>
+                </a:tc>
+                <a:tc>
+                  <a:txBody>
+                    <a:bodyPr/>
+                    <a:lstStyle/>
+                    <a:p>
+                      <a:pPr>
+                        <a:lnSpc>
+                          <a:spcPct val="107000"/>
+                        </a:lnSpc>
+                        <a:spcAft>
+                          <a:spcPts val="800"/>
+                        </a:spcAft>
+                      </a:pPr>
+                      <a:r>
+                        <a:rPr lang="es-BO" sz="1200" kern="0">
+                          <a:effectLst/>
+                        </a:rPr>
+                        <a:t>Cada microservicio tendrá su propia base de datos</a:t>
+                      </a:r>
+                      <a:endParaRPr lang="es-BO" sz="1800" kern="100">
+                        <a:effectLst/>
+                        <a:latin typeface="Calibri" panose="020F0502020204030204" pitchFamily="34" charset="0"/>
+                        <a:ea typeface="Calibri" panose="020F0502020204030204" pitchFamily="34" charset="0"/>
+                        <a:cs typeface="Times New Roman" panose="02020603050405020304" pitchFamily="18" charset="0"/>
+                      </a:endParaRPr>
+                    </a:p>
+                  </a:txBody>
+                  <a:tcPr marL="68580" marR="68580" marT="0" marB="0"/>
+                </a:tc>
+                <a:extLst>
+                  <a:ext uri="{0D108BD9-81ED-4DB2-BD59-A6C34878D82A}">
+                    <a16:rowId xmlns:a16="http://schemas.microsoft.com/office/drawing/2014/main" val="1998743463"/>
+                  </a:ext>
+                </a:extLst>
+              </a:tr>
+              <a:tr h="1070931">
+                <a:tc>
+                  <a:txBody>
+                    <a:bodyPr/>
+                    <a:lstStyle/>
+                    <a:p>
+                      <a:pPr>
+                        <a:lnSpc>
+                          <a:spcPct val="107000"/>
+                        </a:lnSpc>
+                        <a:spcAft>
+                          <a:spcPts val="800"/>
+                        </a:spcAft>
+                      </a:pPr>
+                      <a:r>
+                        <a:rPr lang="es-BO" sz="1200" kern="0">
+                          <a:effectLst/>
+                        </a:rPr>
+                        <a:t>D-006</a:t>
+                      </a:r>
+                      <a:endParaRPr lang="es-BO" sz="1800" kern="100">
+                        <a:effectLst/>
+                        <a:latin typeface="Calibri" panose="020F0502020204030204" pitchFamily="34" charset="0"/>
+                        <a:ea typeface="Calibri" panose="020F0502020204030204" pitchFamily="34" charset="0"/>
+                        <a:cs typeface="Times New Roman" panose="02020603050405020304" pitchFamily="18" charset="0"/>
+                      </a:endParaRPr>
+                    </a:p>
+                  </a:txBody>
+                  <a:tcPr marL="68580" marR="68580" marT="0" marB="0"/>
+                </a:tc>
+                <a:tc>
+                  <a:txBody>
+                    <a:bodyPr/>
+                    <a:lstStyle/>
+                    <a:p>
+                      <a:pPr>
+                        <a:lnSpc>
+                          <a:spcPct val="107000"/>
+                        </a:lnSpc>
+                        <a:spcAft>
+                          <a:spcPts val="800"/>
+                        </a:spcAft>
+                      </a:pPr>
+                      <a:r>
+                        <a:rPr lang="es-BO" sz="1200" kern="0">
+                          <a:effectLst/>
+                        </a:rPr>
+                        <a:t>Patrón complementario: Observability by health check</a:t>
+                      </a:r>
+                      <a:endParaRPr lang="es-BO" sz="1800" kern="100">
+                        <a:effectLst/>
+                        <a:latin typeface="Calibri" panose="020F0502020204030204" pitchFamily="34" charset="0"/>
+                        <a:ea typeface="Calibri" panose="020F0502020204030204" pitchFamily="34" charset="0"/>
+                        <a:cs typeface="Times New Roman" panose="02020603050405020304" pitchFamily="18" charset="0"/>
+                      </a:endParaRPr>
+                    </a:p>
+                  </a:txBody>
+                  <a:tcPr marL="68580" marR="68580" marT="0" marB="0"/>
+                </a:tc>
+                <a:tc>
+                  <a:txBody>
+                    <a:bodyPr/>
+                    <a:lstStyle/>
+                    <a:p>
+                      <a:pPr>
+                        <a:lnSpc>
+                          <a:spcPct val="107000"/>
+                        </a:lnSpc>
+                        <a:spcAft>
+                          <a:spcPts val="800"/>
+                        </a:spcAft>
+                      </a:pPr>
+                      <a:r>
+                        <a:rPr lang="es-BO" sz="1200" kern="0" dirty="0">
+                          <a:effectLst/>
+                        </a:rPr>
+                        <a:t>Todos los microservicios deben poderse monitorear para tener el estado actual, poder detectar fallas y lograr la recuperación en caso necesario</a:t>
+                      </a:r>
+                      <a:endParaRPr lang="es-BO" sz="1800" kern="100" dirty="0">
+                        <a:effectLst/>
+                        <a:latin typeface="Calibri" panose="020F0502020204030204" pitchFamily="34" charset="0"/>
+                        <a:ea typeface="Calibri" panose="020F0502020204030204" pitchFamily="34" charset="0"/>
+                        <a:cs typeface="Times New Roman" panose="02020603050405020304" pitchFamily="18" charset="0"/>
+                      </a:endParaRPr>
+                    </a:p>
+                  </a:txBody>
+                  <a:tcPr marL="68580" marR="68580" marT="0" marB="0"/>
+                </a:tc>
+                <a:extLst>
+                  <a:ext uri="{0D108BD9-81ED-4DB2-BD59-A6C34878D82A}">
+                    <a16:rowId xmlns:a16="http://schemas.microsoft.com/office/drawing/2014/main" val="1514969755"/>
+                  </a:ext>
+                </a:extLst>
+              </a:tr>
+              <a:tr h="800211">
+                <a:tc>
+                  <a:txBody>
+                    <a:bodyPr/>
+                    <a:lstStyle/>
+                    <a:p>
+                      <a:pPr>
+                        <a:lnSpc>
+                          <a:spcPct val="107000"/>
+                        </a:lnSpc>
+                        <a:spcAft>
+                          <a:spcPts val="800"/>
+                        </a:spcAft>
+                      </a:pPr>
+                      <a:r>
+                        <a:rPr lang="es-BO" sz="1200" kern="0">
+                          <a:effectLst/>
+                        </a:rPr>
+                        <a:t>D-007</a:t>
+                      </a:r>
+                      <a:endParaRPr lang="es-BO" sz="1800" kern="100">
+                        <a:effectLst/>
+                        <a:latin typeface="Calibri" panose="020F0502020204030204" pitchFamily="34" charset="0"/>
+                        <a:ea typeface="Calibri" panose="020F0502020204030204" pitchFamily="34" charset="0"/>
+                        <a:cs typeface="Times New Roman" panose="02020603050405020304" pitchFamily="18" charset="0"/>
+                      </a:endParaRPr>
+                    </a:p>
+                  </a:txBody>
+                  <a:tcPr marL="68580" marR="68580" marT="0" marB="0"/>
+                </a:tc>
+                <a:tc>
+                  <a:txBody>
+                    <a:bodyPr/>
+                    <a:lstStyle/>
+                    <a:p>
+                      <a:pPr>
+                        <a:lnSpc>
+                          <a:spcPct val="107000"/>
+                        </a:lnSpc>
+                        <a:spcAft>
+                          <a:spcPts val="800"/>
+                        </a:spcAft>
+                      </a:pPr>
+                      <a:r>
+                        <a:rPr lang="es-BO" sz="1200" kern="0">
+                          <a:effectLst/>
+                        </a:rPr>
+                        <a:t>Patrón complementario: Infraestructura base</a:t>
+                      </a:r>
+                      <a:endParaRPr lang="es-BO" sz="1800" kern="100">
+                        <a:effectLst/>
+                        <a:latin typeface="Calibri" panose="020F0502020204030204" pitchFamily="34" charset="0"/>
+                        <a:ea typeface="Calibri" panose="020F0502020204030204" pitchFamily="34" charset="0"/>
+                        <a:cs typeface="Times New Roman" panose="02020603050405020304" pitchFamily="18" charset="0"/>
+                      </a:endParaRPr>
+                    </a:p>
+                  </a:txBody>
+                  <a:tcPr marL="68580" marR="68580" marT="0" marB="0"/>
+                </a:tc>
+                <a:tc>
+                  <a:txBody>
+                    <a:bodyPr/>
+                    <a:lstStyle/>
+                    <a:p>
+                      <a:pPr>
+                        <a:lnSpc>
+                          <a:spcPct val="107000"/>
+                        </a:lnSpc>
+                        <a:spcAft>
+                          <a:spcPts val="800"/>
+                        </a:spcAft>
+                      </a:pPr>
+                      <a:r>
+                        <a:rPr lang="es-BO" sz="1200" kern="0" dirty="0">
+                          <a:effectLst/>
+                        </a:rPr>
+                        <a:t>Se continuará usando toda la tecnología AWS que tiene el Banco</a:t>
+                      </a:r>
+                      <a:endParaRPr lang="es-BO" sz="1800" kern="100" dirty="0">
+                        <a:effectLst/>
+                        <a:latin typeface="Calibri" panose="020F0502020204030204" pitchFamily="34" charset="0"/>
+                        <a:ea typeface="Calibri" panose="020F0502020204030204" pitchFamily="34" charset="0"/>
+                        <a:cs typeface="Times New Roman" panose="02020603050405020304" pitchFamily="18" charset="0"/>
+                      </a:endParaRPr>
+                    </a:p>
+                  </a:txBody>
+                  <a:tcPr marL="68580" marR="68580" marT="0" marB="0"/>
+                </a:tc>
+                <a:extLst>
+                  <a:ext uri="{0D108BD9-81ED-4DB2-BD59-A6C34878D82A}">
+                    <a16:rowId xmlns:a16="http://schemas.microsoft.com/office/drawing/2014/main" val="856416514"/>
+                  </a:ext>
+                </a:extLst>
+              </a:tr>
+            </a:tbl>
+          </a:graphicData>
+        </a:graphic>
+      </p:graphicFrame>
+    </p:spTree>
+    <p:extLst>
+      <p:ext uri="{BB962C8B-B14F-4D97-AF65-F5344CB8AC3E}">
+        <p14:creationId xmlns:p14="http://schemas.microsoft.com/office/powerpoint/2010/main" val="1562232504"/>
+      </p:ext>
+    </p:extLst>
+  </p:cSld>
+  <p:clrMapOvr>
+    <a:masterClrMapping/>
+  </p:clrMapOvr>
+</p:sld>
+</file>
+
+<file path=ppt/slides/slide6.xml><?xml version="1.0" encoding="utf-8"?>
+<p:sld xmlns:a="http://schemas.openxmlformats.org/drawingml/2006/main" xmlns:r="http://schemas.openxmlformats.org/officeDocument/2006/relationships" xmlns:p="http://schemas.openxmlformats.org/presentationml/2006/main">
+  <p:cSld>
+    <p:bg>
+      <p:bgPr>
+        <a:solidFill>
+          <a:schemeClr val="bg1"/>
+        </a:solidFill>
+        <a:effectLst/>
+      </p:bgPr>
+    </p:bg>
+    <p:spTree>
+      <p:nvGrpSpPr>
+        <p:cNvPr id="1" name=""/>
+        <p:cNvGrpSpPr/>
+        <p:nvPr/>
+      </p:nvGrpSpPr>
+      <p:grpSpPr>
+        <a:xfrm>
+          <a:off x="0" y="0"/>
+          <a:ext cx="0" cy="0"/>
+          <a:chOff x="0" y="0"/>
+          <a:chExt cx="0" cy="0"/>
+        </a:xfrm>
+      </p:grpSpPr>
+      <p:sp useBgFill="1">
+        <p:nvSpPr>
+          <p:cNvPr id="41" name="Rectangle 40">
+            <a:extLst>
+              <a:ext uri="{FF2B5EF4-FFF2-40B4-BE49-F238E27FC236}">
+                <a16:creationId xmlns:a16="http://schemas.microsoft.com/office/drawing/2014/main" id="{BACC6370-2D7E-4714-9D71-7542949D7D5D}"/>
+              </a:ext>
+              <a:ext uri="{C183D7F6-B498-43B3-948B-1728B52AA6E4}">
+                <adec:decorative xmlns:adec="http://schemas.microsoft.com/office/drawing/2017/decorative" val="1"/>
+              </a:ext>
+            </a:extLst>
+          </p:cNvPr>
+          <p:cNvSpPr>
+            <a:spLocks noGrp="1" noRot="1" noChangeAspect="1" noMove="1" noResize="1" noEditPoints="1" noAdjustHandles="1" noChangeArrowheads="1" noChangeShapeType="1" noTextEdit="1"/>
+          </p:cNvSpPr>
+          <p:nvPr>
+            <p:extLst>
+              <p:ext uri="{386F3935-93C4-4BCD-93E2-E3B085C9AB24}">
+                <p16:designElem xmlns:p16="http://schemas.microsoft.com/office/powerpoint/2015/main" val="1"/>
+              </p:ext>
+            </p:extLst>
+          </p:nvPr>
+        </p:nvSpPr>
+        <p:spPr>
+          <a:xfrm>
+            <a:off x="0" y="0"/>
+            <a:ext cx="12192000" cy="6858000"/>
+          </a:xfrm>
+          <a:prstGeom prst="rect">
+            <a:avLst/>
+          </a:prstGeom>
+          <a:ln w="12700" cap="flat" cmpd="sng" algn="ctr">
+            <a:noFill/>
+            <a:prstDash val="solid"/>
+            <a:miter lim="800000"/>
+          </a:ln>
+          <a:effectLst/>
+          <a:extLst>
+            <a:ext uri="{91240B29-F687-4F45-9708-019B960494DF}">
+              <a14:hiddenLine xmlns:a14="http://schemas.microsoft.com/office/drawing/2010/main" w="12700" cap="flat" cmpd="sng" algn="ctr">
+                <a:solidFill>
+                  <a:schemeClr val="accent1">
+                    <a:shade val="50000"/>
+                  </a:schemeClr>
+                </a:solidFill>
+                <a:prstDash val="solid"/>
+                <a:miter lim="800000"/>
+              </a14:hiddenLine>
+            </a:ext>
+          </a:extLst>
+        </p:spPr>
+        <p:style>
+          <a:lnRef idx="2">
+            <a:schemeClr val="accent1">
+              <a:shade val="50000"/>
+            </a:schemeClr>
+          </a:lnRef>
+          <a:fillRef idx="1">
+            <a:schemeClr val="accent1"/>
+          </a:fillRef>
+          <a:effectRef idx="0">
+            <a:schemeClr val="accent1"/>
+          </a:effectRef>
+          <a:fontRef idx="minor">
+            <a:schemeClr val="lt1"/>
+          </a:fontRef>
+        </p:style>
+        <p:txBody>
+          <a:bodyPr rtlCol="0" anchor="ctr"/>
+          <a:lstStyle/>
+          <a:p>
+            <a:pPr algn="ctr"/>
+            <a:endParaRPr lang="en-US"/>
+          </a:p>
+        </p:txBody>
+      </p:sp>
+      <p:sp>
+        <p:nvSpPr>
+          <p:cNvPr id="43" name="Rectangle 42">
+            <a:extLst>
+              <a:ext uri="{FF2B5EF4-FFF2-40B4-BE49-F238E27FC236}">
+                <a16:creationId xmlns:a16="http://schemas.microsoft.com/office/drawing/2014/main" id="{256B2C21-A230-48C0-8DF1-C46611373C44}"/>
+              </a:ext>
+              <a:ext uri="{C183D7F6-B498-43B3-948B-1728B52AA6E4}">
+                <adec:decorative xmlns:adec="http://schemas.microsoft.com/office/drawing/2017/decorative" val="1"/>
+              </a:ext>
+            </a:extLst>
+          </p:cNvPr>
+          <p:cNvSpPr>
+            <a:spLocks noGrp="1" noRot="1" noChangeAspect="1" noMove="1" noResize="1" noEditPoints="1" noAdjustHandles="1" noChangeArrowheads="1" noChangeShapeType="1" noTextEdit="1"/>
+          </p:cNvSpPr>
+          <p:nvPr>
+            <p:extLst>
+              <p:ext uri="{386F3935-93C4-4BCD-93E2-E3B085C9AB24}">
+                <p16:designElem xmlns:p16="http://schemas.microsoft.com/office/powerpoint/2015/main" val="1"/>
+              </p:ext>
+            </p:extLst>
+          </p:nvPr>
+        </p:nvSpPr>
+        <p:spPr>
+          <a:xfrm rot="5400000" flipH="1">
+            <a:off x="-1410084" y="1410082"/>
+            <a:ext cx="6858000" cy="4037836"/>
+          </a:xfrm>
+          <a:prstGeom prst="rect">
+            <a:avLst/>
+          </a:prstGeom>
+          <a:gradFill>
+            <a:gsLst>
+              <a:gs pos="8000">
+                <a:srgbClr val="000000"/>
+              </a:gs>
+              <a:gs pos="100000">
+                <a:schemeClr val="accent1">
+                  <a:lumMod val="75000"/>
+                </a:schemeClr>
+              </a:gs>
+            </a:gsLst>
+            <a:lin ang="3000000" scaled="0"/>
+          </a:gradFill>
+          <a:ln>
+            <a:noFill/>
+          </a:ln>
+        </p:spPr>
+        <p:style>
+          <a:lnRef idx="2">
+            <a:schemeClr val="accent1">
+              <a:shade val="50000"/>
+            </a:schemeClr>
+          </a:lnRef>
+          <a:fillRef idx="1">
+            <a:schemeClr val="accent1"/>
+          </a:fillRef>
+          <a:effectRef idx="0">
+            <a:schemeClr val="accent1"/>
+          </a:effectRef>
+          <a:fontRef idx="minor">
+            <a:schemeClr val="lt1"/>
+          </a:fontRef>
+        </p:style>
+        <p:txBody>
+          <a:bodyPr rtlCol="0" anchor="ctr"/>
+          <a:lstStyle/>
+          <a:p>
+            <a:pPr algn="ctr"/>
+            <a:endParaRPr lang="en-US"/>
+          </a:p>
+        </p:txBody>
+      </p:sp>
+      <p:sp>
+        <p:nvSpPr>
+          <p:cNvPr id="45" name="Rectangle 44">
+            <a:extLst>
+              <a:ext uri="{FF2B5EF4-FFF2-40B4-BE49-F238E27FC236}">
+                <a16:creationId xmlns:a16="http://schemas.microsoft.com/office/drawing/2014/main" id="{3847E18C-932D-4C95-AABA-FEC7C9499AD7}"/>
+              </a:ext>
+              <a:ext uri="{C183D7F6-B498-43B3-948B-1728B52AA6E4}">
+                <adec:decorative xmlns:adec="http://schemas.microsoft.com/office/drawing/2017/decorative" val="1"/>
+              </a:ext>
+            </a:extLst>
+          </p:cNvPr>
+          <p:cNvSpPr>
+            <a:spLocks noGrp="1" noRot="1" noChangeAspect="1" noMove="1" noResize="1" noEditPoints="1" noAdjustHandles="1" noChangeArrowheads="1" noChangeShapeType="1" noTextEdit="1"/>
+          </p:cNvSpPr>
+          <p:nvPr>
+            <p:extLst>
+              <p:ext uri="{386F3935-93C4-4BCD-93E2-E3B085C9AB24}">
+                <p16:designElem xmlns:p16="http://schemas.microsoft.com/office/powerpoint/2015/main" val="1"/>
+              </p:ext>
+            </p:extLst>
+          </p:nvPr>
+        </p:nvSpPr>
+        <p:spPr>
+          <a:xfrm rot="5400000" flipH="1">
+            <a:off x="-1410085" y="1420219"/>
+            <a:ext cx="6857999" cy="4037839"/>
+          </a:xfrm>
+          <a:prstGeom prst="rect">
+            <a:avLst/>
+          </a:prstGeom>
+          <a:gradFill>
+            <a:gsLst>
+              <a:gs pos="0">
+                <a:srgbClr val="000000">
+                  <a:alpha val="0"/>
+                </a:srgbClr>
+              </a:gs>
+              <a:gs pos="99000">
+                <a:schemeClr val="accent1">
+                  <a:alpha val="46000"/>
+                </a:schemeClr>
+              </a:gs>
+            </a:gsLst>
+            <a:lin ang="1800000" scaled="0"/>
+          </a:gradFill>
+          <a:ln>
+            <a:noFill/>
+          </a:ln>
+        </p:spPr>
+        <p:style>
+          <a:lnRef idx="2">
+            <a:schemeClr val="accent1">
+              <a:shade val="50000"/>
+            </a:schemeClr>
+          </a:lnRef>
+          <a:fillRef idx="1">
+            <a:schemeClr val="accent1"/>
+          </a:fillRef>
+          <a:effectRef idx="0">
+            <a:schemeClr val="accent1"/>
+          </a:effectRef>
+          <a:fontRef idx="minor">
+            <a:schemeClr val="lt1"/>
+          </a:fontRef>
+        </p:style>
+        <p:txBody>
+          <a:bodyPr rtlCol="0" anchor="ctr"/>
+          <a:lstStyle/>
+          <a:p>
+            <a:pPr algn="ctr"/>
+            <a:endParaRPr lang="en-US"/>
+          </a:p>
+        </p:txBody>
+      </p:sp>
+      <p:sp>
+        <p:nvSpPr>
+          <p:cNvPr id="47" name="Rectangle 46">
+            <a:extLst>
+              <a:ext uri="{FF2B5EF4-FFF2-40B4-BE49-F238E27FC236}">
+                <a16:creationId xmlns:a16="http://schemas.microsoft.com/office/drawing/2014/main" id="{3150CB11-0C61-439E-910F-5787759E72A0}"/>
+              </a:ext>
+              <a:ext uri="{C183D7F6-B498-43B3-948B-1728B52AA6E4}">
+                <adec:decorative xmlns:adec="http://schemas.microsoft.com/office/drawing/2017/decorative" val="1"/>
+              </a:ext>
+            </a:extLst>
+          </p:cNvPr>
+          <p:cNvSpPr>
+            <a:spLocks noGrp="1" noRot="1" noChangeAspect="1" noMove="1" noResize="1" noEditPoints="1" noAdjustHandles="1" noChangeArrowheads="1" noChangeShapeType="1" noTextEdit="1"/>
+          </p:cNvSpPr>
+          <p:nvPr>
+            <p:extLst>
+              <p:ext uri="{386F3935-93C4-4BCD-93E2-E3B085C9AB24}">
+                <p16:designElem xmlns:p16="http://schemas.microsoft.com/office/powerpoint/2015/main" val="1"/>
+              </p:ext>
+            </p:extLst>
+          </p:nvPr>
+        </p:nvSpPr>
+        <p:spPr>
+          <a:xfrm rot="5400000" flipH="1">
+            <a:off x="767923" y="3588085"/>
+            <a:ext cx="2501979" cy="4037841"/>
+          </a:xfrm>
+          <a:prstGeom prst="rect">
+            <a:avLst/>
+          </a:prstGeom>
+          <a:gradFill>
+            <a:gsLst>
+              <a:gs pos="2000">
+                <a:schemeClr val="accent1">
+                  <a:alpha val="29000"/>
+                </a:schemeClr>
+              </a:gs>
+              <a:gs pos="100000">
+                <a:srgbClr val="000000">
+                  <a:alpha val="30000"/>
+                </a:srgbClr>
+              </a:gs>
+            </a:gsLst>
+            <a:lin ang="7800000" scaled="0"/>
+          </a:gradFill>
+          <a:ln>
+            <a:noFill/>
+          </a:ln>
+        </p:spPr>
+        <p:style>
+          <a:lnRef idx="2">
+            <a:schemeClr val="accent1">
+              <a:shade val="50000"/>
+            </a:schemeClr>
+          </a:lnRef>
+          <a:fillRef idx="1">
+            <a:schemeClr val="accent1"/>
+          </a:fillRef>
+          <a:effectRef idx="0">
+            <a:schemeClr val="accent1"/>
+          </a:effectRef>
+          <a:fontRef idx="minor">
+            <a:schemeClr val="lt1"/>
+          </a:fontRef>
+        </p:style>
+        <p:txBody>
+          <a:bodyPr rtlCol="0" anchor="ctr"/>
+          <a:lstStyle/>
+          <a:p>
+            <a:pPr algn="ctr"/>
+            <a:endParaRPr lang="en-US" dirty="0"/>
+          </a:p>
+        </p:txBody>
+      </p:sp>
+      <p:sp>
+        <p:nvSpPr>
+          <p:cNvPr id="49" name="Freeform: Shape 48">
+            <a:extLst>
+              <a:ext uri="{FF2B5EF4-FFF2-40B4-BE49-F238E27FC236}">
+                <a16:creationId xmlns:a16="http://schemas.microsoft.com/office/drawing/2014/main" id="{43F8A58B-5155-44CE-A5FF-7647B47D0A7A}"/>
+              </a:ext>
+              <a:ext uri="{C183D7F6-B498-43B3-948B-1728B52AA6E4}">
+                <adec:decorative xmlns:adec="http://schemas.microsoft.com/office/drawing/2017/decorative" val="1"/>
+              </a:ext>
+            </a:extLst>
+          </p:cNvPr>
+          <p:cNvSpPr>
+            <a:spLocks noGrp="1" noRot="1" noChangeAspect="1" noMove="1" noResize="1" noEditPoints="1" noAdjustHandles="1" noChangeArrowheads="1" noChangeShapeType="1" noTextEdit="1"/>
+          </p:cNvSpPr>
+          <p:nvPr>
+            <p:extLst>
+              <p:ext uri="{386F3935-93C4-4BCD-93E2-E3B085C9AB24}">
+                <p16:designElem xmlns:p16="http://schemas.microsoft.com/office/powerpoint/2015/main" val="1"/>
+              </p:ext>
+            </p:extLst>
+          </p:nvPr>
+        </p:nvSpPr>
+        <p:spPr>
+          <a:xfrm rot="20635413">
+            <a:off x="-501737" y="969718"/>
+            <a:ext cx="3900357" cy="4178958"/>
+          </a:xfrm>
+          <a:custGeom>
+            <a:avLst/>
+            <a:gdLst>
+              <a:gd name="connsiteX0" fmla="*/ 2432225 w 3900357"/>
+              <a:gd name="connsiteY0" fmla="*/ 93939 h 4178958"/>
+              <a:gd name="connsiteX1" fmla="*/ 3900357 w 3900357"/>
+              <a:gd name="connsiteY1" fmla="*/ 2089479 h 4178958"/>
+              <a:gd name="connsiteX2" fmla="*/ 1810878 w 3900357"/>
+              <a:gd name="connsiteY2" fmla="*/ 4178958 h 4178958"/>
+              <a:gd name="connsiteX3" fmla="*/ 78249 w 3900357"/>
+              <a:gd name="connsiteY3" fmla="*/ 3257727 h 4178958"/>
+              <a:gd name="connsiteX4" fmla="*/ 0 w 3900357"/>
+              <a:gd name="connsiteY4" fmla="*/ 3128923 h 4178958"/>
+              <a:gd name="connsiteX5" fmla="*/ 831324 w 3900357"/>
+              <a:gd name="connsiteY5" fmla="*/ 244281 h 4178958"/>
+              <a:gd name="connsiteX6" fmla="*/ 997559 w 3900357"/>
+              <a:gd name="connsiteY6" fmla="*/ 164202 h 4178958"/>
+              <a:gd name="connsiteX7" fmla="*/ 1810878 w 3900357"/>
+              <a:gd name="connsiteY7" fmla="*/ 0 h 4178958"/>
+              <a:gd name="connsiteX8" fmla="*/ 2432225 w 3900357"/>
+              <a:gd name="connsiteY8" fmla="*/ 93939 h 4178958"/>
+            </a:gdLst>
+            <a:ahLst/>
+            <a:cxnLst>
+              <a:cxn ang="0">
+                <a:pos x="connsiteX0" y="connsiteY0"/>
+              </a:cxn>
+              <a:cxn ang="0">
+                <a:pos x="connsiteX1" y="connsiteY1"/>
+              </a:cxn>
+              <a:cxn ang="0">
+                <a:pos x="connsiteX2" y="connsiteY2"/>
+              </a:cxn>
+              <a:cxn ang="0">
+                <a:pos x="connsiteX3" y="connsiteY3"/>
+              </a:cxn>
+              <a:cxn ang="0">
+                <a:pos x="connsiteX4" y="connsiteY4"/>
+              </a:cxn>
+              <a:cxn ang="0">
+                <a:pos x="connsiteX5" y="connsiteY5"/>
+              </a:cxn>
+              <a:cxn ang="0">
+                <a:pos x="connsiteX6" y="connsiteY6"/>
+              </a:cxn>
+              <a:cxn ang="0">
+                <a:pos x="connsiteX7" y="connsiteY7"/>
+              </a:cxn>
+              <a:cxn ang="0">
+                <a:pos x="connsiteX8" y="connsiteY8"/>
+              </a:cxn>
+            </a:cxnLst>
+            <a:rect l="l" t="t" r="r" b="b"/>
+            <a:pathLst>
+              <a:path w="3900357" h="4178958">
+                <a:moveTo>
+                  <a:pt x="2432225" y="93939"/>
+                </a:moveTo>
+                <a:cubicBezTo>
+                  <a:pt x="3282786" y="358491"/>
+                  <a:pt x="3900357" y="1151865"/>
+                  <a:pt x="3900357" y="2089479"/>
+                </a:cubicBezTo>
+                <a:cubicBezTo>
+                  <a:pt x="3900357" y="3243466"/>
+                  <a:pt x="2964865" y="4178958"/>
+                  <a:pt x="1810878" y="4178958"/>
+                </a:cubicBezTo>
+                <a:cubicBezTo>
+                  <a:pt x="1089636" y="4178958"/>
+                  <a:pt x="453744" y="3813531"/>
+                  <a:pt x="78249" y="3257727"/>
+                </a:cubicBezTo>
+                <a:lnTo>
+                  <a:pt x="0" y="3128923"/>
+                </a:lnTo>
+                <a:lnTo>
+                  <a:pt x="831324" y="244281"/>
+                </a:lnTo>
+                <a:lnTo>
+                  <a:pt x="997559" y="164202"/>
+                </a:lnTo>
+                <a:cubicBezTo>
+                  <a:pt x="1247540" y="58468"/>
+                  <a:pt x="1522381" y="0"/>
+                  <a:pt x="1810878" y="0"/>
+                </a:cubicBezTo>
+                <a:cubicBezTo>
+                  <a:pt x="2027251" y="0"/>
+                  <a:pt x="2235942" y="32888"/>
+                  <a:pt x="2432225" y="93939"/>
+                </a:cubicBezTo>
+                <a:close/>
+              </a:path>
+            </a:pathLst>
+          </a:custGeom>
+          <a:gradFill>
+            <a:gsLst>
+              <a:gs pos="29000">
+                <a:srgbClr val="000000">
+                  <a:alpha val="0"/>
+                </a:srgbClr>
+              </a:gs>
+              <a:gs pos="100000">
+                <a:schemeClr val="accent1">
+                  <a:alpha val="43000"/>
+                </a:schemeClr>
+              </a:gs>
+            </a:gsLst>
+            <a:lin ang="1800000" scaled="0"/>
+          </a:gradFill>
+          <a:ln>
+            <a:noFill/>
+          </a:ln>
+        </p:spPr>
+        <p:style>
+          <a:lnRef idx="2">
+            <a:schemeClr val="accent1">
+              <a:shade val="50000"/>
+            </a:schemeClr>
+          </a:lnRef>
+          <a:fillRef idx="1">
+            <a:schemeClr val="accent1"/>
+          </a:fillRef>
+          <a:effectRef idx="0">
+            <a:schemeClr val="accent1"/>
+          </a:effectRef>
+          <a:fontRef idx="minor">
+            <a:schemeClr val="lt1"/>
+          </a:fontRef>
+        </p:style>
+        <p:txBody>
+          <a:bodyPr wrap="square" rtlCol="0" anchor="ctr">
+            <a:noAutofit/>
+          </a:bodyPr>
+          <a:lstStyle/>
+          <a:p>
+            <a:pPr algn="ctr"/>
+            <a:endParaRPr lang="en-US" dirty="0"/>
+          </a:p>
+        </p:txBody>
+      </p:sp>
+      <p:sp>
+        <p:nvSpPr>
+          <p:cNvPr id="51" name="Rectangle 50">
+            <a:extLst>
+              <a:ext uri="{FF2B5EF4-FFF2-40B4-BE49-F238E27FC236}">
+                <a16:creationId xmlns:a16="http://schemas.microsoft.com/office/drawing/2014/main" id="{443F2ACA-E6D6-4028-82DD-F03C262D5DE6}"/>
+              </a:ext>
+              <a:ext uri="{C183D7F6-B498-43B3-948B-1728B52AA6E4}">
+                <adec:decorative xmlns:adec="http://schemas.microsoft.com/office/drawing/2017/decorative" val="1"/>
+              </a:ext>
+            </a:extLst>
+          </p:cNvPr>
+          <p:cNvSpPr>
+            <a:spLocks noGrp="1" noRot="1" noChangeAspect="1" noMove="1" noResize="1" noEditPoints="1" noAdjustHandles="1" noChangeArrowheads="1" noChangeShapeType="1" noTextEdit="1"/>
+          </p:cNvSpPr>
+          <p:nvPr>
+            <p:extLst>
+              <p:ext uri="{386F3935-93C4-4BCD-93E2-E3B085C9AB24}">
+                <p16:designElem xmlns:p16="http://schemas.microsoft.com/office/powerpoint/2015/main" val="1"/>
+              </p:ext>
+            </p:extLst>
+          </p:nvPr>
+        </p:nvSpPr>
+        <p:spPr>
+          <a:xfrm rot="5400000" flipH="1">
+            <a:off x="-1410095" y="1410079"/>
+            <a:ext cx="6858003" cy="4037835"/>
+          </a:xfrm>
+          <a:prstGeom prst="rect">
+            <a:avLst/>
+          </a:prstGeom>
+          <a:gradFill>
+            <a:gsLst>
+              <a:gs pos="0">
+                <a:srgbClr val="000000">
+                  <a:alpha val="0"/>
+                </a:srgbClr>
+              </a:gs>
+              <a:gs pos="99000">
+                <a:schemeClr val="accent1">
+                  <a:lumMod val="60000"/>
+                  <a:lumOff val="40000"/>
+                  <a:alpha val="11000"/>
+                </a:schemeClr>
+              </a:gs>
+            </a:gsLst>
+            <a:lin ang="7200000" scaled="0"/>
+          </a:gradFill>
+          <a:ln>
+            <a:noFill/>
+          </a:ln>
+        </p:spPr>
+        <p:style>
+          <a:lnRef idx="2">
+            <a:schemeClr val="accent1">
+              <a:shade val="50000"/>
+            </a:schemeClr>
+          </a:lnRef>
+          <a:fillRef idx="1">
+            <a:schemeClr val="accent1"/>
+          </a:fillRef>
+          <a:effectRef idx="0">
+            <a:schemeClr val="accent1"/>
+          </a:effectRef>
+          <a:fontRef idx="minor">
+            <a:schemeClr val="lt1"/>
+          </a:fontRef>
+        </p:style>
+        <p:txBody>
+          <a:bodyPr rtlCol="0" anchor="ctr"/>
+          <a:lstStyle/>
+          <a:p>
+            <a:pPr algn="ctr"/>
+            <a:endParaRPr lang="en-US"/>
+          </a:p>
+        </p:txBody>
+      </p:sp>
+      <p:sp>
+        <p:nvSpPr>
+          <p:cNvPr id="2" name="Título 1">
+            <a:extLst>
+              <a:ext uri="{FF2B5EF4-FFF2-40B4-BE49-F238E27FC236}">
+                <a16:creationId xmlns:a16="http://schemas.microsoft.com/office/drawing/2014/main" id="{0B716DEC-18AA-F1D8-E1AE-023049CC613F}"/>
+              </a:ext>
+            </a:extLst>
+          </p:cNvPr>
+          <p:cNvSpPr>
+            <a:spLocks noGrp="1"/>
+          </p:cNvSpPr>
+          <p:nvPr>
+            <p:ph type="title"/>
+          </p:nvPr>
+        </p:nvSpPr>
+        <p:spPr>
+          <a:xfrm>
+            <a:off x="586478" y="1683756"/>
+            <a:ext cx="3115265" cy="2396359"/>
+          </a:xfrm>
+        </p:spPr>
+        <p:txBody>
+          <a:bodyPr anchor="b">
+            <a:normAutofit/>
+          </a:bodyPr>
+          <a:lstStyle/>
+          <a:p>
+            <a:pPr algn="r"/>
+            <a:r>
+              <a:rPr lang="es-BO" sz="3100" kern="100" dirty="0">
+                <a:solidFill>
+                  <a:srgbClr val="FFFFFF"/>
+                </a:solidFill>
+                <a:effectLst/>
+                <a:latin typeface="Calibri" panose="020F0502020204030204" pitchFamily="34" charset="0"/>
+                <a:ea typeface="Calibri" panose="020F0502020204030204" pitchFamily="34" charset="0"/>
+                <a:cs typeface="Times New Roman" panose="02020603050405020304" pitchFamily="18" charset="0"/>
+              </a:rPr>
+              <a:t>Drivers de Arquitectura</a:t>
+            </a:r>
+            <a:br>
+              <a:rPr lang="es-BO" sz="3100" kern="100" dirty="0">
+                <a:solidFill>
+                  <a:srgbClr val="FFFFFF"/>
+                </a:solidFill>
+                <a:effectLst/>
+                <a:latin typeface="Calibri" panose="020F0502020204030204" pitchFamily="34" charset="0"/>
+                <a:ea typeface="Calibri" panose="020F0502020204030204" pitchFamily="34" charset="0"/>
+                <a:cs typeface="Times New Roman" panose="02020603050405020304" pitchFamily="18" charset="0"/>
+              </a:rPr>
+            </a:br>
+            <a:r>
+              <a:rPr lang="es-BO" sz="1800" kern="100" dirty="0">
+                <a:solidFill>
+                  <a:schemeClr val="bg1"/>
+                </a:solidFill>
+                <a:effectLst/>
+                <a:latin typeface="Calibri" panose="020F0502020204030204" pitchFamily="34" charset="0"/>
+                <a:ea typeface="Calibri" panose="020F0502020204030204" pitchFamily="34" charset="0"/>
+                <a:cs typeface="Times New Roman" panose="02020603050405020304" pitchFamily="18" charset="0"/>
+              </a:rPr>
+              <a:t>Requerimientos funcionales</a:t>
+            </a:r>
+            <a:br>
+              <a:rPr lang="es-BO" sz="1800" kern="100" dirty="0">
+                <a:effectLst/>
+                <a:latin typeface="Calibri" panose="020F0502020204030204" pitchFamily="34" charset="0"/>
+                <a:ea typeface="Calibri" panose="020F0502020204030204" pitchFamily="34" charset="0"/>
+                <a:cs typeface="Times New Roman" panose="02020603050405020304" pitchFamily="18" charset="0"/>
+              </a:rPr>
+            </a:br>
+            <a:br>
+              <a:rPr lang="es-BO" sz="3100" kern="100" dirty="0">
+                <a:solidFill>
+                  <a:srgbClr val="FFFFFF"/>
+                </a:solidFill>
+                <a:effectLst/>
+                <a:latin typeface="Calibri" panose="020F0502020204030204" pitchFamily="34" charset="0"/>
+                <a:ea typeface="Calibri" panose="020F0502020204030204" pitchFamily="34" charset="0"/>
+                <a:cs typeface="Times New Roman" panose="02020603050405020304" pitchFamily="18" charset="0"/>
+              </a:rPr>
+            </a:br>
+            <a:endParaRPr lang="es-BO" sz="3100" dirty="0">
+              <a:solidFill>
+                <a:srgbClr val="FFFFFF"/>
+              </a:solidFill>
+            </a:endParaRPr>
+          </a:p>
+        </p:txBody>
+      </p:sp>
+      <p:graphicFrame>
+        <p:nvGraphicFramePr>
+          <p:cNvPr id="5" name="Marcador de contenido 4">
+            <a:extLst>
+              <a:ext uri="{FF2B5EF4-FFF2-40B4-BE49-F238E27FC236}">
+                <a16:creationId xmlns:a16="http://schemas.microsoft.com/office/drawing/2014/main" id="{C30E5626-CA9A-99C5-3D17-FAAD8C6F6BB3}"/>
+              </a:ext>
+            </a:extLst>
+          </p:cNvPr>
+          <p:cNvGraphicFramePr>
+            <a:graphicFrameLocks noGrp="1"/>
+          </p:cNvGraphicFramePr>
+          <p:nvPr>
+            <p:ph idx="1"/>
+            <p:extLst>
+              <p:ext uri="{D42A27DB-BD31-4B8C-83A1-F6EECF244321}">
+                <p14:modId xmlns:p14="http://schemas.microsoft.com/office/powerpoint/2010/main" val="2486896254"/>
+              </p:ext>
+            </p:extLst>
+          </p:nvPr>
+        </p:nvGraphicFramePr>
+        <p:xfrm>
+          <a:off x="4208834" y="639392"/>
+          <a:ext cx="7657741" cy="5768537"/>
+        </p:xfrm>
+        <a:graphic>
+          <a:graphicData uri="http://schemas.openxmlformats.org/drawingml/2006/table">
+            <a:tbl>
+              <a:tblPr firstRow="1" firstCol="1" bandRow="1">
+                <a:tableStyleId>{5C22544A-7EE6-4342-B048-85BDC9FD1C3A}</a:tableStyleId>
+              </a:tblPr>
+              <a:tblGrid>
+                <a:gridCol w="1162565">
+                  <a:extLst>
+                    <a:ext uri="{9D8B030D-6E8A-4147-A177-3AD203B41FA5}">
+                      <a16:colId xmlns:a16="http://schemas.microsoft.com/office/drawing/2014/main" val="3502448147"/>
+                    </a:ext>
+                  </a:extLst>
+                </a:gridCol>
+                <a:gridCol w="1657409">
+                  <a:extLst>
+                    <a:ext uri="{9D8B030D-6E8A-4147-A177-3AD203B41FA5}">
+                      <a16:colId xmlns:a16="http://schemas.microsoft.com/office/drawing/2014/main" val="406955442"/>
+                    </a:ext>
+                  </a:extLst>
+                </a:gridCol>
+                <a:gridCol w="4837767">
+                  <a:extLst>
+                    <a:ext uri="{9D8B030D-6E8A-4147-A177-3AD203B41FA5}">
+                      <a16:colId xmlns:a16="http://schemas.microsoft.com/office/drawing/2014/main" val="4060385819"/>
+                    </a:ext>
+                  </a:extLst>
+                </a:gridCol>
+              </a:tblGrid>
+              <a:tr h="313773">
+                <a:tc>
+                  <a:txBody>
+                    <a:bodyPr/>
+                    <a:lstStyle/>
+                    <a:p>
+                      <a:pPr>
+                        <a:lnSpc>
+                          <a:spcPct val="107000"/>
+                        </a:lnSpc>
+                        <a:spcAft>
+                          <a:spcPts val="800"/>
+                        </a:spcAft>
+                      </a:pPr>
+                      <a:r>
+                        <a:rPr lang="es-BO" sz="1200" kern="0">
+                          <a:effectLst/>
+                          <a:latin typeface="Calibri Light" panose="020F0302020204030204" pitchFamily="34" charset="0"/>
+                          <a:ea typeface="Calibri" panose="020F0502020204030204" pitchFamily="34" charset="0"/>
+                          <a:cs typeface="Times New Roman" panose="02020603050405020304" pitchFamily="18" charset="0"/>
+                        </a:rPr>
+                        <a:t>Identificador</a:t>
+                      </a:r>
+                      <a:endParaRPr lang="es-BO" sz="1800" kern="100">
+                        <a:effectLst/>
+                        <a:latin typeface="Calibri" panose="020F0502020204030204" pitchFamily="34" charset="0"/>
+                        <a:ea typeface="Calibri" panose="020F0502020204030204" pitchFamily="34" charset="0"/>
+                        <a:cs typeface="Times New Roman" panose="02020603050405020304" pitchFamily="18" charset="0"/>
+                      </a:endParaRPr>
+                    </a:p>
+                  </a:txBody>
+                  <a:tcPr marL="68580" marR="68580" marT="0" marB="0"/>
+                </a:tc>
+                <a:tc>
+                  <a:txBody>
+                    <a:bodyPr/>
+                    <a:lstStyle/>
+                    <a:p>
+                      <a:pPr>
+                        <a:lnSpc>
+                          <a:spcPct val="107000"/>
+                        </a:lnSpc>
+                        <a:spcAft>
+                          <a:spcPts val="800"/>
+                        </a:spcAft>
+                      </a:pPr>
+                      <a:r>
+                        <a:rPr lang="es-BO" sz="1200" kern="0">
+                          <a:effectLst/>
+                          <a:latin typeface="Calibri Light" panose="020F0302020204030204" pitchFamily="34" charset="0"/>
+                          <a:ea typeface="Calibri" panose="020F0502020204030204" pitchFamily="34" charset="0"/>
+                          <a:cs typeface="Times New Roman" panose="02020603050405020304" pitchFamily="18" charset="0"/>
+                        </a:rPr>
+                        <a:t>Título</a:t>
+                      </a:r>
+                      <a:endParaRPr lang="es-BO" sz="1800" kern="100">
+                        <a:effectLst/>
+                        <a:latin typeface="Calibri" panose="020F0502020204030204" pitchFamily="34" charset="0"/>
+                        <a:ea typeface="Calibri" panose="020F0502020204030204" pitchFamily="34" charset="0"/>
+                        <a:cs typeface="Times New Roman" panose="02020603050405020304" pitchFamily="18" charset="0"/>
+                      </a:endParaRPr>
+                    </a:p>
+                  </a:txBody>
+                  <a:tcPr marL="68580" marR="68580" marT="0" marB="0"/>
+                </a:tc>
+                <a:tc>
+                  <a:txBody>
+                    <a:bodyPr/>
+                    <a:lstStyle/>
+                    <a:p>
+                      <a:pPr>
+                        <a:lnSpc>
+                          <a:spcPct val="107000"/>
+                        </a:lnSpc>
+                        <a:spcAft>
+                          <a:spcPts val="800"/>
+                        </a:spcAft>
+                      </a:pPr>
+                      <a:r>
+                        <a:rPr lang="es-BO" sz="1200" kern="0">
+                          <a:effectLst/>
+                          <a:latin typeface="Calibri Light" panose="020F0302020204030204" pitchFamily="34" charset="0"/>
+                          <a:ea typeface="Calibri" panose="020F0502020204030204" pitchFamily="34" charset="0"/>
+                          <a:cs typeface="Times New Roman" panose="02020603050405020304" pitchFamily="18" charset="0"/>
+                        </a:rPr>
+                        <a:t>Descripción</a:t>
+                      </a:r>
+                      <a:endParaRPr lang="es-BO" sz="1800" kern="100">
+                        <a:effectLst/>
+                        <a:latin typeface="Calibri" panose="020F0502020204030204" pitchFamily="34" charset="0"/>
+                        <a:ea typeface="Calibri" panose="020F0502020204030204" pitchFamily="34" charset="0"/>
+                        <a:cs typeface="Times New Roman" panose="02020603050405020304" pitchFamily="18" charset="0"/>
+                      </a:endParaRPr>
+                    </a:p>
+                  </a:txBody>
+                  <a:tcPr marL="68580" marR="68580" marT="0" marB="0"/>
+                </a:tc>
+                <a:extLst>
+                  <a:ext uri="{0D108BD9-81ED-4DB2-BD59-A6C34878D82A}">
+                    <a16:rowId xmlns:a16="http://schemas.microsoft.com/office/drawing/2014/main" val="835357012"/>
+                  </a:ext>
+                </a:extLst>
+              </a:tr>
+              <a:tr h="258771">
+                <a:tc>
+                  <a:txBody>
+                    <a:bodyPr/>
+                    <a:lstStyle/>
+                    <a:p>
+                      <a:pPr>
+                        <a:lnSpc>
+                          <a:spcPct val="107000"/>
+                        </a:lnSpc>
+                        <a:spcAft>
+                          <a:spcPts val="800"/>
+                        </a:spcAft>
+                      </a:pPr>
+                      <a:r>
+                        <a:rPr lang="es-BO" sz="1200" kern="0">
+                          <a:effectLst/>
+                          <a:latin typeface="Calibri Light" panose="020F0302020204030204" pitchFamily="34" charset="0"/>
+                          <a:ea typeface="Calibri" panose="020F0502020204030204" pitchFamily="34" charset="0"/>
+                          <a:cs typeface="Times New Roman" panose="02020603050405020304" pitchFamily="18" charset="0"/>
+                        </a:rPr>
+                        <a:t>RQ-001</a:t>
+                      </a:r>
+                      <a:endParaRPr lang="es-BO" sz="1800" kern="100">
+                        <a:effectLst/>
+                        <a:latin typeface="Calibri" panose="020F0502020204030204" pitchFamily="34" charset="0"/>
+                        <a:ea typeface="Calibri" panose="020F0502020204030204" pitchFamily="34" charset="0"/>
+                        <a:cs typeface="Times New Roman" panose="02020603050405020304" pitchFamily="18" charset="0"/>
+                      </a:endParaRPr>
+                    </a:p>
+                  </a:txBody>
+                  <a:tcPr marL="68580" marR="68580" marT="0" marB="0"/>
+                </a:tc>
+                <a:tc>
+                  <a:txBody>
+                    <a:bodyPr/>
+                    <a:lstStyle/>
+                    <a:p>
+                      <a:pPr>
+                        <a:lnSpc>
+                          <a:spcPct val="107000"/>
+                        </a:lnSpc>
+                        <a:spcAft>
+                          <a:spcPts val="800"/>
+                        </a:spcAft>
+                      </a:pPr>
+                      <a:r>
+                        <a:rPr lang="es-BO" sz="1200" kern="0">
+                          <a:effectLst/>
+                          <a:latin typeface="Calibri Light" panose="020F0302020204030204" pitchFamily="34" charset="0"/>
+                          <a:ea typeface="Calibri" panose="020F0502020204030204" pitchFamily="34" charset="0"/>
+                          <a:cs typeface="Times New Roman" panose="02020603050405020304" pitchFamily="18" charset="0"/>
+                        </a:rPr>
+                        <a:t>Consulta de saldo</a:t>
+                      </a:r>
+                      <a:endParaRPr lang="es-BO" sz="1800" kern="100">
+                        <a:effectLst/>
+                        <a:latin typeface="Calibri" panose="020F0502020204030204" pitchFamily="34" charset="0"/>
+                        <a:ea typeface="Calibri" panose="020F0502020204030204" pitchFamily="34" charset="0"/>
+                        <a:cs typeface="Times New Roman" panose="02020603050405020304" pitchFamily="18" charset="0"/>
+                      </a:endParaRPr>
+                    </a:p>
+                  </a:txBody>
+                  <a:tcPr marL="68580" marR="68580" marT="0" marB="0"/>
+                </a:tc>
+                <a:tc>
+                  <a:txBody>
+                    <a:bodyPr/>
+                    <a:lstStyle/>
+                    <a:p>
+                      <a:pPr>
+                        <a:lnSpc>
+                          <a:spcPct val="107000"/>
+                        </a:lnSpc>
+                        <a:spcAft>
+                          <a:spcPts val="800"/>
+                        </a:spcAft>
+                      </a:pPr>
+                      <a:r>
+                        <a:rPr lang="es-BO" sz="1200" kern="0">
+                          <a:effectLst/>
+                          <a:latin typeface="Calibri Light" panose="020F0302020204030204" pitchFamily="34" charset="0"/>
+                          <a:ea typeface="Calibri" panose="020F0502020204030204" pitchFamily="34" charset="0"/>
+                          <a:cs typeface="Times New Roman" panose="02020603050405020304" pitchFamily="18" charset="0"/>
+                        </a:rPr>
+                        <a:t>Los clientes y usuarios deben poder consultar su saldo en cualquier momento</a:t>
+                      </a:r>
+                      <a:endParaRPr lang="es-BO" sz="1800" kern="100">
+                        <a:effectLst/>
+                        <a:latin typeface="Calibri" panose="020F0502020204030204" pitchFamily="34" charset="0"/>
+                        <a:ea typeface="Calibri" panose="020F0502020204030204" pitchFamily="34" charset="0"/>
+                        <a:cs typeface="Times New Roman" panose="02020603050405020304" pitchFamily="18" charset="0"/>
+                      </a:endParaRPr>
+                    </a:p>
+                  </a:txBody>
+                  <a:tcPr marL="68580" marR="68580" marT="0" marB="0"/>
+                </a:tc>
+                <a:extLst>
+                  <a:ext uri="{0D108BD9-81ED-4DB2-BD59-A6C34878D82A}">
+                    <a16:rowId xmlns:a16="http://schemas.microsoft.com/office/drawing/2014/main" val="3052516996"/>
+                  </a:ext>
+                </a:extLst>
+              </a:tr>
+              <a:tr h="800211">
+                <a:tc>
+                  <a:txBody>
+                    <a:bodyPr/>
+                    <a:lstStyle/>
+                    <a:p>
+                      <a:pPr>
+                        <a:lnSpc>
+                          <a:spcPct val="107000"/>
+                        </a:lnSpc>
+                        <a:spcAft>
+                          <a:spcPts val="800"/>
+                        </a:spcAft>
+                      </a:pPr>
+                      <a:r>
+                        <a:rPr lang="es-BO" sz="1200" kern="0">
+                          <a:effectLst/>
+                          <a:latin typeface="Calibri Light" panose="020F0302020204030204" pitchFamily="34" charset="0"/>
+                          <a:ea typeface="Calibri" panose="020F0502020204030204" pitchFamily="34" charset="0"/>
+                          <a:cs typeface="Times New Roman" panose="02020603050405020304" pitchFamily="18" charset="0"/>
+                        </a:rPr>
+                        <a:t>RQ-002</a:t>
+                      </a:r>
+                      <a:endParaRPr lang="es-BO" sz="1800" kern="100">
+                        <a:effectLst/>
+                        <a:latin typeface="Calibri" panose="020F0502020204030204" pitchFamily="34" charset="0"/>
+                        <a:ea typeface="Calibri" panose="020F0502020204030204" pitchFamily="34" charset="0"/>
+                        <a:cs typeface="Times New Roman" panose="02020603050405020304" pitchFamily="18" charset="0"/>
+                      </a:endParaRPr>
+                    </a:p>
+                  </a:txBody>
+                  <a:tcPr marL="68580" marR="68580" marT="0" marB="0"/>
+                </a:tc>
+                <a:tc>
+                  <a:txBody>
+                    <a:bodyPr/>
+                    <a:lstStyle/>
+                    <a:p>
+                      <a:pPr>
+                        <a:lnSpc>
+                          <a:spcPct val="107000"/>
+                        </a:lnSpc>
+                        <a:spcAft>
+                          <a:spcPts val="800"/>
+                        </a:spcAft>
+                      </a:pPr>
+                      <a:r>
+                        <a:rPr lang="es-BO" sz="1200" kern="0" dirty="0">
+                          <a:effectLst/>
+                          <a:latin typeface="Calibri Light" panose="020F0302020204030204" pitchFamily="34" charset="0"/>
+                          <a:ea typeface="Calibri" panose="020F0502020204030204" pitchFamily="34" charset="0"/>
+                          <a:cs typeface="Times New Roman" panose="02020603050405020304" pitchFamily="18" charset="0"/>
+                        </a:rPr>
+                        <a:t>Depósito de efectivo</a:t>
+                      </a:r>
+                      <a:endParaRPr lang="es-BO" sz="1800" kern="100" dirty="0">
+                        <a:effectLst/>
+                        <a:latin typeface="Calibri" panose="020F0502020204030204" pitchFamily="34" charset="0"/>
+                        <a:ea typeface="Calibri" panose="020F0502020204030204" pitchFamily="34" charset="0"/>
+                        <a:cs typeface="Times New Roman" panose="02020603050405020304" pitchFamily="18" charset="0"/>
+                      </a:endParaRPr>
+                    </a:p>
+                  </a:txBody>
+                  <a:tcPr marL="68580" marR="68580" marT="0" marB="0"/>
+                </a:tc>
+                <a:tc>
+                  <a:txBody>
+                    <a:bodyPr/>
+                    <a:lstStyle/>
+                    <a:p>
+                      <a:pPr>
+                        <a:lnSpc>
+                          <a:spcPct val="107000"/>
+                        </a:lnSpc>
+                        <a:spcAft>
+                          <a:spcPts val="800"/>
+                        </a:spcAft>
+                      </a:pPr>
+                      <a:r>
+                        <a:rPr lang="es-BO" sz="1200" kern="0">
+                          <a:effectLst/>
+                          <a:latin typeface="Calibri Light" panose="020F0302020204030204" pitchFamily="34" charset="0"/>
+                          <a:ea typeface="Calibri" panose="020F0502020204030204" pitchFamily="34" charset="0"/>
+                          <a:cs typeface="Times New Roman" panose="02020603050405020304" pitchFamily="18" charset="0"/>
+                        </a:rPr>
+                        <a:t>Los clientes y usuarios deberán poder depositar efectivo desde el cajero automático</a:t>
+                      </a:r>
+                      <a:endParaRPr lang="es-BO" sz="1800" kern="100">
+                        <a:effectLst/>
+                        <a:latin typeface="Calibri" panose="020F0502020204030204" pitchFamily="34" charset="0"/>
+                        <a:ea typeface="Calibri" panose="020F0502020204030204" pitchFamily="34" charset="0"/>
+                        <a:cs typeface="Times New Roman" panose="02020603050405020304" pitchFamily="18" charset="0"/>
+                      </a:endParaRPr>
+                    </a:p>
+                  </a:txBody>
+                  <a:tcPr marL="68580" marR="68580" marT="0" marB="0"/>
+                </a:tc>
+                <a:extLst>
+                  <a:ext uri="{0D108BD9-81ED-4DB2-BD59-A6C34878D82A}">
+                    <a16:rowId xmlns:a16="http://schemas.microsoft.com/office/drawing/2014/main" val="4266373055"/>
+                  </a:ext>
+                </a:extLst>
+              </a:tr>
+              <a:tr h="800211">
+                <a:tc>
+                  <a:txBody>
+                    <a:bodyPr/>
+                    <a:lstStyle/>
+                    <a:p>
+                      <a:pPr>
+                        <a:lnSpc>
+                          <a:spcPct val="107000"/>
+                        </a:lnSpc>
+                        <a:spcAft>
+                          <a:spcPts val="800"/>
+                        </a:spcAft>
+                      </a:pPr>
+                      <a:r>
+                        <a:rPr lang="es-BO" sz="1200" kern="0">
+                          <a:effectLst/>
+                          <a:latin typeface="Calibri Light" panose="020F0302020204030204" pitchFamily="34" charset="0"/>
+                          <a:ea typeface="Calibri" panose="020F0502020204030204" pitchFamily="34" charset="0"/>
+                          <a:cs typeface="Times New Roman" panose="02020603050405020304" pitchFamily="18" charset="0"/>
+                        </a:rPr>
+                        <a:t>RQ-003</a:t>
+                      </a:r>
+                      <a:endParaRPr lang="es-BO" sz="1800" kern="100">
+                        <a:effectLst/>
+                        <a:latin typeface="Calibri" panose="020F0502020204030204" pitchFamily="34" charset="0"/>
+                        <a:ea typeface="Calibri" panose="020F0502020204030204" pitchFamily="34" charset="0"/>
+                        <a:cs typeface="Times New Roman" panose="02020603050405020304" pitchFamily="18" charset="0"/>
+                      </a:endParaRPr>
+                    </a:p>
+                  </a:txBody>
+                  <a:tcPr marL="68580" marR="68580" marT="0" marB="0"/>
+                </a:tc>
+                <a:tc>
+                  <a:txBody>
+                    <a:bodyPr/>
+                    <a:lstStyle/>
+                    <a:p>
+                      <a:pPr>
+                        <a:lnSpc>
+                          <a:spcPct val="107000"/>
+                        </a:lnSpc>
+                        <a:spcAft>
+                          <a:spcPts val="800"/>
+                        </a:spcAft>
+                      </a:pPr>
+                      <a:r>
+                        <a:rPr lang="es-BO" sz="1200" kern="0">
+                          <a:effectLst/>
+                          <a:latin typeface="Calibri Light" panose="020F0302020204030204" pitchFamily="34" charset="0"/>
+                          <a:ea typeface="Calibri" panose="020F0502020204030204" pitchFamily="34" charset="0"/>
+                          <a:cs typeface="Times New Roman" panose="02020603050405020304" pitchFamily="18" charset="0"/>
+                        </a:rPr>
+                        <a:t>Transferencias</a:t>
+                      </a:r>
+                      <a:endParaRPr lang="es-BO" sz="1800" kern="100">
+                        <a:effectLst/>
+                        <a:latin typeface="Calibri" panose="020F0502020204030204" pitchFamily="34" charset="0"/>
+                        <a:ea typeface="Calibri" panose="020F0502020204030204" pitchFamily="34" charset="0"/>
+                        <a:cs typeface="Times New Roman" panose="02020603050405020304" pitchFamily="18" charset="0"/>
+                      </a:endParaRPr>
+                    </a:p>
+                  </a:txBody>
+                  <a:tcPr marL="68580" marR="68580" marT="0" marB="0"/>
+                </a:tc>
+                <a:tc>
+                  <a:txBody>
+                    <a:bodyPr/>
+                    <a:lstStyle/>
+                    <a:p>
+                      <a:pPr>
+                        <a:lnSpc>
+                          <a:spcPct val="107000"/>
+                        </a:lnSpc>
+                        <a:spcAft>
+                          <a:spcPts val="800"/>
+                        </a:spcAft>
+                      </a:pPr>
+                      <a:r>
+                        <a:rPr lang="es-BO" sz="1200" kern="0">
+                          <a:effectLst/>
+                          <a:latin typeface="Calibri Light" panose="020F0302020204030204" pitchFamily="34" charset="0"/>
+                          <a:ea typeface="Calibri" panose="020F0502020204030204" pitchFamily="34" charset="0"/>
+                          <a:cs typeface="Times New Roman" panose="02020603050405020304" pitchFamily="18" charset="0"/>
+                        </a:rPr>
+                        <a:t>Los clientes podrán transferir montos de sus cuentas hacia otras sin importar la moneda y considerando el tipo de cambio normal o preferencial</a:t>
+                      </a:r>
+                      <a:endParaRPr lang="es-BO" sz="1800" kern="100">
+                        <a:effectLst/>
+                        <a:latin typeface="Calibri" panose="020F0502020204030204" pitchFamily="34" charset="0"/>
+                        <a:ea typeface="Calibri" panose="020F0502020204030204" pitchFamily="34" charset="0"/>
+                        <a:cs typeface="Times New Roman" panose="02020603050405020304" pitchFamily="18" charset="0"/>
+                      </a:endParaRPr>
+                    </a:p>
+                  </a:txBody>
+                  <a:tcPr marL="68580" marR="68580" marT="0" marB="0"/>
+                </a:tc>
+                <a:extLst>
+                  <a:ext uri="{0D108BD9-81ED-4DB2-BD59-A6C34878D82A}">
+                    <a16:rowId xmlns:a16="http://schemas.microsoft.com/office/drawing/2014/main" val="1252734636"/>
+                  </a:ext>
+                </a:extLst>
+              </a:tr>
+              <a:tr h="800211">
+                <a:tc>
+                  <a:txBody>
+                    <a:bodyPr/>
+                    <a:lstStyle/>
+                    <a:p>
+                      <a:pPr>
+                        <a:lnSpc>
+                          <a:spcPct val="107000"/>
+                        </a:lnSpc>
+                        <a:spcAft>
+                          <a:spcPts val="800"/>
+                        </a:spcAft>
+                      </a:pPr>
+                      <a:r>
+                        <a:rPr lang="es-BO" sz="1200" kern="0">
+                          <a:effectLst/>
+                          <a:latin typeface="Calibri Light" panose="020F0302020204030204" pitchFamily="34" charset="0"/>
+                          <a:ea typeface="Calibri" panose="020F0502020204030204" pitchFamily="34" charset="0"/>
+                          <a:cs typeface="Times New Roman" panose="02020603050405020304" pitchFamily="18" charset="0"/>
+                        </a:rPr>
+                        <a:t>RQ-004</a:t>
+                      </a:r>
+                      <a:endParaRPr lang="es-BO" sz="1800" kern="100">
+                        <a:effectLst/>
+                        <a:latin typeface="Calibri" panose="020F0502020204030204" pitchFamily="34" charset="0"/>
+                        <a:ea typeface="Calibri" panose="020F0502020204030204" pitchFamily="34" charset="0"/>
+                        <a:cs typeface="Times New Roman" panose="02020603050405020304" pitchFamily="18" charset="0"/>
+                      </a:endParaRPr>
+                    </a:p>
+                  </a:txBody>
+                  <a:tcPr marL="68580" marR="68580" marT="0" marB="0"/>
+                </a:tc>
+                <a:tc>
+                  <a:txBody>
+                    <a:bodyPr/>
+                    <a:lstStyle/>
+                    <a:p>
+                      <a:pPr>
+                        <a:lnSpc>
+                          <a:spcPct val="107000"/>
+                        </a:lnSpc>
+                        <a:spcAft>
+                          <a:spcPts val="800"/>
+                        </a:spcAft>
+                      </a:pPr>
+                      <a:r>
+                        <a:rPr lang="es-BO" sz="1200" kern="0">
+                          <a:effectLst/>
+                          <a:latin typeface="Calibri Light" panose="020F0302020204030204" pitchFamily="34" charset="0"/>
+                          <a:ea typeface="Calibri" panose="020F0502020204030204" pitchFamily="34" charset="0"/>
+                          <a:cs typeface="Times New Roman" panose="02020603050405020304" pitchFamily="18" charset="0"/>
+                        </a:rPr>
+                        <a:t>Consulta de movimientos</a:t>
+                      </a:r>
+                      <a:endParaRPr lang="es-BO" sz="1800" kern="100">
+                        <a:effectLst/>
+                        <a:latin typeface="Calibri" panose="020F0502020204030204" pitchFamily="34" charset="0"/>
+                        <a:ea typeface="Calibri" panose="020F0502020204030204" pitchFamily="34" charset="0"/>
+                        <a:cs typeface="Times New Roman" panose="02020603050405020304" pitchFamily="18" charset="0"/>
+                      </a:endParaRPr>
+                    </a:p>
+                  </a:txBody>
+                  <a:tcPr marL="68580" marR="68580" marT="0" marB="0"/>
+                </a:tc>
+                <a:tc>
+                  <a:txBody>
+                    <a:bodyPr/>
+                    <a:lstStyle/>
+                    <a:p>
+                      <a:pPr>
+                        <a:lnSpc>
+                          <a:spcPct val="107000"/>
+                        </a:lnSpc>
+                        <a:spcAft>
+                          <a:spcPts val="800"/>
+                        </a:spcAft>
+                      </a:pPr>
+                      <a:r>
+                        <a:rPr lang="es-BO" sz="1200" kern="0">
+                          <a:effectLst/>
+                          <a:latin typeface="Calibri Light" panose="020F0302020204030204" pitchFamily="34" charset="0"/>
+                          <a:ea typeface="Calibri" panose="020F0502020204030204" pitchFamily="34" charset="0"/>
+                          <a:cs typeface="Times New Roman" panose="02020603050405020304" pitchFamily="18" charset="0"/>
+                        </a:rPr>
+                        <a:t>Los clientes podrán consultar los movimientos de sus cuentas </a:t>
+                      </a:r>
+                      <a:endParaRPr lang="es-BO" sz="1800" kern="100">
+                        <a:effectLst/>
+                        <a:latin typeface="Calibri" panose="020F0502020204030204" pitchFamily="34" charset="0"/>
+                        <a:ea typeface="Calibri" panose="020F0502020204030204" pitchFamily="34" charset="0"/>
+                        <a:cs typeface="Times New Roman" panose="02020603050405020304" pitchFamily="18" charset="0"/>
+                      </a:endParaRPr>
+                    </a:p>
+                  </a:txBody>
+                  <a:tcPr marL="68580" marR="68580" marT="0" marB="0"/>
+                </a:tc>
+                <a:extLst>
+                  <a:ext uri="{0D108BD9-81ED-4DB2-BD59-A6C34878D82A}">
+                    <a16:rowId xmlns:a16="http://schemas.microsoft.com/office/drawing/2014/main" val="4023603956"/>
+                  </a:ext>
+                </a:extLst>
+              </a:tr>
+              <a:tr h="800211">
+                <a:tc>
+                  <a:txBody>
+                    <a:bodyPr/>
+                    <a:lstStyle/>
+                    <a:p>
+                      <a:pPr>
+                        <a:lnSpc>
+                          <a:spcPct val="107000"/>
+                        </a:lnSpc>
+                        <a:spcAft>
+                          <a:spcPts val="800"/>
+                        </a:spcAft>
+                      </a:pPr>
+                      <a:r>
+                        <a:rPr lang="es-BO" sz="1200" kern="0">
+                          <a:effectLst/>
+                          <a:latin typeface="Calibri Light" panose="020F0302020204030204" pitchFamily="34" charset="0"/>
+                          <a:ea typeface="Calibri" panose="020F0502020204030204" pitchFamily="34" charset="0"/>
+                          <a:cs typeface="Times New Roman" panose="02020603050405020304" pitchFamily="18" charset="0"/>
+                        </a:rPr>
+                        <a:t>RQ-005</a:t>
+                      </a:r>
+                      <a:endParaRPr lang="es-BO" sz="1800" kern="100">
+                        <a:effectLst/>
+                        <a:latin typeface="Calibri" panose="020F0502020204030204" pitchFamily="34" charset="0"/>
+                        <a:ea typeface="Calibri" panose="020F0502020204030204" pitchFamily="34" charset="0"/>
+                        <a:cs typeface="Times New Roman" panose="02020603050405020304" pitchFamily="18" charset="0"/>
+                      </a:endParaRPr>
+                    </a:p>
+                  </a:txBody>
+                  <a:tcPr marL="68580" marR="68580" marT="0" marB="0"/>
+                </a:tc>
+                <a:tc>
+                  <a:txBody>
+                    <a:bodyPr/>
+                    <a:lstStyle/>
+                    <a:p>
+                      <a:pPr>
+                        <a:lnSpc>
+                          <a:spcPct val="107000"/>
+                        </a:lnSpc>
+                        <a:spcAft>
+                          <a:spcPts val="800"/>
+                        </a:spcAft>
+                      </a:pPr>
+                      <a:r>
+                        <a:rPr lang="es-BO" sz="1200" kern="0">
+                          <a:effectLst/>
+                          <a:latin typeface="Calibri Light" panose="020F0302020204030204" pitchFamily="34" charset="0"/>
+                          <a:ea typeface="Calibri" panose="020F0502020204030204" pitchFamily="34" charset="0"/>
+                          <a:cs typeface="Times New Roman" panose="02020603050405020304" pitchFamily="18" charset="0"/>
+                        </a:rPr>
+                        <a:t>Retiro de efectivo</a:t>
+                      </a:r>
+                      <a:endParaRPr lang="es-BO" sz="1800" kern="100">
+                        <a:effectLst/>
+                        <a:latin typeface="Calibri" panose="020F0502020204030204" pitchFamily="34" charset="0"/>
+                        <a:ea typeface="Calibri" panose="020F0502020204030204" pitchFamily="34" charset="0"/>
+                        <a:cs typeface="Times New Roman" panose="02020603050405020304" pitchFamily="18" charset="0"/>
+                      </a:endParaRPr>
+                    </a:p>
+                  </a:txBody>
+                  <a:tcPr marL="68580" marR="68580" marT="0" marB="0"/>
+                </a:tc>
+                <a:tc>
+                  <a:txBody>
+                    <a:bodyPr/>
+                    <a:lstStyle/>
+                    <a:p>
+                      <a:pPr>
+                        <a:lnSpc>
+                          <a:spcPct val="107000"/>
+                        </a:lnSpc>
+                        <a:spcAft>
+                          <a:spcPts val="800"/>
+                        </a:spcAft>
+                      </a:pPr>
+                      <a:r>
+                        <a:rPr lang="es-BO" sz="1200" kern="0">
+                          <a:effectLst/>
+                          <a:latin typeface="Calibri Light" panose="020F0302020204030204" pitchFamily="34" charset="0"/>
+                          <a:ea typeface="Calibri" panose="020F0502020204030204" pitchFamily="34" charset="0"/>
+                          <a:cs typeface="Times New Roman" panose="02020603050405020304" pitchFamily="18" charset="0"/>
+                        </a:rPr>
+                        <a:t>Los clientes podrán retirar efectivo de los cajeros automáticos en la moneda que prefieran considerando el tipo de cambio normal o preferencial</a:t>
+                      </a:r>
+                      <a:endParaRPr lang="es-BO" sz="1800" kern="100">
+                        <a:effectLst/>
+                        <a:latin typeface="Calibri" panose="020F0502020204030204" pitchFamily="34" charset="0"/>
+                        <a:ea typeface="Calibri" panose="020F0502020204030204" pitchFamily="34" charset="0"/>
+                        <a:cs typeface="Times New Roman" panose="02020603050405020304" pitchFamily="18" charset="0"/>
+                      </a:endParaRPr>
+                    </a:p>
+                  </a:txBody>
+                  <a:tcPr marL="68580" marR="68580" marT="0" marB="0"/>
+                </a:tc>
+                <a:extLst>
+                  <a:ext uri="{0D108BD9-81ED-4DB2-BD59-A6C34878D82A}">
+                    <a16:rowId xmlns:a16="http://schemas.microsoft.com/office/drawing/2014/main" val="1998743463"/>
+                  </a:ext>
+                </a:extLst>
+              </a:tr>
+              <a:tr h="1070931">
+                <a:tc>
+                  <a:txBody>
+                    <a:bodyPr/>
+                    <a:lstStyle/>
+                    <a:p>
+                      <a:pPr>
+                        <a:lnSpc>
+                          <a:spcPct val="107000"/>
+                        </a:lnSpc>
+                        <a:spcAft>
+                          <a:spcPts val="800"/>
+                        </a:spcAft>
+                      </a:pPr>
+                      <a:r>
+                        <a:rPr lang="es-BO" sz="1200" kern="0">
+                          <a:effectLst/>
+                          <a:latin typeface="Calibri Light" panose="020F0302020204030204" pitchFamily="34" charset="0"/>
+                          <a:ea typeface="Calibri" panose="020F0502020204030204" pitchFamily="34" charset="0"/>
+                          <a:cs typeface="Times New Roman" panose="02020603050405020304" pitchFamily="18" charset="0"/>
+                        </a:rPr>
+                        <a:t>Identificador</a:t>
+                      </a:r>
+                      <a:endParaRPr lang="es-BO" sz="1800" kern="100">
+                        <a:effectLst/>
+                        <a:latin typeface="Calibri" panose="020F0502020204030204" pitchFamily="34" charset="0"/>
+                        <a:ea typeface="Calibri" panose="020F0502020204030204" pitchFamily="34" charset="0"/>
+                        <a:cs typeface="Times New Roman" panose="02020603050405020304" pitchFamily="18" charset="0"/>
+                      </a:endParaRPr>
+                    </a:p>
+                  </a:txBody>
+                  <a:tcPr marL="68580" marR="68580" marT="0" marB="0"/>
+                </a:tc>
+                <a:tc>
+                  <a:txBody>
+                    <a:bodyPr/>
+                    <a:lstStyle/>
+                    <a:p>
+                      <a:pPr>
+                        <a:lnSpc>
+                          <a:spcPct val="107000"/>
+                        </a:lnSpc>
+                        <a:spcAft>
+                          <a:spcPts val="800"/>
+                        </a:spcAft>
+                      </a:pPr>
+                      <a:r>
+                        <a:rPr lang="es-BO" sz="1200" kern="0">
+                          <a:effectLst/>
+                          <a:latin typeface="Calibri Light" panose="020F0302020204030204" pitchFamily="34" charset="0"/>
+                          <a:ea typeface="Calibri" panose="020F0502020204030204" pitchFamily="34" charset="0"/>
+                          <a:cs typeface="Times New Roman" panose="02020603050405020304" pitchFamily="18" charset="0"/>
+                        </a:rPr>
+                        <a:t>Título</a:t>
+                      </a:r>
+                      <a:endParaRPr lang="es-BO" sz="1800" kern="100">
+                        <a:effectLst/>
+                        <a:latin typeface="Calibri" panose="020F0502020204030204" pitchFamily="34" charset="0"/>
+                        <a:ea typeface="Calibri" panose="020F0502020204030204" pitchFamily="34" charset="0"/>
+                        <a:cs typeface="Times New Roman" panose="02020603050405020304" pitchFamily="18" charset="0"/>
+                      </a:endParaRPr>
+                    </a:p>
+                  </a:txBody>
+                  <a:tcPr marL="68580" marR="68580" marT="0" marB="0"/>
+                </a:tc>
+                <a:tc>
+                  <a:txBody>
+                    <a:bodyPr/>
+                    <a:lstStyle/>
+                    <a:p>
+                      <a:pPr>
+                        <a:lnSpc>
+                          <a:spcPct val="107000"/>
+                        </a:lnSpc>
+                        <a:spcAft>
+                          <a:spcPts val="800"/>
+                        </a:spcAft>
+                      </a:pPr>
+                      <a:r>
+                        <a:rPr lang="es-BO" sz="1200" kern="0">
+                          <a:effectLst/>
+                          <a:latin typeface="Calibri Light" panose="020F0302020204030204" pitchFamily="34" charset="0"/>
+                          <a:ea typeface="Calibri" panose="020F0502020204030204" pitchFamily="34" charset="0"/>
+                          <a:cs typeface="Times New Roman" panose="02020603050405020304" pitchFamily="18" charset="0"/>
+                        </a:rPr>
+                        <a:t>Descripción</a:t>
+                      </a:r>
+                      <a:endParaRPr lang="es-BO" sz="1800" kern="100">
+                        <a:effectLst/>
+                        <a:latin typeface="Calibri" panose="020F0502020204030204" pitchFamily="34" charset="0"/>
+                        <a:ea typeface="Calibri" panose="020F0502020204030204" pitchFamily="34" charset="0"/>
+                        <a:cs typeface="Times New Roman" panose="02020603050405020304" pitchFamily="18" charset="0"/>
+                      </a:endParaRPr>
+                    </a:p>
+                  </a:txBody>
+                  <a:tcPr marL="68580" marR="68580" marT="0" marB="0"/>
+                </a:tc>
+                <a:extLst>
+                  <a:ext uri="{0D108BD9-81ED-4DB2-BD59-A6C34878D82A}">
+                    <a16:rowId xmlns:a16="http://schemas.microsoft.com/office/drawing/2014/main" val="1514969755"/>
+                  </a:ext>
+                </a:extLst>
+              </a:tr>
+              <a:tr h="800211">
+                <a:tc>
+                  <a:txBody>
+                    <a:bodyPr/>
+                    <a:lstStyle/>
+                    <a:p>
+                      <a:pPr>
+                        <a:lnSpc>
+                          <a:spcPct val="107000"/>
+                        </a:lnSpc>
+                        <a:spcAft>
+                          <a:spcPts val="800"/>
+                        </a:spcAft>
+                      </a:pPr>
+                      <a:r>
+                        <a:rPr lang="es-BO" sz="1200" kern="0">
+                          <a:effectLst/>
+                          <a:latin typeface="Calibri Light" panose="020F0302020204030204" pitchFamily="34" charset="0"/>
+                          <a:ea typeface="Calibri" panose="020F0502020204030204" pitchFamily="34" charset="0"/>
+                          <a:cs typeface="Times New Roman" panose="02020603050405020304" pitchFamily="18" charset="0"/>
+                        </a:rPr>
+                        <a:t>RQ-001</a:t>
+                      </a:r>
+                      <a:endParaRPr lang="es-BO" sz="1800" kern="100">
+                        <a:effectLst/>
+                        <a:latin typeface="Calibri" panose="020F0502020204030204" pitchFamily="34" charset="0"/>
+                        <a:ea typeface="Calibri" panose="020F0502020204030204" pitchFamily="34" charset="0"/>
+                        <a:cs typeface="Times New Roman" panose="02020603050405020304" pitchFamily="18" charset="0"/>
+                      </a:endParaRPr>
+                    </a:p>
+                  </a:txBody>
+                  <a:tcPr marL="68580" marR="68580" marT="0" marB="0"/>
+                </a:tc>
+                <a:tc>
+                  <a:txBody>
+                    <a:bodyPr/>
+                    <a:lstStyle/>
+                    <a:p>
+                      <a:pPr>
+                        <a:lnSpc>
+                          <a:spcPct val="107000"/>
+                        </a:lnSpc>
+                        <a:spcAft>
+                          <a:spcPts val="800"/>
+                        </a:spcAft>
+                      </a:pPr>
+                      <a:r>
+                        <a:rPr lang="es-BO" sz="1200" kern="0">
+                          <a:effectLst/>
+                          <a:latin typeface="Calibri Light" panose="020F0302020204030204" pitchFamily="34" charset="0"/>
+                          <a:ea typeface="Calibri" panose="020F0502020204030204" pitchFamily="34" charset="0"/>
+                          <a:cs typeface="Times New Roman" panose="02020603050405020304" pitchFamily="18" charset="0"/>
+                        </a:rPr>
+                        <a:t>Consulta de saldo</a:t>
+                      </a:r>
+                      <a:endParaRPr lang="es-BO" sz="1800" kern="100">
+                        <a:effectLst/>
+                        <a:latin typeface="Calibri" panose="020F0502020204030204" pitchFamily="34" charset="0"/>
+                        <a:ea typeface="Calibri" panose="020F0502020204030204" pitchFamily="34" charset="0"/>
+                        <a:cs typeface="Times New Roman" panose="02020603050405020304" pitchFamily="18" charset="0"/>
+                      </a:endParaRPr>
+                    </a:p>
+                  </a:txBody>
+                  <a:tcPr marL="68580" marR="68580" marT="0" marB="0"/>
+                </a:tc>
+                <a:tc>
+                  <a:txBody>
+                    <a:bodyPr/>
+                    <a:lstStyle/>
+                    <a:p>
+                      <a:pPr>
+                        <a:lnSpc>
+                          <a:spcPct val="107000"/>
+                        </a:lnSpc>
+                        <a:spcAft>
+                          <a:spcPts val="800"/>
+                        </a:spcAft>
+                      </a:pPr>
+                      <a:r>
+                        <a:rPr lang="es-BO" sz="1200" kern="0" dirty="0">
+                          <a:effectLst/>
+                          <a:latin typeface="Calibri Light" panose="020F0302020204030204" pitchFamily="34" charset="0"/>
+                          <a:ea typeface="Calibri" panose="020F0502020204030204" pitchFamily="34" charset="0"/>
+                          <a:cs typeface="Times New Roman" panose="02020603050405020304" pitchFamily="18" charset="0"/>
+                        </a:rPr>
+                        <a:t>Los clientes y usuarios deben poder consultar su saldo en cualquier momento</a:t>
+                      </a:r>
+                      <a:endParaRPr lang="es-BO" sz="1800" kern="100" dirty="0">
+                        <a:effectLst/>
+                        <a:latin typeface="Calibri" panose="020F0502020204030204" pitchFamily="34" charset="0"/>
+                        <a:ea typeface="Calibri" panose="020F0502020204030204" pitchFamily="34" charset="0"/>
+                        <a:cs typeface="Times New Roman" panose="02020603050405020304" pitchFamily="18" charset="0"/>
+                      </a:endParaRPr>
+                    </a:p>
+                  </a:txBody>
+                  <a:tcPr marL="68580" marR="68580" marT="0" marB="0"/>
+                </a:tc>
+                <a:extLst>
+                  <a:ext uri="{0D108BD9-81ED-4DB2-BD59-A6C34878D82A}">
+                    <a16:rowId xmlns:a16="http://schemas.microsoft.com/office/drawing/2014/main" val="856416514"/>
+                  </a:ext>
+                </a:extLst>
+              </a:tr>
+            </a:tbl>
+          </a:graphicData>
+        </a:graphic>
+      </p:graphicFrame>
+    </p:spTree>
+    <p:extLst>
+      <p:ext uri="{BB962C8B-B14F-4D97-AF65-F5344CB8AC3E}">
+        <p14:creationId xmlns:p14="http://schemas.microsoft.com/office/powerpoint/2010/main" val="2585386771"/>
+      </p:ext>
+    </p:extLst>
+  </p:cSld>
+  <p:clrMapOvr>
+    <a:masterClrMapping/>
+  </p:clrMapOvr>
+</p:sld>
+</file>
+
+<file path=ppt/slides/slide7.xml><?xml version="1.0" encoding="utf-8"?>
+<p:sld xmlns:a="http://schemas.openxmlformats.org/drawingml/2006/main" xmlns:r="http://schemas.openxmlformats.org/officeDocument/2006/relationships" xmlns:p="http://schemas.openxmlformats.org/presentationml/2006/main">
+  <p:cSld>
+    <p:bg>
+      <p:bgPr>
+        <a:solidFill>
+          <a:schemeClr val="bg1"/>
+        </a:solidFill>
+        <a:effectLst/>
+      </p:bgPr>
+    </p:bg>
+    <p:spTree>
+      <p:nvGrpSpPr>
+        <p:cNvPr id="1" name=""/>
+        <p:cNvGrpSpPr/>
+        <p:nvPr/>
+      </p:nvGrpSpPr>
+      <p:grpSpPr>
+        <a:xfrm>
+          <a:off x="0" y="0"/>
+          <a:ext cx="0" cy="0"/>
+          <a:chOff x="0" y="0"/>
+          <a:chExt cx="0" cy="0"/>
+        </a:xfrm>
+      </p:grpSpPr>
+      <p:sp useBgFill="1">
+        <p:nvSpPr>
           <p:cNvPr id="41" name="Rectangle 40">
             <a:extLst>
               <a:ext uri="{FF2B5EF4-FFF2-40B4-BE49-F238E27FC236}">
@@ -16818,682 +20302,7 @@
 </p:sld>
 </file>
 
-<file path=ppt/slides/slide5.xml><?xml version="1.0" encoding="utf-8"?>
-<p:sld xmlns:a="http://schemas.openxmlformats.org/drawingml/2006/main" xmlns:r="http://schemas.openxmlformats.org/officeDocument/2006/relationships" xmlns:p="http://schemas.openxmlformats.org/presentationml/2006/main">
-  <p:cSld>
-    <p:bg>
-      <p:bgPr>
-        <a:solidFill>
-          <a:schemeClr val="bg1"/>
-        </a:solidFill>
-        <a:effectLst/>
-      </p:bgPr>
-    </p:bg>
-    <p:spTree>
-      <p:nvGrpSpPr>
-        <p:cNvPr id="1" name=""/>
-        <p:cNvGrpSpPr/>
-        <p:nvPr/>
-      </p:nvGrpSpPr>
-      <p:grpSpPr>
-        <a:xfrm>
-          <a:off x="0" y="0"/>
-          <a:ext cx="0" cy="0"/>
-          <a:chOff x="0" y="0"/>
-          <a:chExt cx="0" cy="0"/>
-        </a:xfrm>
-      </p:grpSpPr>
-      <p:sp useBgFill="1">
-        <p:nvSpPr>
-          <p:cNvPr id="41" name="Rectangle 40">
-            <a:extLst>
-              <a:ext uri="{FF2B5EF4-FFF2-40B4-BE49-F238E27FC236}">
-                <a16:creationId xmlns:a16="http://schemas.microsoft.com/office/drawing/2014/main" id="{BACC6370-2D7E-4714-9D71-7542949D7D5D}"/>
-              </a:ext>
-              <a:ext uri="{C183D7F6-B498-43B3-948B-1728B52AA6E4}">
-                <adec:decorative xmlns:adec="http://schemas.microsoft.com/office/drawing/2017/decorative" val="1"/>
-              </a:ext>
-            </a:extLst>
-          </p:cNvPr>
-          <p:cNvSpPr>
-            <a:spLocks noGrp="1" noRot="1" noChangeAspect="1" noMove="1" noResize="1" noEditPoints="1" noAdjustHandles="1" noChangeArrowheads="1" noChangeShapeType="1" noTextEdit="1"/>
-          </p:cNvSpPr>
-          <p:nvPr>
-            <p:extLst>
-              <p:ext uri="{386F3935-93C4-4BCD-93E2-E3B085C9AB24}">
-                <p16:designElem xmlns:p16="http://schemas.microsoft.com/office/powerpoint/2015/main" val="1"/>
-              </p:ext>
-            </p:extLst>
-          </p:nvPr>
-        </p:nvSpPr>
-        <p:spPr>
-          <a:xfrm>
-            <a:off x="0" y="0"/>
-            <a:ext cx="12192000" cy="6858000"/>
-          </a:xfrm>
-          <a:prstGeom prst="rect">
-            <a:avLst/>
-          </a:prstGeom>
-          <a:ln w="12700" cap="flat" cmpd="sng" algn="ctr">
-            <a:noFill/>
-            <a:prstDash val="solid"/>
-            <a:miter lim="800000"/>
-          </a:ln>
-          <a:effectLst/>
-          <a:extLst>
-            <a:ext uri="{91240B29-F687-4F45-9708-019B960494DF}">
-              <a14:hiddenLine xmlns:a14="http://schemas.microsoft.com/office/drawing/2010/main" w="12700" cap="flat" cmpd="sng" algn="ctr">
-                <a:solidFill>
-                  <a:schemeClr val="accent1">
-                    <a:shade val="50000"/>
-                  </a:schemeClr>
-                </a:solidFill>
-                <a:prstDash val="solid"/>
-                <a:miter lim="800000"/>
-              </a14:hiddenLine>
-            </a:ext>
-          </a:extLst>
-        </p:spPr>
-        <p:style>
-          <a:lnRef idx="2">
-            <a:schemeClr val="accent1">
-              <a:shade val="50000"/>
-            </a:schemeClr>
-          </a:lnRef>
-          <a:fillRef idx="1">
-            <a:schemeClr val="accent1"/>
-          </a:fillRef>
-          <a:effectRef idx="0">
-            <a:schemeClr val="accent1"/>
-          </a:effectRef>
-          <a:fontRef idx="minor">
-            <a:schemeClr val="lt1"/>
-          </a:fontRef>
-        </p:style>
-        <p:txBody>
-          <a:bodyPr rtlCol="0" anchor="ctr"/>
-          <a:lstStyle/>
-          <a:p>
-            <a:pPr algn="ctr"/>
-            <a:endParaRPr lang="en-US"/>
-          </a:p>
-        </p:txBody>
-      </p:sp>
-      <p:sp>
-        <p:nvSpPr>
-          <p:cNvPr id="43" name="Rectangle 42">
-            <a:extLst>
-              <a:ext uri="{FF2B5EF4-FFF2-40B4-BE49-F238E27FC236}">
-                <a16:creationId xmlns:a16="http://schemas.microsoft.com/office/drawing/2014/main" id="{256B2C21-A230-48C0-8DF1-C46611373C44}"/>
-              </a:ext>
-              <a:ext uri="{C183D7F6-B498-43B3-948B-1728B52AA6E4}">
-                <adec:decorative xmlns:adec="http://schemas.microsoft.com/office/drawing/2017/decorative" val="1"/>
-              </a:ext>
-            </a:extLst>
-          </p:cNvPr>
-          <p:cNvSpPr>
-            <a:spLocks noGrp="1" noRot="1" noChangeAspect="1" noMove="1" noResize="1" noEditPoints="1" noAdjustHandles="1" noChangeArrowheads="1" noChangeShapeType="1" noTextEdit="1"/>
-          </p:cNvSpPr>
-          <p:nvPr>
-            <p:extLst>
-              <p:ext uri="{386F3935-93C4-4BCD-93E2-E3B085C9AB24}">
-                <p16:designElem xmlns:p16="http://schemas.microsoft.com/office/powerpoint/2015/main" val="1"/>
-              </p:ext>
-            </p:extLst>
-          </p:nvPr>
-        </p:nvSpPr>
-        <p:spPr>
-          <a:xfrm rot="5400000" flipH="1">
-            <a:off x="-1410084" y="1410082"/>
-            <a:ext cx="6858000" cy="4037836"/>
-          </a:xfrm>
-          <a:prstGeom prst="rect">
-            <a:avLst/>
-          </a:prstGeom>
-          <a:gradFill>
-            <a:gsLst>
-              <a:gs pos="8000">
-                <a:srgbClr val="000000"/>
-              </a:gs>
-              <a:gs pos="100000">
-                <a:schemeClr val="accent1">
-                  <a:lumMod val="75000"/>
-                </a:schemeClr>
-              </a:gs>
-            </a:gsLst>
-            <a:lin ang="3000000" scaled="0"/>
-          </a:gradFill>
-          <a:ln>
-            <a:noFill/>
-          </a:ln>
-        </p:spPr>
-        <p:style>
-          <a:lnRef idx="2">
-            <a:schemeClr val="accent1">
-              <a:shade val="50000"/>
-            </a:schemeClr>
-          </a:lnRef>
-          <a:fillRef idx="1">
-            <a:schemeClr val="accent1"/>
-          </a:fillRef>
-          <a:effectRef idx="0">
-            <a:schemeClr val="accent1"/>
-          </a:effectRef>
-          <a:fontRef idx="minor">
-            <a:schemeClr val="lt1"/>
-          </a:fontRef>
-        </p:style>
-        <p:txBody>
-          <a:bodyPr rtlCol="0" anchor="ctr"/>
-          <a:lstStyle/>
-          <a:p>
-            <a:pPr algn="ctr"/>
-            <a:endParaRPr lang="en-US"/>
-          </a:p>
-        </p:txBody>
-      </p:sp>
-      <p:sp>
-        <p:nvSpPr>
-          <p:cNvPr id="45" name="Rectangle 44">
-            <a:extLst>
-              <a:ext uri="{FF2B5EF4-FFF2-40B4-BE49-F238E27FC236}">
-                <a16:creationId xmlns:a16="http://schemas.microsoft.com/office/drawing/2014/main" id="{3847E18C-932D-4C95-AABA-FEC7C9499AD7}"/>
-              </a:ext>
-              <a:ext uri="{C183D7F6-B498-43B3-948B-1728B52AA6E4}">
-                <adec:decorative xmlns:adec="http://schemas.microsoft.com/office/drawing/2017/decorative" val="1"/>
-              </a:ext>
-            </a:extLst>
-          </p:cNvPr>
-          <p:cNvSpPr>
-            <a:spLocks noGrp="1" noRot="1" noChangeAspect="1" noMove="1" noResize="1" noEditPoints="1" noAdjustHandles="1" noChangeArrowheads="1" noChangeShapeType="1" noTextEdit="1"/>
-          </p:cNvSpPr>
-          <p:nvPr>
-            <p:extLst>
-              <p:ext uri="{386F3935-93C4-4BCD-93E2-E3B085C9AB24}">
-                <p16:designElem xmlns:p16="http://schemas.microsoft.com/office/powerpoint/2015/main" val="1"/>
-              </p:ext>
-            </p:extLst>
-          </p:nvPr>
-        </p:nvSpPr>
-        <p:spPr>
-          <a:xfrm rot="5400000" flipH="1">
-            <a:off x="-1410085" y="1420219"/>
-            <a:ext cx="6857999" cy="4037839"/>
-          </a:xfrm>
-          <a:prstGeom prst="rect">
-            <a:avLst/>
-          </a:prstGeom>
-          <a:gradFill>
-            <a:gsLst>
-              <a:gs pos="0">
-                <a:srgbClr val="000000">
-                  <a:alpha val="0"/>
-                </a:srgbClr>
-              </a:gs>
-              <a:gs pos="99000">
-                <a:schemeClr val="accent1">
-                  <a:alpha val="46000"/>
-                </a:schemeClr>
-              </a:gs>
-            </a:gsLst>
-            <a:lin ang="1800000" scaled="0"/>
-          </a:gradFill>
-          <a:ln>
-            <a:noFill/>
-          </a:ln>
-        </p:spPr>
-        <p:style>
-          <a:lnRef idx="2">
-            <a:schemeClr val="accent1">
-              <a:shade val="50000"/>
-            </a:schemeClr>
-          </a:lnRef>
-          <a:fillRef idx="1">
-            <a:schemeClr val="accent1"/>
-          </a:fillRef>
-          <a:effectRef idx="0">
-            <a:schemeClr val="accent1"/>
-          </a:effectRef>
-          <a:fontRef idx="minor">
-            <a:schemeClr val="lt1"/>
-          </a:fontRef>
-        </p:style>
-        <p:txBody>
-          <a:bodyPr rtlCol="0" anchor="ctr"/>
-          <a:lstStyle/>
-          <a:p>
-            <a:pPr algn="ctr"/>
-            <a:endParaRPr lang="en-US"/>
-          </a:p>
-        </p:txBody>
-      </p:sp>
-      <p:sp>
-        <p:nvSpPr>
-          <p:cNvPr id="47" name="Rectangle 46">
-            <a:extLst>
-              <a:ext uri="{FF2B5EF4-FFF2-40B4-BE49-F238E27FC236}">
-                <a16:creationId xmlns:a16="http://schemas.microsoft.com/office/drawing/2014/main" id="{3150CB11-0C61-439E-910F-5787759E72A0}"/>
-              </a:ext>
-              <a:ext uri="{C183D7F6-B498-43B3-948B-1728B52AA6E4}">
-                <adec:decorative xmlns:adec="http://schemas.microsoft.com/office/drawing/2017/decorative" val="1"/>
-              </a:ext>
-            </a:extLst>
-          </p:cNvPr>
-          <p:cNvSpPr>
-            <a:spLocks noGrp="1" noRot="1" noChangeAspect="1" noMove="1" noResize="1" noEditPoints="1" noAdjustHandles="1" noChangeArrowheads="1" noChangeShapeType="1" noTextEdit="1"/>
-          </p:cNvSpPr>
-          <p:nvPr>
-            <p:extLst>
-              <p:ext uri="{386F3935-93C4-4BCD-93E2-E3B085C9AB24}">
-                <p16:designElem xmlns:p16="http://schemas.microsoft.com/office/powerpoint/2015/main" val="1"/>
-              </p:ext>
-            </p:extLst>
-          </p:nvPr>
-        </p:nvSpPr>
-        <p:spPr>
-          <a:xfrm rot="5400000" flipH="1">
-            <a:off x="767923" y="3588085"/>
-            <a:ext cx="2501979" cy="4037841"/>
-          </a:xfrm>
-          <a:prstGeom prst="rect">
-            <a:avLst/>
-          </a:prstGeom>
-          <a:gradFill>
-            <a:gsLst>
-              <a:gs pos="2000">
-                <a:schemeClr val="accent1">
-                  <a:alpha val="29000"/>
-                </a:schemeClr>
-              </a:gs>
-              <a:gs pos="100000">
-                <a:srgbClr val="000000">
-                  <a:alpha val="30000"/>
-                </a:srgbClr>
-              </a:gs>
-            </a:gsLst>
-            <a:lin ang="7800000" scaled="0"/>
-          </a:gradFill>
-          <a:ln>
-            <a:noFill/>
-          </a:ln>
-        </p:spPr>
-        <p:style>
-          <a:lnRef idx="2">
-            <a:schemeClr val="accent1">
-              <a:shade val="50000"/>
-            </a:schemeClr>
-          </a:lnRef>
-          <a:fillRef idx="1">
-            <a:schemeClr val="accent1"/>
-          </a:fillRef>
-          <a:effectRef idx="0">
-            <a:schemeClr val="accent1"/>
-          </a:effectRef>
-          <a:fontRef idx="minor">
-            <a:schemeClr val="lt1"/>
-          </a:fontRef>
-        </p:style>
-        <p:txBody>
-          <a:bodyPr rtlCol="0" anchor="ctr"/>
-          <a:lstStyle/>
-          <a:p>
-            <a:pPr algn="ctr"/>
-            <a:endParaRPr lang="en-US" dirty="0"/>
-          </a:p>
-        </p:txBody>
-      </p:sp>
-      <p:sp>
-        <p:nvSpPr>
-          <p:cNvPr id="49" name="Freeform: Shape 48">
-            <a:extLst>
-              <a:ext uri="{FF2B5EF4-FFF2-40B4-BE49-F238E27FC236}">
-                <a16:creationId xmlns:a16="http://schemas.microsoft.com/office/drawing/2014/main" id="{43F8A58B-5155-44CE-A5FF-7647B47D0A7A}"/>
-              </a:ext>
-              <a:ext uri="{C183D7F6-B498-43B3-948B-1728B52AA6E4}">
-                <adec:decorative xmlns:adec="http://schemas.microsoft.com/office/drawing/2017/decorative" val="1"/>
-              </a:ext>
-            </a:extLst>
-          </p:cNvPr>
-          <p:cNvSpPr>
-            <a:spLocks noGrp="1" noRot="1" noChangeAspect="1" noMove="1" noResize="1" noEditPoints="1" noAdjustHandles="1" noChangeArrowheads="1" noChangeShapeType="1" noTextEdit="1"/>
-          </p:cNvSpPr>
-          <p:nvPr>
-            <p:extLst>
-              <p:ext uri="{386F3935-93C4-4BCD-93E2-E3B085C9AB24}">
-                <p16:designElem xmlns:p16="http://schemas.microsoft.com/office/powerpoint/2015/main" val="1"/>
-              </p:ext>
-            </p:extLst>
-          </p:nvPr>
-        </p:nvSpPr>
-        <p:spPr>
-          <a:xfrm rot="20635413">
-            <a:off x="-501737" y="969718"/>
-            <a:ext cx="3900357" cy="4178958"/>
-          </a:xfrm>
-          <a:custGeom>
-            <a:avLst/>
-            <a:gdLst>
-              <a:gd name="connsiteX0" fmla="*/ 2432225 w 3900357"/>
-              <a:gd name="connsiteY0" fmla="*/ 93939 h 4178958"/>
-              <a:gd name="connsiteX1" fmla="*/ 3900357 w 3900357"/>
-              <a:gd name="connsiteY1" fmla="*/ 2089479 h 4178958"/>
-              <a:gd name="connsiteX2" fmla="*/ 1810878 w 3900357"/>
-              <a:gd name="connsiteY2" fmla="*/ 4178958 h 4178958"/>
-              <a:gd name="connsiteX3" fmla="*/ 78249 w 3900357"/>
-              <a:gd name="connsiteY3" fmla="*/ 3257727 h 4178958"/>
-              <a:gd name="connsiteX4" fmla="*/ 0 w 3900357"/>
-              <a:gd name="connsiteY4" fmla="*/ 3128923 h 4178958"/>
-              <a:gd name="connsiteX5" fmla="*/ 831324 w 3900357"/>
-              <a:gd name="connsiteY5" fmla="*/ 244281 h 4178958"/>
-              <a:gd name="connsiteX6" fmla="*/ 997559 w 3900357"/>
-              <a:gd name="connsiteY6" fmla="*/ 164202 h 4178958"/>
-              <a:gd name="connsiteX7" fmla="*/ 1810878 w 3900357"/>
-              <a:gd name="connsiteY7" fmla="*/ 0 h 4178958"/>
-              <a:gd name="connsiteX8" fmla="*/ 2432225 w 3900357"/>
-              <a:gd name="connsiteY8" fmla="*/ 93939 h 4178958"/>
-            </a:gdLst>
-            <a:ahLst/>
-            <a:cxnLst>
-              <a:cxn ang="0">
-                <a:pos x="connsiteX0" y="connsiteY0"/>
-              </a:cxn>
-              <a:cxn ang="0">
-                <a:pos x="connsiteX1" y="connsiteY1"/>
-              </a:cxn>
-              <a:cxn ang="0">
-                <a:pos x="connsiteX2" y="connsiteY2"/>
-              </a:cxn>
-              <a:cxn ang="0">
-                <a:pos x="connsiteX3" y="connsiteY3"/>
-              </a:cxn>
-              <a:cxn ang="0">
-                <a:pos x="connsiteX4" y="connsiteY4"/>
-              </a:cxn>
-              <a:cxn ang="0">
-                <a:pos x="connsiteX5" y="connsiteY5"/>
-              </a:cxn>
-              <a:cxn ang="0">
-                <a:pos x="connsiteX6" y="connsiteY6"/>
-              </a:cxn>
-              <a:cxn ang="0">
-                <a:pos x="connsiteX7" y="connsiteY7"/>
-              </a:cxn>
-              <a:cxn ang="0">
-                <a:pos x="connsiteX8" y="connsiteY8"/>
-              </a:cxn>
-            </a:cxnLst>
-            <a:rect l="l" t="t" r="r" b="b"/>
-            <a:pathLst>
-              <a:path w="3900357" h="4178958">
-                <a:moveTo>
-                  <a:pt x="2432225" y="93939"/>
-                </a:moveTo>
-                <a:cubicBezTo>
-                  <a:pt x="3282786" y="358491"/>
-                  <a:pt x="3900357" y="1151865"/>
-                  <a:pt x="3900357" y="2089479"/>
-                </a:cubicBezTo>
-                <a:cubicBezTo>
-                  <a:pt x="3900357" y="3243466"/>
-                  <a:pt x="2964865" y="4178958"/>
-                  <a:pt x="1810878" y="4178958"/>
-                </a:cubicBezTo>
-                <a:cubicBezTo>
-                  <a:pt x="1089636" y="4178958"/>
-                  <a:pt x="453744" y="3813531"/>
-                  <a:pt x="78249" y="3257727"/>
-                </a:cubicBezTo>
-                <a:lnTo>
-                  <a:pt x="0" y="3128923"/>
-                </a:lnTo>
-                <a:lnTo>
-                  <a:pt x="831324" y="244281"/>
-                </a:lnTo>
-                <a:lnTo>
-                  <a:pt x="997559" y="164202"/>
-                </a:lnTo>
-                <a:cubicBezTo>
-                  <a:pt x="1247540" y="58468"/>
-                  <a:pt x="1522381" y="0"/>
-                  <a:pt x="1810878" y="0"/>
-                </a:cubicBezTo>
-                <a:cubicBezTo>
-                  <a:pt x="2027251" y="0"/>
-                  <a:pt x="2235942" y="32888"/>
-                  <a:pt x="2432225" y="93939"/>
-                </a:cubicBezTo>
-                <a:close/>
-              </a:path>
-            </a:pathLst>
-          </a:custGeom>
-          <a:gradFill>
-            <a:gsLst>
-              <a:gs pos="29000">
-                <a:srgbClr val="000000">
-                  <a:alpha val="0"/>
-                </a:srgbClr>
-              </a:gs>
-              <a:gs pos="100000">
-                <a:schemeClr val="accent1">
-                  <a:alpha val="43000"/>
-                </a:schemeClr>
-              </a:gs>
-            </a:gsLst>
-            <a:lin ang="1800000" scaled="0"/>
-          </a:gradFill>
-          <a:ln>
-            <a:noFill/>
-          </a:ln>
-        </p:spPr>
-        <p:style>
-          <a:lnRef idx="2">
-            <a:schemeClr val="accent1">
-              <a:shade val="50000"/>
-            </a:schemeClr>
-          </a:lnRef>
-          <a:fillRef idx="1">
-            <a:schemeClr val="accent1"/>
-          </a:fillRef>
-          <a:effectRef idx="0">
-            <a:schemeClr val="accent1"/>
-          </a:effectRef>
-          <a:fontRef idx="minor">
-            <a:schemeClr val="lt1"/>
-          </a:fontRef>
-        </p:style>
-        <p:txBody>
-          <a:bodyPr wrap="square" rtlCol="0" anchor="ctr">
-            <a:noAutofit/>
-          </a:bodyPr>
-          <a:lstStyle/>
-          <a:p>
-            <a:pPr algn="ctr"/>
-            <a:endParaRPr lang="en-US" dirty="0"/>
-          </a:p>
-        </p:txBody>
-      </p:sp>
-      <p:sp>
-        <p:nvSpPr>
-          <p:cNvPr id="51" name="Rectangle 50">
-            <a:extLst>
-              <a:ext uri="{FF2B5EF4-FFF2-40B4-BE49-F238E27FC236}">
-                <a16:creationId xmlns:a16="http://schemas.microsoft.com/office/drawing/2014/main" id="{443F2ACA-E6D6-4028-82DD-F03C262D5DE6}"/>
-              </a:ext>
-              <a:ext uri="{C183D7F6-B498-43B3-948B-1728B52AA6E4}">
-                <adec:decorative xmlns:adec="http://schemas.microsoft.com/office/drawing/2017/decorative" val="1"/>
-              </a:ext>
-            </a:extLst>
-          </p:cNvPr>
-          <p:cNvSpPr>
-            <a:spLocks noGrp="1" noRot="1" noChangeAspect="1" noMove="1" noResize="1" noEditPoints="1" noAdjustHandles="1" noChangeArrowheads="1" noChangeShapeType="1" noTextEdit="1"/>
-          </p:cNvSpPr>
-          <p:nvPr>
-            <p:extLst>
-              <p:ext uri="{386F3935-93C4-4BCD-93E2-E3B085C9AB24}">
-                <p16:designElem xmlns:p16="http://schemas.microsoft.com/office/powerpoint/2015/main" val="1"/>
-              </p:ext>
-            </p:extLst>
-          </p:nvPr>
-        </p:nvSpPr>
-        <p:spPr>
-          <a:xfrm rot="5400000" flipH="1">
-            <a:off x="-1410095" y="1410079"/>
-            <a:ext cx="6858003" cy="4037835"/>
-          </a:xfrm>
-          <a:prstGeom prst="rect">
-            <a:avLst/>
-          </a:prstGeom>
-          <a:gradFill>
-            <a:gsLst>
-              <a:gs pos="0">
-                <a:srgbClr val="000000">
-                  <a:alpha val="0"/>
-                </a:srgbClr>
-              </a:gs>
-              <a:gs pos="99000">
-                <a:schemeClr val="accent1">
-                  <a:lumMod val="60000"/>
-                  <a:lumOff val="40000"/>
-                  <a:alpha val="11000"/>
-                </a:schemeClr>
-              </a:gs>
-            </a:gsLst>
-            <a:lin ang="7200000" scaled="0"/>
-          </a:gradFill>
-          <a:ln>
-            <a:noFill/>
-          </a:ln>
-        </p:spPr>
-        <p:style>
-          <a:lnRef idx="2">
-            <a:schemeClr val="accent1">
-              <a:shade val="50000"/>
-            </a:schemeClr>
-          </a:lnRef>
-          <a:fillRef idx="1">
-            <a:schemeClr val="accent1"/>
-          </a:fillRef>
-          <a:effectRef idx="0">
-            <a:schemeClr val="accent1"/>
-          </a:effectRef>
-          <a:fontRef idx="minor">
-            <a:schemeClr val="lt1"/>
-          </a:fontRef>
-        </p:style>
-        <p:txBody>
-          <a:bodyPr rtlCol="0" anchor="ctr"/>
-          <a:lstStyle/>
-          <a:p>
-            <a:pPr algn="ctr"/>
-            <a:endParaRPr lang="en-US"/>
-          </a:p>
-        </p:txBody>
-      </p:sp>
-      <p:sp>
-        <p:nvSpPr>
-          <p:cNvPr id="2" name="Título 1">
-            <a:extLst>
-              <a:ext uri="{FF2B5EF4-FFF2-40B4-BE49-F238E27FC236}">
-                <a16:creationId xmlns:a16="http://schemas.microsoft.com/office/drawing/2014/main" id="{0B716DEC-18AA-F1D8-E1AE-023049CC613F}"/>
-              </a:ext>
-            </a:extLst>
-          </p:cNvPr>
-          <p:cNvSpPr>
-            <a:spLocks noGrp="1"/>
-          </p:cNvSpPr>
-          <p:nvPr>
-            <p:ph type="title"/>
-          </p:nvPr>
-        </p:nvSpPr>
-        <p:spPr>
-          <a:xfrm>
-            <a:off x="586478" y="1683756"/>
-            <a:ext cx="3115265" cy="2396359"/>
-          </a:xfrm>
-        </p:spPr>
-        <p:txBody>
-          <a:bodyPr anchor="b">
-            <a:normAutofit fontScale="90000"/>
-          </a:bodyPr>
-          <a:lstStyle/>
-          <a:p>
-            <a:pPr algn="r"/>
-            <a:r>
-              <a:rPr lang="es-ES" sz="3100" kern="100" dirty="0">
-                <a:solidFill>
-                  <a:srgbClr val="FFFFFF"/>
-                </a:solidFill>
-                <a:effectLst/>
-                <a:latin typeface="Calibri" panose="020F0502020204030204" pitchFamily="34" charset="0"/>
-                <a:ea typeface="Calibri" panose="020F0502020204030204" pitchFamily="34" charset="0"/>
-                <a:cs typeface="Times New Roman" panose="02020603050405020304" pitchFamily="18" charset="0"/>
-              </a:rPr>
-              <a:t>¿Qué servicios se utilizarán en el sistema y cómo se relacionan entre sí?</a:t>
-            </a:r>
-            <a:br>
-              <a:rPr lang="es-BO" sz="3100" kern="100" dirty="0">
-                <a:solidFill>
-                  <a:srgbClr val="FFFFFF"/>
-                </a:solidFill>
-                <a:effectLst/>
-                <a:latin typeface="Calibri" panose="020F0502020204030204" pitchFamily="34" charset="0"/>
-                <a:ea typeface="Calibri" panose="020F0502020204030204" pitchFamily="34" charset="0"/>
-                <a:cs typeface="Times New Roman" panose="02020603050405020304" pitchFamily="18" charset="0"/>
-              </a:rPr>
-            </a:br>
-            <a:endParaRPr lang="es-BO" sz="3100" dirty="0">
-              <a:solidFill>
-                <a:srgbClr val="FFFFFF"/>
-              </a:solidFill>
-            </a:endParaRPr>
-          </a:p>
-        </p:txBody>
-      </p:sp>
-      <p:graphicFrame>
-        <p:nvGraphicFramePr>
-          <p:cNvPr id="6" name="Marcador de contenido 5">
-            <a:extLst>
-              <a:ext uri="{FF2B5EF4-FFF2-40B4-BE49-F238E27FC236}">
-                <a16:creationId xmlns:a16="http://schemas.microsoft.com/office/drawing/2014/main" id="{A4C755F2-8B47-EF7D-95EB-7D0CB0C7FFFB}"/>
-              </a:ext>
-            </a:extLst>
-          </p:cNvPr>
-          <p:cNvGraphicFramePr>
-            <a:graphicFrameLocks noGrp="1"/>
-          </p:cNvGraphicFramePr>
-          <p:nvPr>
-            <p:ph idx="1"/>
-            <p:extLst>
-              <p:ext uri="{D42A27DB-BD31-4B8C-83A1-F6EECF244321}">
-                <p14:modId xmlns:p14="http://schemas.microsoft.com/office/powerpoint/2010/main" val="3903077715"/>
-              </p:ext>
-            </p:extLst>
-          </p:nvPr>
-        </p:nvGraphicFramePr>
-        <p:xfrm>
-          <a:off x="4288221" y="382621"/>
-          <a:ext cx="6781800" cy="5982410"/>
-        </p:xfrm>
-        <a:graphic>
-          <a:graphicData uri="http://schemas.openxmlformats.org/drawingml/2006/diagram">
-            <dgm:relIds xmlns:dgm="http://schemas.openxmlformats.org/drawingml/2006/diagram" xmlns:r="http://schemas.openxmlformats.org/officeDocument/2006/relationships" r:dm="rId2" r:lo="rId3" r:qs="rId4" r:cs="rId5"/>
-          </a:graphicData>
-        </a:graphic>
-      </p:graphicFrame>
-    </p:spTree>
-    <p:extLst>
-      <p:ext uri="{BB962C8B-B14F-4D97-AF65-F5344CB8AC3E}">
-        <p14:creationId xmlns:p14="http://schemas.microsoft.com/office/powerpoint/2010/main" val="1703266657"/>
-      </p:ext>
-    </p:extLst>
-  </p:cSld>
-  <p:clrMapOvr>
-    <a:masterClrMapping/>
-  </p:clrMapOvr>
-</p:sld>
-</file>
-
-<file path=ppt/slides/slide6.xml><?xml version="1.0" encoding="utf-8"?>
+<file path=ppt/slides/slide8.xml><?xml version="1.0" encoding="utf-8"?>
 <p:sld xmlns:a="http://schemas.openxmlformats.org/drawingml/2006/main" xmlns:r="http://schemas.openxmlformats.org/officeDocument/2006/relationships" xmlns:p="http://schemas.openxmlformats.org/presentationml/2006/main">
   <p:cSld>
     <p:bg>
@@ -18168,7 +20977,7 @@
 </p:sld>
 </file>
 
-<file path=ppt/slides/slide7.xml><?xml version="1.0" encoding="utf-8"?>
+<file path=ppt/slides/slide9.xml><?xml version="1.0" encoding="utf-8"?>
 <p:sld xmlns:a="http://schemas.openxmlformats.org/drawingml/2006/main" xmlns:r="http://schemas.openxmlformats.org/officeDocument/2006/relationships" xmlns:p="http://schemas.openxmlformats.org/presentationml/2006/main">
   <p:cSld>
     <p:bg>

--- a/docs/Cajero multi moneda.pptx
+++ b/docs/Cajero multi moneda.pptx
@@ -3727,7 +3727,7 @@
         <a:p>
           <a:r>
             <a:rPr lang="es-BO" b="1" dirty="0"/>
-            <a:t>Gestión Cuentas </a:t>
+            <a:t>Gestión Cuentas               </a:t>
           </a:r>
           <a:r>
             <a:rPr lang="es-BO" dirty="0"/>
@@ -4848,7 +4848,7 @@
           </a:pPr>
           <a:r>
             <a:rPr lang="es-BO" sz="1800" b="1" kern="1200" dirty="0"/>
-            <a:t>Gestión Cuentas </a:t>
+            <a:t>Gestión Cuentas               </a:t>
           </a:r>
           <a:r>
             <a:rPr lang="es-BO" sz="1800" kern="1200" dirty="0"/>
@@ -10882,7 +10882,7 @@
           <a:p>
             <a:fld id="{F9C53F7F-9A93-4D9D-8D52-BA57109D2C6F}" type="datetimeFigureOut">
               <a:rPr lang="es-BO" smtClean="0"/>
-              <a:t>25/1/2024</a:t>
+              <a:t>28/1/2024</a:t>
             </a:fld>
             <a:endParaRPr lang="es-BO"/>
           </a:p>
@@ -11082,7 +11082,7 @@
           <a:p>
             <a:fld id="{F9C53F7F-9A93-4D9D-8D52-BA57109D2C6F}" type="datetimeFigureOut">
               <a:rPr lang="es-BO" smtClean="0"/>
-              <a:t>25/1/2024</a:t>
+              <a:t>28/1/2024</a:t>
             </a:fld>
             <a:endParaRPr lang="es-BO"/>
           </a:p>
@@ -11292,7 +11292,7 @@
           <a:p>
             <a:fld id="{F9C53F7F-9A93-4D9D-8D52-BA57109D2C6F}" type="datetimeFigureOut">
               <a:rPr lang="es-BO" smtClean="0"/>
-              <a:t>25/1/2024</a:t>
+              <a:t>28/1/2024</a:t>
             </a:fld>
             <a:endParaRPr lang="es-BO"/>
           </a:p>
@@ -11492,7 +11492,7 @@
           <a:p>
             <a:fld id="{F9C53F7F-9A93-4D9D-8D52-BA57109D2C6F}" type="datetimeFigureOut">
               <a:rPr lang="es-BO" smtClean="0"/>
-              <a:t>25/1/2024</a:t>
+              <a:t>28/1/2024</a:t>
             </a:fld>
             <a:endParaRPr lang="es-BO"/>
           </a:p>
@@ -11768,7 +11768,7 @@
           <a:p>
             <a:fld id="{F9C53F7F-9A93-4D9D-8D52-BA57109D2C6F}" type="datetimeFigureOut">
               <a:rPr lang="es-BO" smtClean="0"/>
-              <a:t>25/1/2024</a:t>
+              <a:t>28/1/2024</a:t>
             </a:fld>
             <a:endParaRPr lang="es-BO"/>
           </a:p>
@@ -12036,7 +12036,7 @@
           <a:p>
             <a:fld id="{F9C53F7F-9A93-4D9D-8D52-BA57109D2C6F}" type="datetimeFigureOut">
               <a:rPr lang="es-BO" smtClean="0"/>
-              <a:t>25/1/2024</a:t>
+              <a:t>28/1/2024</a:t>
             </a:fld>
             <a:endParaRPr lang="es-BO"/>
           </a:p>
@@ -12451,7 +12451,7 @@
           <a:p>
             <a:fld id="{F9C53F7F-9A93-4D9D-8D52-BA57109D2C6F}" type="datetimeFigureOut">
               <a:rPr lang="es-BO" smtClean="0"/>
-              <a:t>25/1/2024</a:t>
+              <a:t>28/1/2024</a:t>
             </a:fld>
             <a:endParaRPr lang="es-BO"/>
           </a:p>
@@ -12593,7 +12593,7 @@
           <a:p>
             <a:fld id="{F9C53F7F-9A93-4D9D-8D52-BA57109D2C6F}" type="datetimeFigureOut">
               <a:rPr lang="es-BO" smtClean="0"/>
-              <a:t>25/1/2024</a:t>
+              <a:t>28/1/2024</a:t>
             </a:fld>
             <a:endParaRPr lang="es-BO"/>
           </a:p>
@@ -12706,7 +12706,7 @@
           <a:p>
             <a:fld id="{F9C53F7F-9A93-4D9D-8D52-BA57109D2C6F}" type="datetimeFigureOut">
               <a:rPr lang="es-BO" smtClean="0"/>
-              <a:t>25/1/2024</a:t>
+              <a:t>28/1/2024</a:t>
             </a:fld>
             <a:endParaRPr lang="es-BO"/>
           </a:p>
@@ -13019,7 +13019,7 @@
           <a:p>
             <a:fld id="{F9C53F7F-9A93-4D9D-8D52-BA57109D2C6F}" type="datetimeFigureOut">
               <a:rPr lang="es-BO" smtClean="0"/>
-              <a:t>25/1/2024</a:t>
+              <a:t>28/1/2024</a:t>
             </a:fld>
             <a:endParaRPr lang="es-BO"/>
           </a:p>
@@ -13308,7 +13308,7 @@
           <a:p>
             <a:fld id="{F9C53F7F-9A93-4D9D-8D52-BA57109D2C6F}" type="datetimeFigureOut">
               <a:rPr lang="es-BO" smtClean="0"/>
-              <a:t>25/1/2024</a:t>
+              <a:t>28/1/2024</a:t>
             </a:fld>
             <a:endParaRPr lang="es-BO"/>
           </a:p>
@@ -13551,7 +13551,7 @@
           <a:p>
             <a:fld id="{F9C53F7F-9A93-4D9D-8D52-BA57109D2C6F}" type="datetimeFigureOut">
               <a:rPr lang="es-BO" smtClean="0"/>
-              <a:t>25/1/2024</a:t>
+              <a:t>28/1/2024</a:t>
             </a:fld>
             <a:endParaRPr lang="es-BO"/>
           </a:p>
@@ -17100,7 +17100,7 @@
             <p:ph idx="1"/>
             <p:extLst>
               <p:ext uri="{D42A27DB-BD31-4B8C-83A1-F6EECF244321}">
-                <p14:modId xmlns:p14="http://schemas.microsoft.com/office/powerpoint/2010/main" val="649691281"/>
+                <p14:modId xmlns:p14="http://schemas.microsoft.com/office/powerpoint/2010/main" val="2059914935"/>
               </p:ext>
             </p:extLst>
           </p:nvPr>
